--- a/DJANGO.pptx
+++ b/DJANGO.pptx
@@ -5,10 +5,10 @@
     <p:sldMasterId id="2147483650" r:id="rId4"/>
   </p:sldMasterIdLst>
   <p:notesMasterIdLst>
-    <p:notesMasterId r:id="rId11"/>
+    <p:notesMasterId r:id="rId17"/>
   </p:notesMasterIdLst>
   <p:handoutMasterIdLst>
-    <p:handoutMasterId r:id="rId12"/>
+    <p:handoutMasterId r:id="rId18"/>
   </p:handoutMasterIdLst>
   <p:sldIdLst>
     <p:sldId id="312" r:id="rId5"/>
@@ -17,6 +17,12 @@
     <p:sldId id="313" r:id="rId8"/>
     <p:sldId id="315" r:id="rId9"/>
     <p:sldId id="317" r:id="rId10"/>
+    <p:sldId id="318" r:id="rId11"/>
+    <p:sldId id="321" r:id="rId12"/>
+    <p:sldId id="320" r:id="rId13"/>
+    <p:sldId id="319" r:id="rId14"/>
+    <p:sldId id="322" r:id="rId15"/>
+    <p:sldId id="323" r:id="rId16"/>
   </p:sldIdLst>
   <p:sldSz cx="12192000" cy="6858000"/>
   <p:notesSz cx="13716000" cy="24384000"/>
@@ -117,7 +123,7 @@
   </p:defaultTextStyle>
   <p:extLst>
     <p:ext uri="{EFAFB233-063F-42B5-8137-9DF3F51BA10A}">
-      <p15:sldGuideLst xmlns:p15="http://schemas.microsoft.com/office/powerpoint/2012/main">
+      <p15:sldGuideLst xmlns="" xmlns:p15="http://schemas.microsoft.com/office/powerpoint/2012/main">
         <p15:guide id="3" orient="horz" pos="2616" userDrawn="1">
           <p15:clr>
             <a:srgbClr val="A4A3A4"/>
@@ -211,7 +217,7 @@
       </p15:sldGuideLst>
     </p:ext>
     <p:ext uri="{2D200454-40CA-4A62-9FC3-DE9A4176ACB9}">
-      <p15:notesGuideLst xmlns:p15="http://schemas.microsoft.com/office/powerpoint/2012/main"/>
+      <p15:notesGuideLst xmlns="" xmlns:p15="http://schemas.microsoft.com/office/powerpoint/2012/main"/>
     </p:ext>
   </p:extLst>
 </p:presentation>
@@ -250,7 +256,7 @@
           <p:cNvPr id="2" name="Header Placeholder 1">
             <a:extLst>
               <a:ext uri="{FF2B5EF4-FFF2-40B4-BE49-F238E27FC236}">
-                <a16:creationId xmlns:a16="http://schemas.microsoft.com/office/drawing/2014/main" id="{22426ABF-A8C0-D94B-8DA4-89B3D95177FD}"/>
+                <a16:creationId xmlns="" xmlns:a16="http://schemas.microsoft.com/office/drawing/2014/main" id="{22426ABF-A8C0-D94B-8DA4-89B3D95177FD}"/>
               </a:ext>
             </a:extLst>
           </p:cNvPr>
@@ -287,7 +293,7 @@
           <p:cNvPr id="3" name="Date Placeholder 2">
             <a:extLst>
               <a:ext uri="{FF2B5EF4-FFF2-40B4-BE49-F238E27FC236}">
-                <a16:creationId xmlns:a16="http://schemas.microsoft.com/office/drawing/2014/main" id="{F73E1C36-C21F-0B70-27E7-5B59DAE27561}"/>
+                <a16:creationId xmlns="" xmlns:a16="http://schemas.microsoft.com/office/drawing/2014/main" id="{F73E1C36-C21F-0B70-27E7-5B59DAE27561}"/>
               </a:ext>
             </a:extLst>
           </p:cNvPr>
@@ -317,6 +323,7 @@
           <a:p>
             <a:fld id="{AA970FB6-164E-0840-A35B-09E9F3D45F76}" type="datetimeyyyy">
               <a:rPr lang="en-US" smtClean="0"/>
+              <a:pPr/>
               <a:t>2025</a:t>
             </a:fld>
             <a:endParaRPr lang="en-US" dirty="0"/>
@@ -328,7 +335,7 @@
           <p:cNvPr id="4" name="Footer Placeholder 3">
             <a:extLst>
               <a:ext uri="{FF2B5EF4-FFF2-40B4-BE49-F238E27FC236}">
-                <a16:creationId xmlns:a16="http://schemas.microsoft.com/office/drawing/2014/main" id="{E5942066-244B-8673-5E9A-26E4265AD0B2}"/>
+                <a16:creationId xmlns="" xmlns:a16="http://schemas.microsoft.com/office/drawing/2014/main" id="{E5942066-244B-8673-5E9A-26E4265AD0B2}"/>
               </a:ext>
             </a:extLst>
           </p:cNvPr>
@@ -365,7 +372,7 @@
           <p:cNvPr id="5" name="Slide Number Placeholder 4">
             <a:extLst>
               <a:ext uri="{FF2B5EF4-FFF2-40B4-BE49-F238E27FC236}">
-                <a16:creationId xmlns:a16="http://schemas.microsoft.com/office/drawing/2014/main" id="{2530EE97-1F54-6631-A4BB-FD938296488E}"/>
+                <a16:creationId xmlns="" xmlns:a16="http://schemas.microsoft.com/office/drawing/2014/main" id="{2530EE97-1F54-6631-A4BB-FD938296488E}"/>
               </a:ext>
             </a:extLst>
           </p:cNvPr>
@@ -395,6 +402,7 @@
           <a:p>
             <a:fld id="{420BD0AB-C59E-4A46-83D3-F07787446BA0}" type="slidenum">
               <a:rPr lang="en-US" smtClean="0"/>
+              <a:pPr/>
               <a:t>‹#›</a:t>
             </a:fld>
             <a:endParaRPr lang="en-US" dirty="0"/>
@@ -404,7 +412,7 @@
     </p:spTree>
     <p:extLst>
       <p:ext uri="{BB962C8B-B14F-4D97-AF65-F5344CB8AC3E}">
-        <p14:creationId xmlns:p14="http://schemas.microsoft.com/office/powerpoint/2010/main" val="4133783596"/>
+        <p14:creationId xmlns="" xmlns:p14="http://schemas.microsoft.com/office/powerpoint/2010/main" val="4133783596"/>
       </p:ext>
     </p:extLst>
   </p:cSld>
@@ -438,7 +446,7 @@
     </p:spTree>
     <p:extLst>
       <p:ext uri="{BB962C8B-B14F-4D97-AF65-F5344CB8AC3E}">
-        <p14:creationId xmlns:p14="http://schemas.microsoft.com/office/powerpoint/2010/main" val="1780866786"/>
+        <p14:creationId xmlns="" xmlns:p14="http://schemas.microsoft.com/office/powerpoint/2010/main" val="1780866786"/>
       </p:ext>
     </p:extLst>
   </p:cSld>
@@ -612,7 +620,7 @@
     </p:spTree>
     <p:extLst>
       <p:ext uri="{BB962C8B-B14F-4D97-AF65-F5344CB8AC3E}">
-        <p14:creationId xmlns:p14="http://schemas.microsoft.com/office/powerpoint/2010/main" val="2997654815"/>
+        <p14:creationId xmlns="" xmlns:p14="http://schemas.microsoft.com/office/powerpoint/2010/main" val="2997654815"/>
       </p:ext>
     </p:extLst>
   </p:cSld>
@@ -652,10 +660,10 @@
           <p:cNvPr id="15" name="Image 0">
             <a:extLst>
               <a:ext uri="{FF2B5EF4-FFF2-40B4-BE49-F238E27FC236}">
-                <a16:creationId xmlns:a16="http://schemas.microsoft.com/office/drawing/2014/main" id="{BA5D5A72-CB6F-F8DE-E2C9-90459C8C3DC1}"/>
+                <a16:creationId xmlns="" xmlns:a16="http://schemas.microsoft.com/office/drawing/2014/main" id="{BA5D5A72-CB6F-F8DE-E2C9-90459C8C3DC1}"/>
               </a:ext>
               <a:ext uri="{C183D7F6-B498-43B3-948B-1728B52AA6E4}">
-                <adec:decorative xmlns:adec="http://schemas.microsoft.com/office/drawing/2017/decorative" val="1"/>
+                <adec:decorative xmlns="" xmlns:adec="http://schemas.microsoft.com/office/drawing/2017/decorative" val="1"/>
               </a:ext>
             </a:extLst>
           </p:cNvPr>
@@ -737,10 +745,10 @@
           <p:cNvPr id="20" name="Freeform: Shape 19">
             <a:extLst>
               <a:ext uri="{FF2B5EF4-FFF2-40B4-BE49-F238E27FC236}">
-                <a16:creationId xmlns:a16="http://schemas.microsoft.com/office/drawing/2014/main" id="{E66FD7FF-2869-7902-36B2-2B229AB9AB19}"/>
+                <a16:creationId xmlns="" xmlns:a16="http://schemas.microsoft.com/office/drawing/2014/main" id="{E66FD7FF-2869-7902-36B2-2B229AB9AB19}"/>
               </a:ext>
               <a:ext uri="{C183D7F6-B498-43B3-948B-1728B52AA6E4}">
-                <adec:decorative xmlns:adec="http://schemas.microsoft.com/office/drawing/2017/decorative" val="1"/>
+                <adec:decorative xmlns="" xmlns:adec="http://schemas.microsoft.com/office/drawing/2017/decorative" val="1"/>
               </a:ext>
             </a:extLst>
           </p:cNvPr>
@@ -850,10 +858,10 @@
           <p:cNvPr id="18" name="Freeform: Shape 17">
             <a:extLst>
               <a:ext uri="{FF2B5EF4-FFF2-40B4-BE49-F238E27FC236}">
-                <a16:creationId xmlns:a16="http://schemas.microsoft.com/office/drawing/2014/main" id="{B1457C88-4472-81CF-02AF-4421E0A3084B}"/>
+                <a16:creationId xmlns="" xmlns:a16="http://schemas.microsoft.com/office/drawing/2014/main" id="{B1457C88-4472-81CF-02AF-4421E0A3084B}"/>
               </a:ext>
               <a:ext uri="{C183D7F6-B498-43B3-948B-1728B52AA6E4}">
-                <adec:decorative xmlns:adec="http://schemas.microsoft.com/office/drawing/2017/decorative" val="1"/>
+                <adec:decorative xmlns="" xmlns:adec="http://schemas.microsoft.com/office/drawing/2017/decorative" val="1"/>
               </a:ext>
             </a:extLst>
           </p:cNvPr>
@@ -991,7 +999,7 @@
     </p:spTree>
     <p:extLst>
       <p:ext uri="{BB962C8B-B14F-4D97-AF65-F5344CB8AC3E}">
-        <p14:creationId xmlns:p14="http://schemas.microsoft.com/office/powerpoint/2010/main" val="2631799807"/>
+        <p14:creationId xmlns="" xmlns:p14="http://schemas.microsoft.com/office/powerpoint/2010/main" val="2631799807"/>
       </p:ext>
     </p:extLst>
   </p:cSld>
@@ -1000,7 +1008,7 @@
   </p:clrMapOvr>
   <p:extLst>
     <p:ext uri="{DCECCB84-F9BA-43D5-87BE-67443E8EF086}">
-      <p15:sldGuideLst xmlns:p15="http://schemas.microsoft.com/office/powerpoint/2012/main">
+      <p15:sldGuideLst xmlns="" xmlns:p15="http://schemas.microsoft.com/office/powerpoint/2012/main">
         <p15:guide id="1" orient="horz" pos="2160" userDrawn="1">
           <p15:clr>
             <a:srgbClr val="FBAE40"/>
@@ -1039,10 +1047,10 @@
           <p:cNvPr id="12" name="Freeform 11">
             <a:extLst>
               <a:ext uri="{FF2B5EF4-FFF2-40B4-BE49-F238E27FC236}">
-                <a16:creationId xmlns:a16="http://schemas.microsoft.com/office/drawing/2014/main" id="{D014917C-8694-B4A4-A211-0F31F00E247E}"/>
+                <a16:creationId xmlns="" xmlns:a16="http://schemas.microsoft.com/office/drawing/2014/main" id="{D014917C-8694-B4A4-A211-0F31F00E247E}"/>
               </a:ext>
               <a:ext uri="{C183D7F6-B498-43B3-948B-1728B52AA6E4}">
-                <adec:decorative xmlns:adec="http://schemas.microsoft.com/office/drawing/2017/decorative" val="1"/>
+                <adec:decorative xmlns="" xmlns:adec="http://schemas.microsoft.com/office/drawing/2017/decorative" val="1"/>
               </a:ext>
             </a:extLst>
           </p:cNvPr>
@@ -1162,10 +1170,10 @@
           <p:cNvPr id="10" name="Freeform 9">
             <a:extLst>
               <a:ext uri="{FF2B5EF4-FFF2-40B4-BE49-F238E27FC236}">
-                <a16:creationId xmlns:a16="http://schemas.microsoft.com/office/drawing/2014/main" id="{A7DB6972-BB75-254A-BA88-C0C3E6E93BDB}"/>
+                <a16:creationId xmlns="" xmlns:a16="http://schemas.microsoft.com/office/drawing/2014/main" id="{A7DB6972-BB75-254A-BA88-C0C3E6E93BDB}"/>
               </a:ext>
               <a:ext uri="{C183D7F6-B498-43B3-948B-1728B52AA6E4}">
-                <adec:decorative xmlns:adec="http://schemas.microsoft.com/office/drawing/2017/decorative" val="1"/>
+                <adec:decorative xmlns="" xmlns:adec="http://schemas.microsoft.com/office/drawing/2017/decorative" val="1"/>
               </a:ext>
             </a:extLst>
           </p:cNvPr>
@@ -1263,10 +1271,10 @@
           <p:cNvPr id="30" name="Image 2">
             <a:extLst>
               <a:ext uri="{FF2B5EF4-FFF2-40B4-BE49-F238E27FC236}">
-                <a16:creationId xmlns:a16="http://schemas.microsoft.com/office/drawing/2014/main" id="{790E862E-398F-571C-EC2C-3D17164DE059}"/>
+                <a16:creationId xmlns="" xmlns:a16="http://schemas.microsoft.com/office/drawing/2014/main" id="{790E862E-398F-571C-EC2C-3D17164DE059}"/>
               </a:ext>
               <a:ext uri="{C183D7F6-B498-43B3-948B-1728B52AA6E4}">
-                <adec:decorative xmlns:adec="http://schemas.microsoft.com/office/drawing/2017/decorative" val="1"/>
+                <adec:decorative xmlns="" xmlns:adec="http://schemas.microsoft.com/office/drawing/2017/decorative" val="1"/>
               </a:ext>
             </a:extLst>
           </p:cNvPr>
@@ -1362,7 +1370,7 @@
           <p:cNvPr id="6" name="Title 1">
             <a:extLst>
               <a:ext uri="{FF2B5EF4-FFF2-40B4-BE49-F238E27FC236}">
-                <a16:creationId xmlns:a16="http://schemas.microsoft.com/office/drawing/2014/main" id="{1C975BF2-D657-C309-269D-B8D006263130}"/>
+                <a16:creationId xmlns="" xmlns:a16="http://schemas.microsoft.com/office/drawing/2014/main" id="{1C975BF2-D657-C309-269D-B8D006263130}"/>
               </a:ext>
             </a:extLst>
           </p:cNvPr>
@@ -1406,7 +1414,7 @@
           <p:cNvPr id="4" name="Text Placeholder 54">
             <a:extLst>
               <a:ext uri="{FF2B5EF4-FFF2-40B4-BE49-F238E27FC236}">
-                <a16:creationId xmlns:a16="http://schemas.microsoft.com/office/drawing/2014/main" id="{A0AEB4DF-13C8-8171-2BDB-FD1AD542E783}"/>
+                <a16:creationId xmlns="" xmlns:a16="http://schemas.microsoft.com/office/drawing/2014/main" id="{A0AEB4DF-13C8-8171-2BDB-FD1AD542E783}"/>
               </a:ext>
             </a:extLst>
           </p:cNvPr>
@@ -1456,7 +1464,7 @@
           <p:cNvPr id="9" name="Content Placeholder 2">
             <a:extLst>
               <a:ext uri="{FF2B5EF4-FFF2-40B4-BE49-F238E27FC236}">
-                <a16:creationId xmlns:a16="http://schemas.microsoft.com/office/drawing/2014/main" id="{42134EBA-AF32-9F8A-370F-0D3E842F0397}"/>
+                <a16:creationId xmlns="" xmlns:a16="http://schemas.microsoft.com/office/drawing/2014/main" id="{42134EBA-AF32-9F8A-370F-0D3E842F0397}"/>
               </a:ext>
             </a:extLst>
           </p:cNvPr>
@@ -1536,7 +1544,7 @@
           <p:cNvPr id="20" name="Slide Number Placeholder 2">
             <a:extLst>
               <a:ext uri="{FF2B5EF4-FFF2-40B4-BE49-F238E27FC236}">
-                <a16:creationId xmlns:a16="http://schemas.microsoft.com/office/drawing/2014/main" id="{AE99A73D-155B-A133-9671-506F54A0559A}"/>
+                <a16:creationId xmlns="" xmlns:a16="http://schemas.microsoft.com/office/drawing/2014/main" id="{AE99A73D-155B-A133-9671-506F54A0559A}"/>
               </a:ext>
             </a:extLst>
           </p:cNvPr>
@@ -1575,7 +1583,7 @@
     </p:spTree>
     <p:extLst>
       <p:ext uri="{BB962C8B-B14F-4D97-AF65-F5344CB8AC3E}">
-        <p14:creationId xmlns:p14="http://schemas.microsoft.com/office/powerpoint/2010/main" val="2203958812"/>
+        <p14:creationId xmlns="" xmlns:p14="http://schemas.microsoft.com/office/powerpoint/2010/main" val="2203958812"/>
       </p:ext>
     </p:extLst>
   </p:cSld>
@@ -1607,10 +1615,10 @@
           <p:cNvPr id="29" name="Graphic 28">
             <a:extLst>
               <a:ext uri="{FF2B5EF4-FFF2-40B4-BE49-F238E27FC236}">
-                <a16:creationId xmlns:a16="http://schemas.microsoft.com/office/drawing/2014/main" id="{D5595DD5-43B0-252F-8BC6-6B74340C5BCF}"/>
+                <a16:creationId xmlns="" xmlns:a16="http://schemas.microsoft.com/office/drawing/2014/main" id="{D5595DD5-43B0-252F-8BC6-6B74340C5BCF}"/>
               </a:ext>
               <a:ext uri="{C183D7F6-B498-43B3-948B-1728B52AA6E4}">
-                <adec:decorative xmlns:adec="http://schemas.microsoft.com/office/drawing/2017/decorative" val="1"/>
+                <adec:decorative xmlns="" xmlns:adec="http://schemas.microsoft.com/office/drawing/2017/decorative" val="1"/>
               </a:ext>
             </a:extLst>
           </p:cNvPr>
@@ -1623,10 +1631,10 @@
           <a:blip r:embed="rId2" cstate="screen">
             <a:extLst>
               <a:ext uri="{28A0092B-C50C-407E-A947-70E740481C1C}">
-                <a14:useLocalDpi xmlns:a14="http://schemas.microsoft.com/office/drawing/2010/main"/>
+                <a14:useLocalDpi xmlns="" xmlns:a14="http://schemas.microsoft.com/office/drawing/2010/main"/>
               </a:ext>
               <a:ext uri="{96DAC541-7B7A-43D3-8B79-37D633B846F1}">
-                <asvg:svgBlip xmlns:asvg="http://schemas.microsoft.com/office/drawing/2016/SVG/main" r:embed="rId3"/>
+                <asvg:svgBlip xmlns="" xmlns:asvg="http://schemas.microsoft.com/office/drawing/2016/SVG/main" r:embed="rId3"/>
               </a:ext>
             </a:extLst>
           </a:blip>
@@ -1727,10 +1735,10 @@
           <p:cNvPr id="49" name="Freeform 48">
             <a:extLst>
               <a:ext uri="{FF2B5EF4-FFF2-40B4-BE49-F238E27FC236}">
-                <a16:creationId xmlns:a16="http://schemas.microsoft.com/office/drawing/2014/main" id="{BC3A3767-6C5E-8188-0A49-955BBACE37F0}"/>
+                <a16:creationId xmlns="" xmlns:a16="http://schemas.microsoft.com/office/drawing/2014/main" id="{BC3A3767-6C5E-8188-0A49-955BBACE37F0}"/>
               </a:ext>
               <a:ext uri="{C183D7F6-B498-43B3-948B-1728B52AA6E4}">
-                <adec:decorative xmlns:adec="http://schemas.microsoft.com/office/drawing/2017/decorative" val="1"/>
+                <adec:decorative xmlns="" xmlns:adec="http://schemas.microsoft.com/office/drawing/2017/decorative" val="1"/>
               </a:ext>
             </a:extLst>
           </p:cNvPr>
@@ -1814,7 +1822,7 @@
           <p:cNvPr id="16" name="Content Placeholder 3">
             <a:extLst>
               <a:ext uri="{FF2B5EF4-FFF2-40B4-BE49-F238E27FC236}">
-                <a16:creationId xmlns:a16="http://schemas.microsoft.com/office/drawing/2014/main" id="{E4BD7F71-D12B-4F27-1505-FF681CF55F73}"/>
+                <a16:creationId xmlns="" xmlns:a16="http://schemas.microsoft.com/office/drawing/2014/main" id="{E4BD7F71-D12B-4F27-1505-FF681CF55F73}"/>
               </a:ext>
             </a:extLst>
           </p:cNvPr>
@@ -1909,7 +1917,7 @@
           <p:cNvPr id="18" name="Content Placeholder 3">
             <a:extLst>
               <a:ext uri="{FF2B5EF4-FFF2-40B4-BE49-F238E27FC236}">
-                <a16:creationId xmlns:a16="http://schemas.microsoft.com/office/drawing/2014/main" id="{FB87C65D-4EF3-18C8-18A8-477F87A37E51}"/>
+                <a16:creationId xmlns="" xmlns:a16="http://schemas.microsoft.com/office/drawing/2014/main" id="{FB87C65D-4EF3-18C8-18A8-477F87A37E51}"/>
               </a:ext>
             </a:extLst>
           </p:cNvPr>
@@ -2004,7 +2012,7 @@
           <p:cNvPr id="27" name="Slide Number Placeholder 2">
             <a:extLst>
               <a:ext uri="{FF2B5EF4-FFF2-40B4-BE49-F238E27FC236}">
-                <a16:creationId xmlns:a16="http://schemas.microsoft.com/office/drawing/2014/main" id="{AEFFA34C-885D-E995-D8F9-B4ACFBF3110D}"/>
+                <a16:creationId xmlns="" xmlns:a16="http://schemas.microsoft.com/office/drawing/2014/main" id="{AEFFA34C-885D-E995-D8F9-B4ACFBF3110D}"/>
               </a:ext>
             </a:extLst>
           </p:cNvPr>
@@ -2045,10 +2053,10 @@
           <p:cNvPr id="43" name="Graphic 42">
             <a:extLst>
               <a:ext uri="{FF2B5EF4-FFF2-40B4-BE49-F238E27FC236}">
-                <a16:creationId xmlns:a16="http://schemas.microsoft.com/office/drawing/2014/main" id="{C6639AD7-128F-B39D-B45F-0F22A2C6D68B}"/>
+                <a16:creationId xmlns="" xmlns:a16="http://schemas.microsoft.com/office/drawing/2014/main" id="{C6639AD7-128F-B39D-B45F-0F22A2C6D68B}"/>
               </a:ext>
               <a:ext uri="{C183D7F6-B498-43B3-948B-1728B52AA6E4}">
-                <adec:decorative xmlns:adec="http://schemas.microsoft.com/office/drawing/2017/decorative" val="1"/>
+                <adec:decorative xmlns="" xmlns:adec="http://schemas.microsoft.com/office/drawing/2017/decorative" val="1"/>
               </a:ext>
             </a:extLst>
           </p:cNvPr>
@@ -2061,10 +2069,10 @@
           <a:blip r:embed="rId2" cstate="screen">
             <a:extLst>
               <a:ext uri="{28A0092B-C50C-407E-A947-70E740481C1C}">
-                <a14:useLocalDpi xmlns:a14="http://schemas.microsoft.com/office/drawing/2010/main"/>
+                <a14:useLocalDpi xmlns="" xmlns:a14="http://schemas.microsoft.com/office/drawing/2010/main"/>
               </a:ext>
               <a:ext uri="{96DAC541-7B7A-43D3-8B79-37D633B846F1}">
-                <asvg:svgBlip xmlns:asvg="http://schemas.microsoft.com/office/drawing/2016/SVG/main" r:embed="rId3"/>
+                <asvg:svgBlip xmlns="" xmlns:asvg="http://schemas.microsoft.com/office/drawing/2016/SVG/main" r:embed="rId3"/>
               </a:ext>
             </a:extLst>
           </a:blip>
@@ -2129,10 +2137,10 @@
           <p:cNvPr id="54" name="Graphic 53">
             <a:extLst>
               <a:ext uri="{FF2B5EF4-FFF2-40B4-BE49-F238E27FC236}">
-                <a16:creationId xmlns:a16="http://schemas.microsoft.com/office/drawing/2014/main" id="{48479A23-C29C-C711-510C-05B69B882268}"/>
+                <a16:creationId xmlns="" xmlns:a16="http://schemas.microsoft.com/office/drawing/2014/main" id="{48479A23-C29C-C711-510C-05B69B882268}"/>
               </a:ext>
               <a:ext uri="{C183D7F6-B498-43B3-948B-1728B52AA6E4}">
-                <adec:decorative xmlns:adec="http://schemas.microsoft.com/office/drawing/2017/decorative" val="1"/>
+                <adec:decorative xmlns="" xmlns:adec="http://schemas.microsoft.com/office/drawing/2017/decorative" val="1"/>
               </a:ext>
             </a:extLst>
           </p:cNvPr>
@@ -2145,10 +2153,10 @@
           <a:blip r:embed="rId4" cstate="screen">
             <a:extLst>
               <a:ext uri="{28A0092B-C50C-407E-A947-70E740481C1C}">
-                <a14:useLocalDpi xmlns:a14="http://schemas.microsoft.com/office/drawing/2010/main"/>
+                <a14:useLocalDpi xmlns="" xmlns:a14="http://schemas.microsoft.com/office/drawing/2010/main"/>
               </a:ext>
               <a:ext uri="{96DAC541-7B7A-43D3-8B79-37D633B846F1}">
-                <asvg:svgBlip xmlns:asvg="http://schemas.microsoft.com/office/drawing/2016/SVG/main" r:embed="rId5"/>
+                <asvg:svgBlip xmlns="" xmlns:asvg="http://schemas.microsoft.com/office/drawing/2016/SVG/main" r:embed="rId5"/>
               </a:ext>
             </a:extLst>
           </a:blip>
@@ -2213,10 +2221,10 @@
           <p:cNvPr id="7" name="Image 2">
             <a:extLst>
               <a:ext uri="{FF2B5EF4-FFF2-40B4-BE49-F238E27FC236}">
-                <a16:creationId xmlns:a16="http://schemas.microsoft.com/office/drawing/2014/main" id="{F3DC42FA-4B8F-2EFC-CAB4-1CCAB93BEB7B}"/>
+                <a16:creationId xmlns="" xmlns:a16="http://schemas.microsoft.com/office/drawing/2014/main" id="{F3DC42FA-4B8F-2EFC-CAB4-1CCAB93BEB7B}"/>
               </a:ext>
               <a:ext uri="{C183D7F6-B498-43B3-948B-1728B52AA6E4}">
-                <adec:decorative xmlns:adec="http://schemas.microsoft.com/office/drawing/2017/decorative" val="1"/>
+                <adec:decorative xmlns="" xmlns:adec="http://schemas.microsoft.com/office/drawing/2017/decorative" val="1"/>
               </a:ext>
             </a:extLst>
           </p:cNvPr>
@@ -2310,7 +2318,7 @@
     </p:spTree>
     <p:extLst>
       <p:ext uri="{BB962C8B-B14F-4D97-AF65-F5344CB8AC3E}">
-        <p14:creationId xmlns:p14="http://schemas.microsoft.com/office/powerpoint/2010/main" val="2586650709"/>
+        <p14:creationId xmlns="" xmlns:p14="http://schemas.microsoft.com/office/powerpoint/2010/main" val="2586650709"/>
       </p:ext>
     </p:extLst>
   </p:cSld>
@@ -2342,10 +2350,10 @@
           <p:cNvPr id="33" name="Rectangle 32">
             <a:extLst>
               <a:ext uri="{FF2B5EF4-FFF2-40B4-BE49-F238E27FC236}">
-                <a16:creationId xmlns:a16="http://schemas.microsoft.com/office/drawing/2014/main" id="{376CF4B8-1811-BD21-43A7-560AC4724F3B}"/>
+                <a16:creationId xmlns="" xmlns:a16="http://schemas.microsoft.com/office/drawing/2014/main" id="{376CF4B8-1811-BD21-43A7-560AC4724F3B}"/>
               </a:ext>
               <a:ext uri="{C183D7F6-B498-43B3-948B-1728B52AA6E4}">
-                <adec:decorative xmlns:adec="http://schemas.microsoft.com/office/drawing/2017/decorative" val="1"/>
+                <adec:decorative xmlns="" xmlns:adec="http://schemas.microsoft.com/office/drawing/2017/decorative" val="1"/>
               </a:ext>
             </a:extLst>
           </p:cNvPr>
@@ -2399,10 +2407,10 @@
           <p:cNvPr id="34" name="Rectangle 33">
             <a:extLst>
               <a:ext uri="{FF2B5EF4-FFF2-40B4-BE49-F238E27FC236}">
-                <a16:creationId xmlns:a16="http://schemas.microsoft.com/office/drawing/2014/main" id="{30B7B4F0-D3BC-63DF-6429-F771BE5A3270}"/>
+                <a16:creationId xmlns="" xmlns:a16="http://schemas.microsoft.com/office/drawing/2014/main" id="{30B7B4F0-D3BC-63DF-6429-F771BE5A3270}"/>
               </a:ext>
               <a:ext uri="{C183D7F6-B498-43B3-948B-1728B52AA6E4}">
-                <adec:decorative xmlns:adec="http://schemas.microsoft.com/office/drawing/2017/decorative" val="1"/>
+                <adec:decorative xmlns="" xmlns:adec="http://schemas.microsoft.com/office/drawing/2017/decorative" val="1"/>
               </a:ext>
             </a:extLst>
           </p:cNvPr>
@@ -2454,7 +2462,7 @@
           <p:cNvPr id="2" name="Title 1">
             <a:extLst>
               <a:ext uri="{FF2B5EF4-FFF2-40B4-BE49-F238E27FC236}">
-                <a16:creationId xmlns:a16="http://schemas.microsoft.com/office/drawing/2014/main" id="{A65C6DDD-D2BB-0153-0F53-9F7C17BDFD2B}"/>
+                <a16:creationId xmlns="" xmlns:a16="http://schemas.microsoft.com/office/drawing/2014/main" id="{A65C6DDD-D2BB-0153-0F53-9F7C17BDFD2B}"/>
               </a:ext>
             </a:extLst>
           </p:cNvPr>
@@ -2498,7 +2506,7 @@
           <p:cNvPr id="14" name="Content Placeholder 5">
             <a:extLst>
               <a:ext uri="{FF2B5EF4-FFF2-40B4-BE49-F238E27FC236}">
-                <a16:creationId xmlns:a16="http://schemas.microsoft.com/office/drawing/2014/main" id="{4D6DED8E-165F-59D7-F01C-4EF0446E5FC0}"/>
+                <a16:creationId xmlns="" xmlns:a16="http://schemas.microsoft.com/office/drawing/2014/main" id="{4D6DED8E-165F-59D7-F01C-4EF0446E5FC0}"/>
               </a:ext>
             </a:extLst>
           </p:cNvPr>
@@ -2593,7 +2601,7 @@
           <p:cNvPr id="16" name="Slide Number Placeholder 2">
             <a:extLst>
               <a:ext uri="{FF2B5EF4-FFF2-40B4-BE49-F238E27FC236}">
-                <a16:creationId xmlns:a16="http://schemas.microsoft.com/office/drawing/2014/main" id="{2933FDAB-13EE-5F9F-5DFC-A5A60BC63623}"/>
+                <a16:creationId xmlns="" xmlns:a16="http://schemas.microsoft.com/office/drawing/2014/main" id="{2933FDAB-13EE-5F9F-5DFC-A5A60BC63623}"/>
               </a:ext>
             </a:extLst>
           </p:cNvPr>
@@ -2632,7 +2640,7 @@
     </p:spTree>
     <p:extLst>
       <p:ext uri="{BB962C8B-B14F-4D97-AF65-F5344CB8AC3E}">
-        <p14:creationId xmlns:p14="http://schemas.microsoft.com/office/powerpoint/2010/main" val="2767508154"/>
+        <p14:creationId xmlns="" xmlns:p14="http://schemas.microsoft.com/office/powerpoint/2010/main" val="2767508154"/>
       </p:ext>
     </p:extLst>
   </p:cSld>
@@ -2672,10 +2680,10 @@
           <p:cNvPr id="13" name="Freeform: Shape 12">
             <a:extLst>
               <a:ext uri="{FF2B5EF4-FFF2-40B4-BE49-F238E27FC236}">
-                <a16:creationId xmlns:a16="http://schemas.microsoft.com/office/drawing/2014/main" id="{AEF1F750-031C-BDB7-BD7B-9CBE17406FDB}"/>
+                <a16:creationId xmlns="" xmlns:a16="http://schemas.microsoft.com/office/drawing/2014/main" id="{AEF1F750-031C-BDB7-BD7B-9CBE17406FDB}"/>
               </a:ext>
               <a:ext uri="{C183D7F6-B498-43B3-948B-1728B52AA6E4}">
-                <adec:decorative xmlns:adec="http://schemas.microsoft.com/office/drawing/2017/decorative" val="1"/>
+                <adec:decorative xmlns="" xmlns:adec="http://schemas.microsoft.com/office/drawing/2017/decorative" val="1"/>
               </a:ext>
             </a:extLst>
           </p:cNvPr>
@@ -2793,10 +2801,10 @@
           <p:cNvPr id="19" name="Freeform: Shape 18">
             <a:extLst>
               <a:ext uri="{FF2B5EF4-FFF2-40B4-BE49-F238E27FC236}">
-                <a16:creationId xmlns:a16="http://schemas.microsoft.com/office/drawing/2014/main" id="{FEB515B5-2D9F-58E1-6E3C-CCBF105D891E}"/>
+                <a16:creationId xmlns="" xmlns:a16="http://schemas.microsoft.com/office/drawing/2014/main" id="{FEB515B5-2D9F-58E1-6E3C-CCBF105D891E}"/>
               </a:ext>
               <a:ext uri="{C183D7F6-B498-43B3-948B-1728B52AA6E4}">
-                <adec:decorative xmlns:adec="http://schemas.microsoft.com/office/drawing/2017/decorative" val="1"/>
+                <adec:decorative xmlns="" xmlns:adec="http://schemas.microsoft.com/office/drawing/2017/decorative" val="1"/>
               </a:ext>
             </a:extLst>
           </p:cNvPr>
@@ -2896,10 +2904,10 @@
           <p:cNvPr id="9" name="Image 2">
             <a:extLst>
               <a:ext uri="{FF2B5EF4-FFF2-40B4-BE49-F238E27FC236}">
-                <a16:creationId xmlns:a16="http://schemas.microsoft.com/office/drawing/2014/main" id="{5CCFEDF9-5B69-87BA-8A33-35033DA4013F}"/>
+                <a16:creationId xmlns="" xmlns:a16="http://schemas.microsoft.com/office/drawing/2014/main" id="{5CCFEDF9-5B69-87BA-8A33-35033DA4013F}"/>
               </a:ext>
               <a:ext uri="{C183D7F6-B498-43B3-948B-1728B52AA6E4}">
-                <adec:decorative xmlns:adec="http://schemas.microsoft.com/office/drawing/2017/decorative" val="1"/>
+                <adec:decorative xmlns="" xmlns:adec="http://schemas.microsoft.com/office/drawing/2017/decorative" val="1"/>
               </a:ext>
             </a:extLst>
           </p:cNvPr>
@@ -2912,10 +2920,10 @@
           <a:blip r:embed="rId2" cstate="screen">
             <a:extLst>
               <a:ext uri="{28A0092B-C50C-407E-A947-70E740481C1C}">
-                <a14:useLocalDpi xmlns:a14="http://schemas.microsoft.com/office/drawing/2010/main"/>
+                <a14:useLocalDpi xmlns="" xmlns:a14="http://schemas.microsoft.com/office/drawing/2010/main"/>
               </a:ext>
               <a:ext uri="{96DAC541-7B7A-43D3-8B79-37D633B846F1}">
-                <asvg:svgBlip xmlns:asvg="http://schemas.microsoft.com/office/drawing/2016/SVG/main" r:embed="rId3"/>
+                <asvg:svgBlip xmlns="" xmlns:asvg="http://schemas.microsoft.com/office/drawing/2016/SVG/main" r:embed="rId3"/>
               </a:ext>
             </a:extLst>
           </a:blip>
@@ -2973,7 +2981,7 @@
           <p:cNvPr id="6" name="Subtitle 2">
             <a:extLst>
               <a:ext uri="{FF2B5EF4-FFF2-40B4-BE49-F238E27FC236}">
-                <a16:creationId xmlns:a16="http://schemas.microsoft.com/office/drawing/2014/main" id="{86F10CB4-CF79-A942-DA9C-04CBB7C89DC3}"/>
+                <a16:creationId xmlns="" xmlns:a16="http://schemas.microsoft.com/office/drawing/2014/main" id="{86F10CB4-CF79-A942-DA9C-04CBB7C89DC3}"/>
               </a:ext>
             </a:extLst>
           </p:cNvPr>
@@ -3046,7 +3054,7 @@
     </p:spTree>
     <p:extLst>
       <p:ext uri="{BB962C8B-B14F-4D97-AF65-F5344CB8AC3E}">
-        <p14:creationId xmlns:p14="http://schemas.microsoft.com/office/powerpoint/2010/main" val="2372898826"/>
+        <p14:creationId xmlns="" xmlns:p14="http://schemas.microsoft.com/office/powerpoint/2010/main" val="2372898826"/>
       </p:ext>
     </p:extLst>
   </p:cSld>
@@ -3078,10 +3086,10 @@
           <p:cNvPr id="7" name="Freeform: Shape 6">
             <a:extLst>
               <a:ext uri="{FF2B5EF4-FFF2-40B4-BE49-F238E27FC236}">
-                <a16:creationId xmlns:a16="http://schemas.microsoft.com/office/drawing/2014/main" id="{2C6B5F91-ABF5-D0B6-E43F-40CEDC3A6DF8}"/>
+                <a16:creationId xmlns="" xmlns:a16="http://schemas.microsoft.com/office/drawing/2014/main" id="{2C6B5F91-ABF5-D0B6-E43F-40CEDC3A6DF8}"/>
               </a:ext>
               <a:ext uri="{C183D7F6-B498-43B3-948B-1728B52AA6E4}">
-                <adec:decorative xmlns:adec="http://schemas.microsoft.com/office/drawing/2017/decorative" val="1"/>
+                <adec:decorative xmlns="" xmlns:adec="http://schemas.microsoft.com/office/drawing/2017/decorative" val="1"/>
               </a:ext>
             </a:extLst>
           </p:cNvPr>
@@ -4042,10 +4050,10 @@
           <p:cNvPr id="9" name="Freeform: Shape 8">
             <a:extLst>
               <a:ext uri="{FF2B5EF4-FFF2-40B4-BE49-F238E27FC236}">
-                <a16:creationId xmlns:a16="http://schemas.microsoft.com/office/drawing/2014/main" id="{A52D64F1-27B6-A1E5-4F44-A6029FAB307B}"/>
+                <a16:creationId xmlns="" xmlns:a16="http://schemas.microsoft.com/office/drawing/2014/main" id="{A52D64F1-27B6-A1E5-4F44-A6029FAB307B}"/>
               </a:ext>
               <a:ext uri="{C183D7F6-B498-43B3-948B-1728B52AA6E4}">
-                <adec:decorative xmlns:adec="http://schemas.microsoft.com/office/drawing/2017/decorative" val="1"/>
+                <adec:decorative xmlns="" xmlns:adec="http://schemas.microsoft.com/office/drawing/2017/decorative" val="1"/>
               </a:ext>
             </a:extLst>
           </p:cNvPr>
@@ -5056,7 +5064,7 @@
     </p:spTree>
     <p:extLst>
       <p:ext uri="{BB962C8B-B14F-4D97-AF65-F5344CB8AC3E}">
-        <p14:creationId xmlns:p14="http://schemas.microsoft.com/office/powerpoint/2010/main" val="2071868441"/>
+        <p14:creationId xmlns="" xmlns:p14="http://schemas.microsoft.com/office/powerpoint/2010/main" val="2071868441"/>
       </p:ext>
     </p:extLst>
   </p:cSld>
@@ -5088,10 +5096,10 @@
           <p:cNvPr id="6" name="Freeform: Shape 5">
             <a:extLst>
               <a:ext uri="{FF2B5EF4-FFF2-40B4-BE49-F238E27FC236}">
-                <a16:creationId xmlns:a16="http://schemas.microsoft.com/office/drawing/2014/main" id="{A626DE4B-D4E5-B36A-89FA-7C0E87AFC31D}"/>
+                <a16:creationId xmlns="" xmlns:a16="http://schemas.microsoft.com/office/drawing/2014/main" id="{A626DE4B-D4E5-B36A-89FA-7C0E87AFC31D}"/>
               </a:ext>
               <a:ext uri="{C183D7F6-B498-43B3-948B-1728B52AA6E4}">
-                <adec:decorative xmlns:adec="http://schemas.microsoft.com/office/drawing/2017/decorative" val="1"/>
+                <adec:decorative xmlns="" xmlns:adec="http://schemas.microsoft.com/office/drawing/2017/decorative" val="1"/>
               </a:ext>
             </a:extLst>
           </p:cNvPr>
@@ -6052,10 +6060,10 @@
           <p:cNvPr id="8" name="Freeform: Shape 7">
             <a:extLst>
               <a:ext uri="{FF2B5EF4-FFF2-40B4-BE49-F238E27FC236}">
-                <a16:creationId xmlns:a16="http://schemas.microsoft.com/office/drawing/2014/main" id="{95243571-BE64-3777-F992-88FC43A60537}"/>
+                <a16:creationId xmlns="" xmlns:a16="http://schemas.microsoft.com/office/drawing/2014/main" id="{95243571-BE64-3777-F992-88FC43A60537}"/>
               </a:ext>
               <a:ext uri="{C183D7F6-B498-43B3-948B-1728B52AA6E4}">
-                <adec:decorative xmlns:adec="http://schemas.microsoft.com/office/drawing/2017/decorative" val="1"/>
+                <adec:decorative xmlns="" xmlns:adec="http://schemas.microsoft.com/office/drawing/2017/decorative" val="1"/>
               </a:ext>
             </a:extLst>
           </p:cNvPr>
@@ -7044,7 +7052,7 @@
     </p:spTree>
     <p:extLst>
       <p:ext uri="{BB962C8B-B14F-4D97-AF65-F5344CB8AC3E}">
-        <p14:creationId xmlns:p14="http://schemas.microsoft.com/office/powerpoint/2010/main" val="1581182869"/>
+        <p14:creationId xmlns="" xmlns:p14="http://schemas.microsoft.com/office/powerpoint/2010/main" val="1581182869"/>
       </p:ext>
     </p:extLst>
   </p:cSld>
@@ -7076,10 +7084,10 @@
           <p:cNvPr id="11" name="Freeform: Shape 10">
             <a:extLst>
               <a:ext uri="{FF2B5EF4-FFF2-40B4-BE49-F238E27FC236}">
-                <a16:creationId xmlns:a16="http://schemas.microsoft.com/office/drawing/2014/main" id="{ADFAE2CB-0EAD-E788-FCB7-FB12F6939199}"/>
+                <a16:creationId xmlns="" xmlns:a16="http://schemas.microsoft.com/office/drawing/2014/main" id="{ADFAE2CB-0EAD-E788-FCB7-FB12F6939199}"/>
               </a:ext>
               <a:ext uri="{C183D7F6-B498-43B3-948B-1728B52AA6E4}">
-                <adec:decorative xmlns:adec="http://schemas.microsoft.com/office/drawing/2017/decorative" val="1"/>
+                <adec:decorative xmlns="" xmlns:adec="http://schemas.microsoft.com/office/drawing/2017/decorative" val="1"/>
               </a:ext>
             </a:extLst>
           </p:cNvPr>
@@ -8251,7 +8259,7 @@
     </p:spTree>
     <p:extLst>
       <p:ext uri="{BB962C8B-B14F-4D97-AF65-F5344CB8AC3E}">
-        <p14:creationId xmlns:p14="http://schemas.microsoft.com/office/powerpoint/2010/main" val="2745005521"/>
+        <p14:creationId xmlns="" xmlns:p14="http://schemas.microsoft.com/office/powerpoint/2010/main" val="2745005521"/>
       </p:ext>
     </p:extLst>
   </p:cSld>
@@ -8283,10 +8291,10 @@
           <p:cNvPr id="11" name="Freeform: Shape 10">
             <a:extLst>
               <a:ext uri="{FF2B5EF4-FFF2-40B4-BE49-F238E27FC236}">
-                <a16:creationId xmlns:a16="http://schemas.microsoft.com/office/drawing/2014/main" id="{CAA6B609-D718-DB49-892F-7E49376CC913}"/>
+                <a16:creationId xmlns="" xmlns:a16="http://schemas.microsoft.com/office/drawing/2014/main" id="{CAA6B609-D718-DB49-892F-7E49376CC913}"/>
               </a:ext>
               <a:ext uri="{C183D7F6-B498-43B3-948B-1728B52AA6E4}">
-                <adec:decorative xmlns:adec="http://schemas.microsoft.com/office/drawing/2017/decorative" val="1"/>
+                <adec:decorative xmlns="" xmlns:adec="http://schemas.microsoft.com/office/drawing/2017/decorative" val="1"/>
               </a:ext>
             </a:extLst>
           </p:cNvPr>
@@ -9440,7 +9448,7 @@
     </p:spTree>
     <p:extLst>
       <p:ext uri="{BB962C8B-B14F-4D97-AF65-F5344CB8AC3E}">
-        <p14:creationId xmlns:p14="http://schemas.microsoft.com/office/powerpoint/2010/main" val="2234670087"/>
+        <p14:creationId xmlns="" xmlns:p14="http://schemas.microsoft.com/office/powerpoint/2010/main" val="2234670087"/>
       </p:ext>
     </p:extLst>
   </p:cSld>
@@ -9472,10 +9480,10 @@
           <p:cNvPr id="6" name="Group 5">
             <a:extLst>
               <a:ext uri="{FF2B5EF4-FFF2-40B4-BE49-F238E27FC236}">
-                <a16:creationId xmlns:a16="http://schemas.microsoft.com/office/drawing/2014/main" id="{75923D9E-9381-3D11-B31A-1BF5C97F35B0}"/>
+                <a16:creationId xmlns="" xmlns:a16="http://schemas.microsoft.com/office/drawing/2014/main" id="{75923D9E-9381-3D11-B31A-1BF5C97F35B0}"/>
               </a:ext>
               <a:ext uri="{C183D7F6-B498-43B3-948B-1728B52AA6E4}">
-                <adec:decorative xmlns:adec="http://schemas.microsoft.com/office/drawing/2017/decorative" val="1"/>
+                <adec:decorative xmlns="" xmlns:adec="http://schemas.microsoft.com/office/drawing/2017/decorative" val="1"/>
               </a:ext>
             </a:extLst>
           </p:cNvPr>
@@ -9495,7 +9503,7 @@
             <p:cNvPr id="7" name="Freeform 7">
               <a:extLst>
                 <a:ext uri="{FF2B5EF4-FFF2-40B4-BE49-F238E27FC236}">
-                  <a16:creationId xmlns:a16="http://schemas.microsoft.com/office/drawing/2014/main" id="{89E777D0-3240-08CE-6B6C-B33B910B8490}"/>
+                  <a16:creationId xmlns="" xmlns:a16="http://schemas.microsoft.com/office/drawing/2014/main" id="{89E777D0-3240-08CE-6B6C-B33B910B8490}"/>
                 </a:ext>
               </a:extLst>
             </p:cNvPr>
@@ -9580,7 +9588,7 @@
             <p:cNvPr id="8" name="Freeform 6">
               <a:extLst>
                 <a:ext uri="{FF2B5EF4-FFF2-40B4-BE49-F238E27FC236}">
-                  <a16:creationId xmlns:a16="http://schemas.microsoft.com/office/drawing/2014/main" id="{EFEA81A2-6893-518C-6AF3-37C987789C86}"/>
+                  <a16:creationId xmlns="" xmlns:a16="http://schemas.microsoft.com/office/drawing/2014/main" id="{EFEA81A2-6893-518C-6AF3-37C987789C86}"/>
                 </a:ext>
               </a:extLst>
             </p:cNvPr>
@@ -9666,10 +9674,10 @@
           <p:cNvPr id="9" name="Group 8">
             <a:extLst>
               <a:ext uri="{FF2B5EF4-FFF2-40B4-BE49-F238E27FC236}">
-                <a16:creationId xmlns:a16="http://schemas.microsoft.com/office/drawing/2014/main" id="{0F297964-0B81-31DC-6D6D-1414832238B1}"/>
+                <a16:creationId xmlns="" xmlns:a16="http://schemas.microsoft.com/office/drawing/2014/main" id="{0F297964-0B81-31DC-6D6D-1414832238B1}"/>
               </a:ext>
               <a:ext uri="{C183D7F6-B498-43B3-948B-1728B52AA6E4}">
-                <adec:decorative xmlns:adec="http://schemas.microsoft.com/office/drawing/2017/decorative" val="1"/>
+                <adec:decorative xmlns="" xmlns:adec="http://schemas.microsoft.com/office/drawing/2017/decorative" val="1"/>
               </a:ext>
             </a:extLst>
           </p:cNvPr>
@@ -9689,7 +9697,7 @@
             <p:cNvPr id="10" name="Freeform 7">
               <a:extLst>
                 <a:ext uri="{FF2B5EF4-FFF2-40B4-BE49-F238E27FC236}">
-                  <a16:creationId xmlns:a16="http://schemas.microsoft.com/office/drawing/2014/main" id="{CE4FDB43-7466-4B74-330E-836DA9504C90}"/>
+                  <a16:creationId xmlns="" xmlns:a16="http://schemas.microsoft.com/office/drawing/2014/main" id="{CE4FDB43-7466-4B74-330E-836DA9504C90}"/>
                 </a:ext>
               </a:extLst>
             </p:cNvPr>
@@ -9774,7 +9782,7 @@
             <p:cNvPr id="11" name="Freeform 6">
               <a:extLst>
                 <a:ext uri="{FF2B5EF4-FFF2-40B4-BE49-F238E27FC236}">
-                  <a16:creationId xmlns:a16="http://schemas.microsoft.com/office/drawing/2014/main" id="{2EA39DB9-F1B4-F4E9-CF4D-717B0CD747DA}"/>
+                  <a16:creationId xmlns="" xmlns:a16="http://schemas.microsoft.com/office/drawing/2014/main" id="{2EA39DB9-F1B4-F4E9-CF4D-717B0CD747DA}"/>
                 </a:ext>
               </a:extLst>
             </p:cNvPr>
@@ -9860,10 +9868,10 @@
           <p:cNvPr id="14" name="Image 2">
             <a:extLst>
               <a:ext uri="{FF2B5EF4-FFF2-40B4-BE49-F238E27FC236}">
-                <a16:creationId xmlns:a16="http://schemas.microsoft.com/office/drawing/2014/main" id="{EFFAEAD9-58A9-096B-C6D0-58F7AD08EB20}"/>
+                <a16:creationId xmlns="" xmlns:a16="http://schemas.microsoft.com/office/drawing/2014/main" id="{EFFAEAD9-58A9-096B-C6D0-58F7AD08EB20}"/>
               </a:ext>
               <a:ext uri="{C183D7F6-B498-43B3-948B-1728B52AA6E4}">
-                <adec:decorative xmlns:adec="http://schemas.microsoft.com/office/drawing/2017/decorative" val="1"/>
+                <adec:decorative xmlns="" xmlns:adec="http://schemas.microsoft.com/office/drawing/2017/decorative" val="1"/>
               </a:ext>
             </a:extLst>
           </p:cNvPr>
@@ -9961,7 +9969,7 @@
           <p:cNvPr id="2" name="Title 1">
             <a:extLst>
               <a:ext uri="{FF2B5EF4-FFF2-40B4-BE49-F238E27FC236}">
-                <a16:creationId xmlns:a16="http://schemas.microsoft.com/office/drawing/2014/main" id="{9A1CFBBA-B680-A6A7-3C4B-5FEAC4253283}"/>
+                <a16:creationId xmlns="" xmlns:a16="http://schemas.microsoft.com/office/drawing/2014/main" id="{9A1CFBBA-B680-A6A7-3C4B-5FEAC4253283}"/>
               </a:ext>
             </a:extLst>
           </p:cNvPr>
@@ -10003,7 +10011,7 @@
           <p:cNvPr id="13" name="Content Placeholder 2">
             <a:extLst>
               <a:ext uri="{FF2B5EF4-FFF2-40B4-BE49-F238E27FC236}">
-                <a16:creationId xmlns:a16="http://schemas.microsoft.com/office/drawing/2014/main" id="{72386C43-DD10-E892-08AD-D6F4AE9617DD}"/>
+                <a16:creationId xmlns="" xmlns:a16="http://schemas.microsoft.com/office/drawing/2014/main" id="{72386C43-DD10-E892-08AD-D6F4AE9617DD}"/>
               </a:ext>
             </a:extLst>
           </p:cNvPr>
@@ -10082,7 +10090,7 @@
           <p:cNvPr id="3" name="Slide Number Placeholder 2">
             <a:extLst>
               <a:ext uri="{FF2B5EF4-FFF2-40B4-BE49-F238E27FC236}">
-                <a16:creationId xmlns:a16="http://schemas.microsoft.com/office/drawing/2014/main" id="{71114D1E-7749-DD58-8782-318E4F679DE0}"/>
+                <a16:creationId xmlns="" xmlns:a16="http://schemas.microsoft.com/office/drawing/2014/main" id="{71114D1E-7749-DD58-8782-318E4F679DE0}"/>
               </a:ext>
             </a:extLst>
           </p:cNvPr>
@@ -10121,7 +10129,7 @@
     </p:spTree>
     <p:extLst>
       <p:ext uri="{BB962C8B-B14F-4D97-AF65-F5344CB8AC3E}">
-        <p14:creationId xmlns:p14="http://schemas.microsoft.com/office/powerpoint/2010/main" val="2333964501"/>
+        <p14:creationId xmlns="" xmlns:p14="http://schemas.microsoft.com/office/powerpoint/2010/main" val="2333964501"/>
       </p:ext>
     </p:extLst>
   </p:cSld>
@@ -10153,10 +10161,10 @@
           <p:cNvPr id="5" name="Rectangle 4">
             <a:extLst>
               <a:ext uri="{FF2B5EF4-FFF2-40B4-BE49-F238E27FC236}">
-                <a16:creationId xmlns:a16="http://schemas.microsoft.com/office/drawing/2014/main" id="{7537D12D-0FCA-3396-988D-452D3D526E3D}"/>
+                <a16:creationId xmlns="" xmlns:a16="http://schemas.microsoft.com/office/drawing/2014/main" id="{7537D12D-0FCA-3396-988D-452D3D526E3D}"/>
               </a:ext>
               <a:ext uri="{C183D7F6-B498-43B3-948B-1728B52AA6E4}">
-                <adec:decorative xmlns:adec="http://schemas.microsoft.com/office/drawing/2017/decorative" val="1"/>
+                <adec:decorative xmlns="" xmlns:adec="http://schemas.microsoft.com/office/drawing/2017/decorative" val="1"/>
               </a:ext>
             </a:extLst>
           </p:cNvPr>
@@ -10210,10 +10218,10 @@
           <p:cNvPr id="6" name="Rectangle 5">
             <a:extLst>
               <a:ext uri="{FF2B5EF4-FFF2-40B4-BE49-F238E27FC236}">
-                <a16:creationId xmlns:a16="http://schemas.microsoft.com/office/drawing/2014/main" id="{11710CE8-8A83-C0D3-623E-AFCC6C6A2930}"/>
+                <a16:creationId xmlns="" xmlns:a16="http://schemas.microsoft.com/office/drawing/2014/main" id="{11710CE8-8A83-C0D3-623E-AFCC6C6A2930}"/>
               </a:ext>
               <a:ext uri="{C183D7F6-B498-43B3-948B-1728B52AA6E4}">
-                <adec:decorative xmlns:adec="http://schemas.microsoft.com/office/drawing/2017/decorative" val="1"/>
+                <adec:decorative xmlns="" xmlns:adec="http://schemas.microsoft.com/office/drawing/2017/decorative" val="1"/>
               </a:ext>
             </a:extLst>
           </p:cNvPr>
@@ -10265,10 +10273,10 @@
           <p:cNvPr id="18" name="Group 17">
             <a:extLst>
               <a:ext uri="{FF2B5EF4-FFF2-40B4-BE49-F238E27FC236}">
-                <a16:creationId xmlns:a16="http://schemas.microsoft.com/office/drawing/2014/main" id="{7AA66C80-37C3-6D28-7564-733A30B2CD8D}"/>
+                <a16:creationId xmlns="" xmlns:a16="http://schemas.microsoft.com/office/drawing/2014/main" id="{7AA66C80-37C3-6D28-7564-733A30B2CD8D}"/>
               </a:ext>
               <a:ext uri="{C183D7F6-B498-43B3-948B-1728B52AA6E4}">
-                <adec:decorative xmlns:adec="http://schemas.microsoft.com/office/drawing/2017/decorative" val="1"/>
+                <adec:decorative xmlns="" xmlns:adec="http://schemas.microsoft.com/office/drawing/2017/decorative" val="1"/>
               </a:ext>
             </a:extLst>
           </p:cNvPr>
@@ -10288,10 +10296,10 @@
             <p:cNvPr id="12" name="Freeform: Shape 28">
               <a:extLst>
                 <a:ext uri="{FF2B5EF4-FFF2-40B4-BE49-F238E27FC236}">
-                  <a16:creationId xmlns:a16="http://schemas.microsoft.com/office/drawing/2014/main" id="{D9DB7C23-E0CF-A75F-BFFD-4E7679AF4AD5}"/>
+                  <a16:creationId xmlns="" xmlns:a16="http://schemas.microsoft.com/office/drawing/2014/main" id="{D9DB7C23-E0CF-A75F-BFFD-4E7679AF4AD5}"/>
                 </a:ext>
                 <a:ext uri="{C183D7F6-B498-43B3-948B-1728B52AA6E4}">
-                  <adec:decorative xmlns:adec="http://schemas.microsoft.com/office/drawing/2017/decorative" val="1"/>
+                  <adec:decorative xmlns="" xmlns:adec="http://schemas.microsoft.com/office/drawing/2017/decorative" val="1"/>
                 </a:ext>
               </a:extLst>
             </p:cNvPr>
@@ -10411,10 +10419,10 @@
             <p:cNvPr id="15" name="Freeform: Shape 15">
               <a:extLst>
                 <a:ext uri="{FF2B5EF4-FFF2-40B4-BE49-F238E27FC236}">
-                  <a16:creationId xmlns:a16="http://schemas.microsoft.com/office/drawing/2014/main" id="{4D62A0CC-A0CE-403A-A167-27225B2C6083}"/>
+                  <a16:creationId xmlns="" xmlns:a16="http://schemas.microsoft.com/office/drawing/2014/main" id="{4D62A0CC-A0CE-403A-A167-27225B2C6083}"/>
                 </a:ext>
                 <a:ext uri="{C183D7F6-B498-43B3-948B-1728B52AA6E4}">
-                  <adec:decorative xmlns:adec="http://schemas.microsoft.com/office/drawing/2017/decorative" val="1"/>
+                  <adec:decorative xmlns="" xmlns:adec="http://schemas.microsoft.com/office/drawing/2017/decorative" val="1"/>
                 </a:ext>
               </a:extLst>
             </p:cNvPr>
@@ -10512,10 +10520,10 @@
             <p:cNvPr id="16" name="Image 2">
               <a:extLst>
                 <a:ext uri="{FF2B5EF4-FFF2-40B4-BE49-F238E27FC236}">
-                  <a16:creationId xmlns:a16="http://schemas.microsoft.com/office/drawing/2014/main" id="{F8AD83DA-A293-6D56-F606-7C98C403A3F7}"/>
+                  <a16:creationId xmlns="" xmlns:a16="http://schemas.microsoft.com/office/drawing/2014/main" id="{F8AD83DA-A293-6D56-F606-7C98C403A3F7}"/>
                 </a:ext>
                 <a:ext uri="{C183D7F6-B498-43B3-948B-1728B52AA6E4}">
-                  <adec:decorative xmlns:adec="http://schemas.microsoft.com/office/drawing/2017/decorative" val="1"/>
+                  <adec:decorative xmlns="" xmlns:adec="http://schemas.microsoft.com/office/drawing/2017/decorative" val="1"/>
                 </a:ext>
               </a:extLst>
             </p:cNvPr>
@@ -10648,7 +10656,7 @@
           <p:cNvPr id="8" name="Picture Placeholder 7">
             <a:extLst>
               <a:ext uri="{FF2B5EF4-FFF2-40B4-BE49-F238E27FC236}">
-                <a16:creationId xmlns:a16="http://schemas.microsoft.com/office/drawing/2014/main" id="{E979AC40-7C15-9431-5B1A-415655A7FC05}"/>
+                <a16:creationId xmlns="" xmlns:a16="http://schemas.microsoft.com/office/drawing/2014/main" id="{E979AC40-7C15-9431-5B1A-415655A7FC05}"/>
               </a:ext>
             </a:extLst>
           </p:cNvPr>
@@ -10687,7 +10695,7 @@
     </p:spTree>
     <p:extLst>
       <p:ext uri="{BB962C8B-B14F-4D97-AF65-F5344CB8AC3E}">
-        <p14:creationId xmlns:p14="http://schemas.microsoft.com/office/powerpoint/2010/main" val="433189165"/>
+        <p14:creationId xmlns="" xmlns:p14="http://schemas.microsoft.com/office/powerpoint/2010/main" val="433189165"/>
       </p:ext>
     </p:extLst>
   </p:cSld>
@@ -10719,10 +10727,10 @@
           <p:cNvPr id="21" name="Rectangle 20">
             <a:extLst>
               <a:ext uri="{FF2B5EF4-FFF2-40B4-BE49-F238E27FC236}">
-                <a16:creationId xmlns:a16="http://schemas.microsoft.com/office/drawing/2014/main" id="{86F8B46B-EF6E-BC12-09E2-0F3B779197B4}"/>
+                <a16:creationId xmlns="" xmlns:a16="http://schemas.microsoft.com/office/drawing/2014/main" id="{86F8B46B-EF6E-BC12-09E2-0F3B779197B4}"/>
               </a:ext>
               <a:ext uri="{C183D7F6-B498-43B3-948B-1728B52AA6E4}">
-                <adec:decorative xmlns:adec="http://schemas.microsoft.com/office/drawing/2017/decorative" val="1"/>
+                <adec:decorative xmlns="" xmlns:adec="http://schemas.microsoft.com/office/drawing/2017/decorative" val="1"/>
               </a:ext>
             </a:extLst>
           </p:cNvPr>
@@ -10776,10 +10784,10 @@
           <p:cNvPr id="22" name="Rectangle 21">
             <a:extLst>
               <a:ext uri="{FF2B5EF4-FFF2-40B4-BE49-F238E27FC236}">
-                <a16:creationId xmlns:a16="http://schemas.microsoft.com/office/drawing/2014/main" id="{5D7B4F11-E150-473B-98F5-6E6AC9646863}"/>
+                <a16:creationId xmlns="" xmlns:a16="http://schemas.microsoft.com/office/drawing/2014/main" id="{5D7B4F11-E150-473B-98F5-6E6AC9646863}"/>
               </a:ext>
               <a:ext uri="{C183D7F6-B498-43B3-948B-1728B52AA6E4}">
-                <adec:decorative xmlns:adec="http://schemas.microsoft.com/office/drawing/2017/decorative" val="1"/>
+                <adec:decorative xmlns="" xmlns:adec="http://schemas.microsoft.com/office/drawing/2017/decorative" val="1"/>
               </a:ext>
             </a:extLst>
           </p:cNvPr>
@@ -10831,10 +10839,10 @@
           <p:cNvPr id="36" name="Freeform 35">
             <a:extLst>
               <a:ext uri="{FF2B5EF4-FFF2-40B4-BE49-F238E27FC236}">
-                <a16:creationId xmlns:a16="http://schemas.microsoft.com/office/drawing/2014/main" id="{A8E2FA61-C047-21BB-AA50-F84AD7685498}"/>
+                <a16:creationId xmlns="" xmlns:a16="http://schemas.microsoft.com/office/drawing/2014/main" id="{A8E2FA61-C047-21BB-AA50-F84AD7685498}"/>
               </a:ext>
               <a:ext uri="{C183D7F6-B498-43B3-948B-1728B52AA6E4}">
-                <adec:decorative xmlns:adec="http://schemas.microsoft.com/office/drawing/2017/decorative" val="1"/>
+                <adec:decorative xmlns="" xmlns:adec="http://schemas.microsoft.com/office/drawing/2017/decorative" val="1"/>
               </a:ext>
             </a:extLst>
           </p:cNvPr>
@@ -10918,10 +10926,10 @@
           <p:cNvPr id="33" name="Freeform 32">
             <a:extLst>
               <a:ext uri="{FF2B5EF4-FFF2-40B4-BE49-F238E27FC236}">
-                <a16:creationId xmlns:a16="http://schemas.microsoft.com/office/drawing/2014/main" id="{1A2791BA-760E-9FA5-8743-D0B699FC9835}"/>
+                <a16:creationId xmlns="" xmlns:a16="http://schemas.microsoft.com/office/drawing/2014/main" id="{1A2791BA-760E-9FA5-8743-D0B699FC9835}"/>
               </a:ext>
               <a:ext uri="{C183D7F6-B498-43B3-948B-1728B52AA6E4}">
-                <adec:decorative xmlns:adec="http://schemas.microsoft.com/office/drawing/2017/decorative" val="1"/>
+                <adec:decorative xmlns="" xmlns:adec="http://schemas.microsoft.com/office/drawing/2017/decorative" val="1"/>
               </a:ext>
             </a:extLst>
           </p:cNvPr>
@@ -11018,7 +11026,7 @@
           <p:cNvPr id="4" name="Title 1">
             <a:extLst>
               <a:ext uri="{FF2B5EF4-FFF2-40B4-BE49-F238E27FC236}">
-                <a16:creationId xmlns:a16="http://schemas.microsoft.com/office/drawing/2014/main" id="{8D6A03F2-8C7B-D33B-0E8F-24D4800D5C01}"/>
+                <a16:creationId xmlns="" xmlns:a16="http://schemas.microsoft.com/office/drawing/2014/main" id="{8D6A03F2-8C7B-D33B-0E8F-24D4800D5C01}"/>
               </a:ext>
             </a:extLst>
           </p:cNvPr>
@@ -11060,7 +11068,7 @@
           <p:cNvPr id="5" name="Content Placeholder 2">
             <a:extLst>
               <a:ext uri="{FF2B5EF4-FFF2-40B4-BE49-F238E27FC236}">
-                <a16:creationId xmlns:a16="http://schemas.microsoft.com/office/drawing/2014/main" id="{C51465C6-2CDE-B5BF-F22E-CBDD44E86CFC}"/>
+                <a16:creationId xmlns="" xmlns:a16="http://schemas.microsoft.com/office/drawing/2014/main" id="{C51465C6-2CDE-B5BF-F22E-CBDD44E86CFC}"/>
               </a:ext>
             </a:extLst>
           </p:cNvPr>
@@ -11139,7 +11147,7 @@
           <p:cNvPr id="52" name="Picture Placeholder 7">
             <a:extLst>
               <a:ext uri="{FF2B5EF4-FFF2-40B4-BE49-F238E27FC236}">
-                <a16:creationId xmlns:a16="http://schemas.microsoft.com/office/drawing/2014/main" id="{55126063-BDEE-A1AB-FDAE-DD9B98CACDA8}"/>
+                <a16:creationId xmlns="" xmlns:a16="http://schemas.microsoft.com/office/drawing/2014/main" id="{55126063-BDEE-A1AB-FDAE-DD9B98CACDA8}"/>
               </a:ext>
             </a:extLst>
           </p:cNvPr>
@@ -11181,7 +11189,7 @@
     </p:spTree>
     <p:extLst>
       <p:ext uri="{BB962C8B-B14F-4D97-AF65-F5344CB8AC3E}">
-        <p14:creationId xmlns:p14="http://schemas.microsoft.com/office/powerpoint/2010/main" val="1681789449"/>
+        <p14:creationId xmlns="" xmlns:p14="http://schemas.microsoft.com/office/powerpoint/2010/main" val="1681789449"/>
       </p:ext>
     </p:extLst>
   </p:cSld>
@@ -11213,10 +11221,10 @@
           <p:cNvPr id="32" name="Image 1">
             <a:extLst>
               <a:ext uri="{FF2B5EF4-FFF2-40B4-BE49-F238E27FC236}">
-                <a16:creationId xmlns:a16="http://schemas.microsoft.com/office/drawing/2014/main" id="{2A3EC91E-4089-D366-06D3-3E66F93DFAF3}"/>
+                <a16:creationId xmlns="" xmlns:a16="http://schemas.microsoft.com/office/drawing/2014/main" id="{2A3EC91E-4089-D366-06D3-3E66F93DFAF3}"/>
               </a:ext>
               <a:ext uri="{C183D7F6-B498-43B3-948B-1728B52AA6E4}">
-                <adec:decorative xmlns:adec="http://schemas.microsoft.com/office/drawing/2017/decorative" val="1"/>
+                <adec:decorative xmlns="" xmlns:adec="http://schemas.microsoft.com/office/drawing/2017/decorative" val="1"/>
               </a:ext>
             </a:extLst>
           </p:cNvPr>
@@ -11306,10 +11314,10 @@
           <p:cNvPr id="53" name="Freeform: Shape 52">
             <a:extLst>
               <a:ext uri="{FF2B5EF4-FFF2-40B4-BE49-F238E27FC236}">
-                <a16:creationId xmlns:a16="http://schemas.microsoft.com/office/drawing/2014/main" id="{70F595E1-C910-3710-90E9-AF5FFCE05861}"/>
+                <a16:creationId xmlns="" xmlns:a16="http://schemas.microsoft.com/office/drawing/2014/main" id="{70F595E1-C910-3710-90E9-AF5FFCE05861}"/>
               </a:ext>
               <a:ext uri="{C183D7F6-B498-43B3-948B-1728B52AA6E4}">
-                <adec:decorative xmlns:adec="http://schemas.microsoft.com/office/drawing/2017/decorative" val="1"/>
+                <adec:decorative xmlns="" xmlns:adec="http://schemas.microsoft.com/office/drawing/2017/decorative" val="1"/>
               </a:ext>
             </a:extLst>
           </p:cNvPr>
@@ -12163,10 +12171,10 @@
           <p:cNvPr id="29" name="Freeform 70">
             <a:extLst>
               <a:ext uri="{FF2B5EF4-FFF2-40B4-BE49-F238E27FC236}">
-                <a16:creationId xmlns:a16="http://schemas.microsoft.com/office/drawing/2014/main" id="{AA39EF58-54F1-4AC9-1D83-2E7DEEAAEA6A}"/>
+                <a16:creationId xmlns="" xmlns:a16="http://schemas.microsoft.com/office/drawing/2014/main" id="{AA39EF58-54F1-4AC9-1D83-2E7DEEAAEA6A}"/>
               </a:ext>
               <a:ext uri="{C183D7F6-B498-43B3-948B-1728B52AA6E4}">
-                <adec:decorative xmlns:adec="http://schemas.microsoft.com/office/drawing/2017/decorative" val="1"/>
+                <adec:decorative xmlns="" xmlns:adec="http://schemas.microsoft.com/office/drawing/2017/decorative" val="1"/>
               </a:ext>
             </a:extLst>
           </p:cNvPr>
@@ -12253,10 +12261,10 @@
           <p:cNvPr id="31" name="Freeform 70">
             <a:extLst>
               <a:ext uri="{FF2B5EF4-FFF2-40B4-BE49-F238E27FC236}">
-                <a16:creationId xmlns:a16="http://schemas.microsoft.com/office/drawing/2014/main" id="{0C320934-59CC-4123-C7C1-FEEE89F3045F}"/>
+                <a16:creationId xmlns="" xmlns:a16="http://schemas.microsoft.com/office/drawing/2014/main" id="{0C320934-59CC-4123-C7C1-FEEE89F3045F}"/>
               </a:ext>
               <a:ext uri="{C183D7F6-B498-43B3-948B-1728B52AA6E4}">
-                <adec:decorative xmlns:adec="http://schemas.microsoft.com/office/drawing/2017/decorative" val="1"/>
+                <adec:decorative xmlns="" xmlns:adec="http://schemas.microsoft.com/office/drawing/2017/decorative" val="1"/>
               </a:ext>
             </a:extLst>
           </p:cNvPr>
@@ -12341,10 +12349,10 @@
           <p:cNvPr id="33" name="Image 4">
             <a:extLst>
               <a:ext uri="{FF2B5EF4-FFF2-40B4-BE49-F238E27FC236}">
-                <a16:creationId xmlns:a16="http://schemas.microsoft.com/office/drawing/2014/main" id="{EC46DC71-C12A-96C8-3FE2-AA95AB58B349}"/>
+                <a16:creationId xmlns="" xmlns:a16="http://schemas.microsoft.com/office/drawing/2014/main" id="{EC46DC71-C12A-96C8-3FE2-AA95AB58B349}"/>
               </a:ext>
               <a:ext uri="{C183D7F6-B498-43B3-948B-1728B52AA6E4}">
-                <adec:decorative xmlns:adec="http://schemas.microsoft.com/office/drawing/2017/decorative" val="1"/>
+                <adec:decorative xmlns="" xmlns:adec="http://schemas.microsoft.com/office/drawing/2017/decorative" val="1"/>
               </a:ext>
             </a:extLst>
           </p:cNvPr>
@@ -12471,7 +12479,7 @@
           <p:cNvPr id="13" name="Content Placeholder 3">
             <a:extLst>
               <a:ext uri="{FF2B5EF4-FFF2-40B4-BE49-F238E27FC236}">
-                <a16:creationId xmlns:a16="http://schemas.microsoft.com/office/drawing/2014/main" id="{B20F5EA7-881C-8FB7-EAC9-89C8F2E5865C}"/>
+                <a16:creationId xmlns="" xmlns:a16="http://schemas.microsoft.com/office/drawing/2014/main" id="{B20F5EA7-881C-8FB7-EAC9-89C8F2E5865C}"/>
               </a:ext>
             </a:extLst>
           </p:cNvPr>
@@ -12566,7 +12574,7 @@
           <p:cNvPr id="18" name="Slide Number Placeholder 2">
             <a:extLst>
               <a:ext uri="{FF2B5EF4-FFF2-40B4-BE49-F238E27FC236}">
-                <a16:creationId xmlns:a16="http://schemas.microsoft.com/office/drawing/2014/main" id="{ED7A50D8-0839-EC58-FFBE-315A20995799}"/>
+                <a16:creationId xmlns="" xmlns:a16="http://schemas.microsoft.com/office/drawing/2014/main" id="{ED7A50D8-0839-EC58-FFBE-315A20995799}"/>
               </a:ext>
             </a:extLst>
           </p:cNvPr>
@@ -12605,7 +12613,7 @@
     </p:spTree>
     <p:extLst>
       <p:ext uri="{BB962C8B-B14F-4D97-AF65-F5344CB8AC3E}">
-        <p14:creationId xmlns:p14="http://schemas.microsoft.com/office/powerpoint/2010/main" val="552850918"/>
+        <p14:creationId xmlns="" xmlns:p14="http://schemas.microsoft.com/office/powerpoint/2010/main" val="552850918"/>
       </p:ext>
     </p:extLst>
   </p:cSld>
@@ -12637,7 +12645,7 @@
           <p:cNvPr id="20" name="Title 19">
             <a:extLst>
               <a:ext uri="{FF2B5EF4-FFF2-40B4-BE49-F238E27FC236}">
-                <a16:creationId xmlns:a16="http://schemas.microsoft.com/office/drawing/2014/main" id="{C26B5661-F583-FA44-8353-161B862E69B1}"/>
+                <a16:creationId xmlns="" xmlns:a16="http://schemas.microsoft.com/office/drawing/2014/main" id="{C26B5661-F583-FA44-8353-161B862E69B1}"/>
               </a:ext>
             </a:extLst>
           </p:cNvPr>
@@ -12679,10 +12687,10 @@
           <p:cNvPr id="11" name="Image 0">
             <a:extLst>
               <a:ext uri="{FF2B5EF4-FFF2-40B4-BE49-F238E27FC236}">
-                <a16:creationId xmlns:a16="http://schemas.microsoft.com/office/drawing/2014/main" id="{CD2D664E-6702-6607-A37E-2E996144917C}"/>
+                <a16:creationId xmlns="" xmlns:a16="http://schemas.microsoft.com/office/drawing/2014/main" id="{CD2D664E-6702-6607-A37E-2E996144917C}"/>
               </a:ext>
               <a:ext uri="{C183D7F6-B498-43B3-948B-1728B52AA6E4}">
-                <adec:decorative xmlns:adec="http://schemas.microsoft.com/office/drawing/2017/decorative" val="1"/>
+                <adec:decorative xmlns="" xmlns:adec="http://schemas.microsoft.com/office/drawing/2017/decorative" val="1"/>
               </a:ext>
             </a:extLst>
           </p:cNvPr>
@@ -12772,10 +12780,10 @@
           <p:cNvPr id="13" name="Image 1">
             <a:extLst>
               <a:ext uri="{FF2B5EF4-FFF2-40B4-BE49-F238E27FC236}">
-                <a16:creationId xmlns:a16="http://schemas.microsoft.com/office/drawing/2014/main" id="{951C5737-DF7E-D671-AC74-9E488335BCA2}"/>
+                <a16:creationId xmlns="" xmlns:a16="http://schemas.microsoft.com/office/drawing/2014/main" id="{951C5737-DF7E-D671-AC74-9E488335BCA2}"/>
               </a:ext>
               <a:ext uri="{C183D7F6-B498-43B3-948B-1728B52AA6E4}">
-                <adec:decorative xmlns:adec="http://schemas.microsoft.com/office/drawing/2017/decorative" val="1"/>
+                <adec:decorative xmlns="" xmlns:adec="http://schemas.microsoft.com/office/drawing/2017/decorative" val="1"/>
               </a:ext>
             </a:extLst>
           </p:cNvPr>
@@ -12788,10 +12796,10 @@
           <a:blip r:embed="rId2" cstate="screen">
             <a:extLst>
               <a:ext uri="{28A0092B-C50C-407E-A947-70E740481C1C}">
-                <a14:useLocalDpi xmlns:a14="http://schemas.microsoft.com/office/drawing/2010/main"/>
+                <a14:useLocalDpi xmlns="" xmlns:a14="http://schemas.microsoft.com/office/drawing/2010/main"/>
               </a:ext>
               <a:ext uri="{96DAC541-7B7A-43D3-8B79-37D633B846F1}">
-                <asvg:svgBlip xmlns:asvg="http://schemas.microsoft.com/office/drawing/2016/SVG/main" r:embed="rId3"/>
+                <asvg:svgBlip xmlns="" xmlns:asvg="http://schemas.microsoft.com/office/drawing/2016/SVG/main" r:embed="rId3"/>
               </a:ext>
             </a:extLst>
           </a:blip>
@@ -12813,10 +12821,10 @@
           <p:cNvPr id="39" name="Freeform: Shape 38">
             <a:extLst>
               <a:ext uri="{FF2B5EF4-FFF2-40B4-BE49-F238E27FC236}">
-                <a16:creationId xmlns:a16="http://schemas.microsoft.com/office/drawing/2014/main" id="{F232A1E1-DD38-15EA-6CA1-A84950EC43F0}"/>
+                <a16:creationId xmlns="" xmlns:a16="http://schemas.microsoft.com/office/drawing/2014/main" id="{F232A1E1-DD38-15EA-6CA1-A84950EC43F0}"/>
               </a:ext>
               <a:ext uri="{C183D7F6-B498-43B3-948B-1728B52AA6E4}">
-                <adec:decorative xmlns:adec="http://schemas.microsoft.com/office/drawing/2017/decorative" val="1"/>
+                <adec:decorative xmlns="" xmlns:adec="http://schemas.microsoft.com/office/drawing/2017/decorative" val="1"/>
               </a:ext>
             </a:extLst>
           </p:cNvPr>
@@ -13670,10 +13678,10 @@
           <p:cNvPr id="17" name="Image 5">
             <a:extLst>
               <a:ext uri="{FF2B5EF4-FFF2-40B4-BE49-F238E27FC236}">
-                <a16:creationId xmlns:a16="http://schemas.microsoft.com/office/drawing/2014/main" id="{B9036D42-A06F-E6EE-BB91-8BAF045198BE}"/>
+                <a16:creationId xmlns="" xmlns:a16="http://schemas.microsoft.com/office/drawing/2014/main" id="{B9036D42-A06F-E6EE-BB91-8BAF045198BE}"/>
               </a:ext>
               <a:ext uri="{C183D7F6-B498-43B3-948B-1728B52AA6E4}">
-                <adec:decorative xmlns:adec="http://schemas.microsoft.com/office/drawing/2017/decorative" val="1"/>
+                <adec:decorative xmlns="" xmlns:adec="http://schemas.microsoft.com/office/drawing/2017/decorative" val="1"/>
               </a:ext>
             </a:extLst>
           </p:cNvPr>
@@ -13771,10 +13779,10 @@
           <p:cNvPr id="19" name="Image 6">
             <a:extLst>
               <a:ext uri="{FF2B5EF4-FFF2-40B4-BE49-F238E27FC236}">
-                <a16:creationId xmlns:a16="http://schemas.microsoft.com/office/drawing/2014/main" id="{86E0540C-3355-A50D-AC61-047B54B70C64}"/>
+                <a16:creationId xmlns="" xmlns:a16="http://schemas.microsoft.com/office/drawing/2014/main" id="{86E0540C-3355-A50D-AC61-047B54B70C64}"/>
               </a:ext>
               <a:ext uri="{C183D7F6-B498-43B3-948B-1728B52AA6E4}">
-                <adec:decorative xmlns:adec="http://schemas.microsoft.com/office/drawing/2017/decorative" val="1"/>
+                <adec:decorative xmlns="" xmlns:adec="http://schemas.microsoft.com/office/drawing/2017/decorative" val="1"/>
               </a:ext>
             </a:extLst>
           </p:cNvPr>
@@ -13787,10 +13795,10 @@
           <a:blip r:embed="rId4" cstate="screen">
             <a:extLst>
               <a:ext uri="{28A0092B-C50C-407E-A947-70E740481C1C}">
-                <a14:useLocalDpi xmlns:a14="http://schemas.microsoft.com/office/drawing/2010/main"/>
+                <a14:useLocalDpi xmlns="" xmlns:a14="http://schemas.microsoft.com/office/drawing/2010/main"/>
               </a:ext>
               <a:ext uri="{96DAC541-7B7A-43D3-8B79-37D633B846F1}">
-                <asvg:svgBlip xmlns:asvg="http://schemas.microsoft.com/office/drawing/2016/SVG/main" r:embed="rId5"/>
+                <asvg:svgBlip xmlns="" xmlns:asvg="http://schemas.microsoft.com/office/drawing/2016/SVG/main" r:embed="rId5"/>
               </a:ext>
             </a:extLst>
           </a:blip>
@@ -13812,7 +13820,7 @@
           <p:cNvPr id="16" name="Slide Number Placeholder 2">
             <a:extLst>
               <a:ext uri="{FF2B5EF4-FFF2-40B4-BE49-F238E27FC236}">
-                <a16:creationId xmlns:a16="http://schemas.microsoft.com/office/drawing/2014/main" id="{B00F713C-1CC6-5879-0410-95F179D56AD2}"/>
+                <a16:creationId xmlns="" xmlns:a16="http://schemas.microsoft.com/office/drawing/2014/main" id="{B00F713C-1CC6-5879-0410-95F179D56AD2}"/>
               </a:ext>
             </a:extLst>
           </p:cNvPr>
@@ -13853,7 +13861,7 @@
           <p:cNvPr id="2" name="Content Placeholder 2">
             <a:extLst>
               <a:ext uri="{FF2B5EF4-FFF2-40B4-BE49-F238E27FC236}">
-                <a16:creationId xmlns:a16="http://schemas.microsoft.com/office/drawing/2014/main" id="{8E40D3F2-4A7A-F909-AC98-0B402B26776E}"/>
+                <a16:creationId xmlns="" xmlns:a16="http://schemas.microsoft.com/office/drawing/2014/main" id="{8E40D3F2-4A7A-F909-AC98-0B402B26776E}"/>
               </a:ext>
             </a:extLst>
           </p:cNvPr>
@@ -13930,7 +13938,7 @@
     </p:spTree>
     <p:extLst>
       <p:ext uri="{BB962C8B-B14F-4D97-AF65-F5344CB8AC3E}">
-        <p14:creationId xmlns:p14="http://schemas.microsoft.com/office/powerpoint/2010/main" val="3116296531"/>
+        <p14:creationId xmlns="" xmlns:p14="http://schemas.microsoft.com/office/powerpoint/2010/main" val="3116296531"/>
       </p:ext>
     </p:extLst>
   </p:cSld>
@@ -13962,10 +13970,10 @@
           <p:cNvPr id="27" name="Freeform 26">
             <a:extLst>
               <a:ext uri="{FF2B5EF4-FFF2-40B4-BE49-F238E27FC236}">
-                <a16:creationId xmlns:a16="http://schemas.microsoft.com/office/drawing/2014/main" id="{3C7B0BB3-A5CA-7C72-DC39-AD00EC90964C}"/>
+                <a16:creationId xmlns="" xmlns:a16="http://schemas.microsoft.com/office/drawing/2014/main" id="{3C7B0BB3-A5CA-7C72-DC39-AD00EC90964C}"/>
               </a:ext>
               <a:ext uri="{C183D7F6-B498-43B3-948B-1728B52AA6E4}">
-                <adec:decorative xmlns:adec="http://schemas.microsoft.com/office/drawing/2017/decorative" val="1"/>
+                <adec:decorative xmlns="" xmlns:adec="http://schemas.microsoft.com/office/drawing/2017/decorative" val="1"/>
               </a:ext>
             </a:extLst>
           </p:cNvPr>
@@ -14053,10 +14061,10 @@
           <p:cNvPr id="18" name="Freeform 17">
             <a:extLst>
               <a:ext uri="{FF2B5EF4-FFF2-40B4-BE49-F238E27FC236}">
-                <a16:creationId xmlns:a16="http://schemas.microsoft.com/office/drawing/2014/main" id="{07871527-68A5-0A5C-F5A6-A80523BAC92F}"/>
+                <a16:creationId xmlns="" xmlns:a16="http://schemas.microsoft.com/office/drawing/2014/main" id="{07871527-68A5-0A5C-F5A6-A80523BAC92F}"/>
               </a:ext>
               <a:ext uri="{C183D7F6-B498-43B3-948B-1728B52AA6E4}">
-                <adec:decorative xmlns:adec="http://schemas.microsoft.com/office/drawing/2017/decorative" val="1"/>
+                <adec:decorative xmlns="" xmlns:adec="http://schemas.microsoft.com/office/drawing/2017/decorative" val="1"/>
               </a:ext>
             </a:extLst>
           </p:cNvPr>
@@ -14144,10 +14152,10 @@
           <p:cNvPr id="14" name="Freeform 13">
             <a:extLst>
               <a:ext uri="{FF2B5EF4-FFF2-40B4-BE49-F238E27FC236}">
-                <a16:creationId xmlns:a16="http://schemas.microsoft.com/office/drawing/2014/main" id="{CEB118B3-9B06-AD11-738A-7A0651F98B7E}"/>
+                <a16:creationId xmlns="" xmlns:a16="http://schemas.microsoft.com/office/drawing/2014/main" id="{CEB118B3-9B06-AD11-738A-7A0651F98B7E}"/>
               </a:ext>
               <a:ext uri="{C183D7F6-B498-43B3-948B-1728B52AA6E4}">
-                <adec:decorative xmlns:adec="http://schemas.microsoft.com/office/drawing/2017/decorative" val="1"/>
+                <adec:decorative xmlns="" xmlns:adec="http://schemas.microsoft.com/office/drawing/2017/decorative" val="1"/>
               </a:ext>
             </a:extLst>
           </p:cNvPr>
@@ -14235,10 +14243,10 @@
           <p:cNvPr id="16" name="Freeform 15">
             <a:extLst>
               <a:ext uri="{FF2B5EF4-FFF2-40B4-BE49-F238E27FC236}">
-                <a16:creationId xmlns:a16="http://schemas.microsoft.com/office/drawing/2014/main" id="{0EA94262-504E-06F2-F383-E832C37B1250}"/>
+                <a16:creationId xmlns="" xmlns:a16="http://schemas.microsoft.com/office/drawing/2014/main" id="{0EA94262-504E-06F2-F383-E832C37B1250}"/>
               </a:ext>
               <a:ext uri="{C183D7F6-B498-43B3-948B-1728B52AA6E4}">
-                <adec:decorative xmlns:adec="http://schemas.microsoft.com/office/drawing/2017/decorative" val="1"/>
+                <adec:decorative xmlns="" xmlns:adec="http://schemas.microsoft.com/office/drawing/2017/decorative" val="1"/>
               </a:ext>
             </a:extLst>
           </p:cNvPr>
@@ -14326,7 +14334,7 @@
           <p:cNvPr id="20" name="Title 19">
             <a:extLst>
               <a:ext uri="{FF2B5EF4-FFF2-40B4-BE49-F238E27FC236}">
-                <a16:creationId xmlns:a16="http://schemas.microsoft.com/office/drawing/2014/main" id="{C26B5661-F583-FA44-8353-161B862E69B1}"/>
+                <a16:creationId xmlns="" xmlns:a16="http://schemas.microsoft.com/office/drawing/2014/main" id="{C26B5661-F583-FA44-8353-161B862E69B1}"/>
               </a:ext>
             </a:extLst>
           </p:cNvPr>
@@ -14368,7 +14376,7 @@
           <p:cNvPr id="19" name="Slide Number Placeholder 2">
             <a:extLst>
               <a:ext uri="{FF2B5EF4-FFF2-40B4-BE49-F238E27FC236}">
-                <a16:creationId xmlns:a16="http://schemas.microsoft.com/office/drawing/2014/main" id="{BFBCB81C-7599-87A1-8037-5FB8C374503A}"/>
+                <a16:creationId xmlns="" xmlns:a16="http://schemas.microsoft.com/office/drawing/2014/main" id="{BFBCB81C-7599-87A1-8037-5FB8C374503A}"/>
               </a:ext>
             </a:extLst>
           </p:cNvPr>
@@ -14409,7 +14417,7 @@
           <p:cNvPr id="23" name="Content Placeholder 3">
             <a:extLst>
               <a:ext uri="{FF2B5EF4-FFF2-40B4-BE49-F238E27FC236}">
-                <a16:creationId xmlns:a16="http://schemas.microsoft.com/office/drawing/2014/main" id="{6FF02D51-6992-3FED-2A19-92E5AC564CF4}"/>
+                <a16:creationId xmlns="" xmlns:a16="http://schemas.microsoft.com/office/drawing/2014/main" id="{6FF02D51-6992-3FED-2A19-92E5AC564CF4}"/>
               </a:ext>
             </a:extLst>
           </p:cNvPr>
@@ -14505,7 +14513,7 @@
           <p:cNvPr id="25" name="Content Placeholder 5">
             <a:extLst>
               <a:ext uri="{FF2B5EF4-FFF2-40B4-BE49-F238E27FC236}">
-                <a16:creationId xmlns:a16="http://schemas.microsoft.com/office/drawing/2014/main" id="{C2762372-3C12-61F8-F131-E4C08A2B1735}"/>
+                <a16:creationId xmlns="" xmlns:a16="http://schemas.microsoft.com/office/drawing/2014/main" id="{C2762372-3C12-61F8-F131-E4C08A2B1735}"/>
               </a:ext>
             </a:extLst>
           </p:cNvPr>
@@ -14599,7 +14607,7 @@
     </p:spTree>
     <p:extLst>
       <p:ext uri="{BB962C8B-B14F-4D97-AF65-F5344CB8AC3E}">
-        <p14:creationId xmlns:p14="http://schemas.microsoft.com/office/powerpoint/2010/main" val="1686733275"/>
+        <p14:creationId xmlns="" xmlns:p14="http://schemas.microsoft.com/office/powerpoint/2010/main" val="1686733275"/>
       </p:ext>
     </p:extLst>
   </p:cSld>
@@ -14631,10 +14639,10 @@
           <p:cNvPr id="33" name="Rectangle 32">
             <a:extLst>
               <a:ext uri="{FF2B5EF4-FFF2-40B4-BE49-F238E27FC236}">
-                <a16:creationId xmlns:a16="http://schemas.microsoft.com/office/drawing/2014/main" id="{376CF4B8-1811-BD21-43A7-560AC4724F3B}"/>
+                <a16:creationId xmlns="" xmlns:a16="http://schemas.microsoft.com/office/drawing/2014/main" id="{376CF4B8-1811-BD21-43A7-560AC4724F3B}"/>
               </a:ext>
               <a:ext uri="{C183D7F6-B498-43B3-948B-1728B52AA6E4}">
-                <adec:decorative xmlns:adec="http://schemas.microsoft.com/office/drawing/2017/decorative" val="1"/>
+                <adec:decorative xmlns="" xmlns:adec="http://schemas.microsoft.com/office/drawing/2017/decorative" val="1"/>
               </a:ext>
             </a:extLst>
           </p:cNvPr>
@@ -14688,10 +14696,10 @@
           <p:cNvPr id="34" name="Rectangle 33">
             <a:extLst>
               <a:ext uri="{FF2B5EF4-FFF2-40B4-BE49-F238E27FC236}">
-                <a16:creationId xmlns:a16="http://schemas.microsoft.com/office/drawing/2014/main" id="{30B7B4F0-D3BC-63DF-6429-F771BE5A3270}"/>
+                <a16:creationId xmlns="" xmlns:a16="http://schemas.microsoft.com/office/drawing/2014/main" id="{30B7B4F0-D3BC-63DF-6429-F771BE5A3270}"/>
               </a:ext>
               <a:ext uri="{C183D7F6-B498-43B3-948B-1728B52AA6E4}">
-                <adec:decorative xmlns:adec="http://schemas.microsoft.com/office/drawing/2017/decorative" val="1"/>
+                <adec:decorative xmlns="" xmlns:adec="http://schemas.microsoft.com/office/drawing/2017/decorative" val="1"/>
               </a:ext>
             </a:extLst>
           </p:cNvPr>
@@ -14743,7 +14751,7 @@
           <p:cNvPr id="2" name="Title 1">
             <a:extLst>
               <a:ext uri="{FF2B5EF4-FFF2-40B4-BE49-F238E27FC236}">
-                <a16:creationId xmlns:a16="http://schemas.microsoft.com/office/drawing/2014/main" id="{A65C6DDD-D2BB-0153-0F53-9F7C17BDFD2B}"/>
+                <a16:creationId xmlns="" xmlns:a16="http://schemas.microsoft.com/office/drawing/2014/main" id="{A65C6DDD-D2BB-0153-0F53-9F7C17BDFD2B}"/>
               </a:ext>
             </a:extLst>
           </p:cNvPr>
@@ -14787,7 +14795,7 @@
           <p:cNvPr id="5" name="Content Placeholder 2">
             <a:extLst>
               <a:ext uri="{FF2B5EF4-FFF2-40B4-BE49-F238E27FC236}">
-                <a16:creationId xmlns:a16="http://schemas.microsoft.com/office/drawing/2014/main" id="{0AADE444-940A-5A34-8C49-4F15BC33EEC7}"/>
+                <a16:creationId xmlns="" xmlns:a16="http://schemas.microsoft.com/office/drawing/2014/main" id="{0AADE444-940A-5A34-8C49-4F15BC33EEC7}"/>
               </a:ext>
             </a:extLst>
           </p:cNvPr>
@@ -14883,7 +14891,7 @@
           <p:cNvPr id="3" name="Content Placeholder 2">
             <a:extLst>
               <a:ext uri="{FF2B5EF4-FFF2-40B4-BE49-F238E27FC236}">
-                <a16:creationId xmlns:a16="http://schemas.microsoft.com/office/drawing/2014/main" id="{97A79FCB-9A9F-6B60-A95C-FCF020598DE3}"/>
+                <a16:creationId xmlns="" xmlns:a16="http://schemas.microsoft.com/office/drawing/2014/main" id="{97A79FCB-9A9F-6B60-A95C-FCF020598DE3}"/>
               </a:ext>
             </a:extLst>
           </p:cNvPr>
@@ -14979,7 +14987,7 @@
           <p:cNvPr id="31" name="Picture Placeholder 30">
             <a:extLst>
               <a:ext uri="{FF2B5EF4-FFF2-40B4-BE49-F238E27FC236}">
-                <a16:creationId xmlns:a16="http://schemas.microsoft.com/office/drawing/2014/main" id="{2912B88E-830A-AD4C-378F-46EF5F77950C}"/>
+                <a16:creationId xmlns="" xmlns:a16="http://schemas.microsoft.com/office/drawing/2014/main" id="{2912B88E-830A-AD4C-378F-46EF5F77950C}"/>
               </a:ext>
             </a:extLst>
           </p:cNvPr>
@@ -15179,10 +15187,10 @@
           <p:cNvPr id="32" name="Group 31">
             <a:extLst>
               <a:ext uri="{FF2B5EF4-FFF2-40B4-BE49-F238E27FC236}">
-                <a16:creationId xmlns:a16="http://schemas.microsoft.com/office/drawing/2014/main" id="{B9152F76-E42E-3D76-6BDB-2FA0D69216AD}"/>
+                <a16:creationId xmlns="" xmlns:a16="http://schemas.microsoft.com/office/drawing/2014/main" id="{B9152F76-E42E-3D76-6BDB-2FA0D69216AD}"/>
               </a:ext>
               <a:ext uri="{C183D7F6-B498-43B3-948B-1728B52AA6E4}">
-                <adec:decorative xmlns:adec="http://schemas.microsoft.com/office/drawing/2017/decorative" val="1"/>
+                <adec:decorative xmlns="" xmlns:adec="http://schemas.microsoft.com/office/drawing/2017/decorative" val="1"/>
               </a:ext>
             </a:extLst>
           </p:cNvPr>
@@ -15202,10 +15210,10 @@
             <p:cNvPr id="20" name="Freeform: Shape 28">
               <a:extLst>
                 <a:ext uri="{FF2B5EF4-FFF2-40B4-BE49-F238E27FC236}">
-                  <a16:creationId xmlns:a16="http://schemas.microsoft.com/office/drawing/2014/main" id="{ED0348C7-D83F-0AD7-2539-41219A795693}"/>
+                  <a16:creationId xmlns="" xmlns:a16="http://schemas.microsoft.com/office/drawing/2014/main" id="{ED0348C7-D83F-0AD7-2539-41219A795693}"/>
                 </a:ext>
                 <a:ext uri="{C183D7F6-B498-43B3-948B-1728B52AA6E4}">
-                  <adec:decorative xmlns:adec="http://schemas.microsoft.com/office/drawing/2017/decorative" val="1"/>
+                  <adec:decorative xmlns="" xmlns:adec="http://schemas.microsoft.com/office/drawing/2017/decorative" val="1"/>
                 </a:ext>
               </a:extLst>
             </p:cNvPr>
@@ -15325,10 +15333,10 @@
             <p:cNvPr id="21" name="Freeform: Shape 25">
               <a:extLst>
                 <a:ext uri="{FF2B5EF4-FFF2-40B4-BE49-F238E27FC236}">
-                  <a16:creationId xmlns:a16="http://schemas.microsoft.com/office/drawing/2014/main" id="{E911AA2D-BE77-278D-CD2E-2EB3E180F3B8}"/>
+                  <a16:creationId xmlns="" xmlns:a16="http://schemas.microsoft.com/office/drawing/2014/main" id="{E911AA2D-BE77-278D-CD2E-2EB3E180F3B8}"/>
                 </a:ext>
                 <a:ext uri="{C183D7F6-B498-43B3-948B-1728B52AA6E4}">
-                  <adec:decorative xmlns:adec="http://schemas.microsoft.com/office/drawing/2017/decorative" val="1"/>
+                  <adec:decorative xmlns="" xmlns:adec="http://schemas.microsoft.com/office/drawing/2017/decorative" val="1"/>
                 </a:ext>
               </a:extLst>
             </p:cNvPr>
@@ -15426,10 +15434,10 @@
             <p:cNvPr id="22" name="Freeform: Shape 15">
               <a:extLst>
                 <a:ext uri="{FF2B5EF4-FFF2-40B4-BE49-F238E27FC236}">
-                  <a16:creationId xmlns:a16="http://schemas.microsoft.com/office/drawing/2014/main" id="{B6CE0BA6-C0FD-AC39-6C31-8477E0CAFDB0}"/>
+                  <a16:creationId xmlns="" xmlns:a16="http://schemas.microsoft.com/office/drawing/2014/main" id="{B6CE0BA6-C0FD-AC39-6C31-8477E0CAFDB0}"/>
                 </a:ext>
                 <a:ext uri="{C183D7F6-B498-43B3-948B-1728B52AA6E4}">
-                  <adec:decorative xmlns:adec="http://schemas.microsoft.com/office/drawing/2017/decorative" val="1"/>
+                  <adec:decorative xmlns="" xmlns:adec="http://schemas.microsoft.com/office/drawing/2017/decorative" val="1"/>
                 </a:ext>
               </a:extLst>
             </p:cNvPr>
@@ -15527,10 +15535,10 @@
             <p:cNvPr id="23" name="Image 2">
               <a:extLst>
                 <a:ext uri="{FF2B5EF4-FFF2-40B4-BE49-F238E27FC236}">
-                  <a16:creationId xmlns:a16="http://schemas.microsoft.com/office/drawing/2014/main" id="{666AD1A4-36DE-12F3-BB78-BA678A59572C}"/>
+                  <a16:creationId xmlns="" xmlns:a16="http://schemas.microsoft.com/office/drawing/2014/main" id="{666AD1A4-36DE-12F3-BB78-BA678A59572C}"/>
                 </a:ext>
                 <a:ext uri="{C183D7F6-B498-43B3-948B-1728B52AA6E4}">
-                  <adec:decorative xmlns:adec="http://schemas.microsoft.com/office/drawing/2017/decorative" val="1"/>
+                  <adec:decorative xmlns="" xmlns:adec="http://schemas.microsoft.com/office/drawing/2017/decorative" val="1"/>
                 </a:ext>
               </a:extLst>
             </p:cNvPr>
@@ -15627,7 +15635,7 @@
           <p:cNvPr id="44" name="Slide Number Placeholder 2">
             <a:extLst>
               <a:ext uri="{FF2B5EF4-FFF2-40B4-BE49-F238E27FC236}">
-                <a16:creationId xmlns:a16="http://schemas.microsoft.com/office/drawing/2014/main" id="{79071EEC-EAD1-8B22-009A-68E74589AA8D}"/>
+                <a16:creationId xmlns="" xmlns:a16="http://schemas.microsoft.com/office/drawing/2014/main" id="{79071EEC-EAD1-8B22-009A-68E74589AA8D}"/>
               </a:ext>
             </a:extLst>
           </p:cNvPr>
@@ -15666,7 +15674,7 @@
     </p:spTree>
     <p:extLst>
       <p:ext uri="{BB962C8B-B14F-4D97-AF65-F5344CB8AC3E}">
-        <p14:creationId xmlns:p14="http://schemas.microsoft.com/office/powerpoint/2010/main" val="3183620452"/>
+        <p14:creationId xmlns="" xmlns:p14="http://schemas.microsoft.com/office/powerpoint/2010/main" val="3183620452"/>
       </p:ext>
     </p:extLst>
   </p:cSld>
@@ -15698,10 +15706,10 @@
           <p:cNvPr id="5" name="Freeform 4">
             <a:extLst>
               <a:ext uri="{FF2B5EF4-FFF2-40B4-BE49-F238E27FC236}">
-                <a16:creationId xmlns:a16="http://schemas.microsoft.com/office/drawing/2014/main" id="{28259CF0-6BC5-3693-6F49-C4489C07C317}"/>
+                <a16:creationId xmlns="" xmlns:a16="http://schemas.microsoft.com/office/drawing/2014/main" id="{28259CF0-6BC5-3693-6F49-C4489C07C317}"/>
               </a:ext>
               <a:ext uri="{C183D7F6-B498-43B3-948B-1728B52AA6E4}">
-                <adec:decorative xmlns:adec="http://schemas.microsoft.com/office/drawing/2017/decorative" val="1"/>
+                <adec:decorative xmlns="" xmlns:adec="http://schemas.microsoft.com/office/drawing/2017/decorative" val="1"/>
               </a:ext>
             </a:extLst>
           </p:cNvPr>
@@ -15785,10 +15793,10 @@
           <p:cNvPr id="26" name="Image 4">
             <a:extLst>
               <a:ext uri="{FF2B5EF4-FFF2-40B4-BE49-F238E27FC236}">
-                <a16:creationId xmlns:a16="http://schemas.microsoft.com/office/drawing/2014/main" id="{9019DA73-2516-F3D2-ECDB-620C90483DB3}"/>
+                <a16:creationId xmlns="" xmlns:a16="http://schemas.microsoft.com/office/drawing/2014/main" id="{9019DA73-2516-F3D2-ECDB-620C90483DB3}"/>
               </a:ext>
               <a:ext uri="{C183D7F6-B498-43B3-948B-1728B52AA6E4}">
-                <adec:decorative xmlns:adec="http://schemas.microsoft.com/office/drawing/2017/decorative" val="1"/>
+                <adec:decorative xmlns="" xmlns:adec="http://schemas.microsoft.com/office/drawing/2017/decorative" val="1"/>
               </a:ext>
             </a:extLst>
           </p:cNvPr>
@@ -15870,10 +15878,10 @@
           <p:cNvPr id="14" name="Freeform 13">
             <a:extLst>
               <a:ext uri="{FF2B5EF4-FFF2-40B4-BE49-F238E27FC236}">
-                <a16:creationId xmlns:a16="http://schemas.microsoft.com/office/drawing/2014/main" id="{5665DA82-D253-8EC5-5DFB-F0266ED9FBB4}"/>
+                <a16:creationId xmlns="" xmlns:a16="http://schemas.microsoft.com/office/drawing/2014/main" id="{5665DA82-D253-8EC5-5DFB-F0266ED9FBB4}"/>
               </a:ext>
               <a:ext uri="{C183D7F6-B498-43B3-948B-1728B52AA6E4}">
-                <adec:decorative xmlns:adec="http://schemas.microsoft.com/office/drawing/2017/decorative" val="1"/>
+                <adec:decorative xmlns="" xmlns:adec="http://schemas.microsoft.com/office/drawing/2017/decorative" val="1"/>
               </a:ext>
             </a:extLst>
           </p:cNvPr>
@@ -15959,10 +15967,10 @@
           <p:cNvPr id="21" name="Image 2">
             <a:extLst>
               <a:ext uri="{FF2B5EF4-FFF2-40B4-BE49-F238E27FC236}">
-                <a16:creationId xmlns:a16="http://schemas.microsoft.com/office/drawing/2014/main" id="{A8B7F1F1-806C-8D65-7340-220A0C4653C8}"/>
+                <a16:creationId xmlns="" xmlns:a16="http://schemas.microsoft.com/office/drawing/2014/main" id="{A8B7F1F1-806C-8D65-7340-220A0C4653C8}"/>
               </a:ext>
               <a:ext uri="{C183D7F6-B498-43B3-948B-1728B52AA6E4}">
-                <adec:decorative xmlns:adec="http://schemas.microsoft.com/office/drawing/2017/decorative" val="1"/>
+                <adec:decorative xmlns="" xmlns:adec="http://schemas.microsoft.com/office/drawing/2017/decorative" val="1"/>
               </a:ext>
             </a:extLst>
           </p:cNvPr>
@@ -15975,10 +15983,10 @@
           <a:blip r:embed="rId2" cstate="screen">
             <a:extLst>
               <a:ext uri="{28A0092B-C50C-407E-A947-70E740481C1C}">
-                <a14:useLocalDpi xmlns:a14="http://schemas.microsoft.com/office/drawing/2010/main"/>
+                <a14:useLocalDpi xmlns="" xmlns:a14="http://schemas.microsoft.com/office/drawing/2010/main"/>
               </a:ext>
               <a:ext uri="{96DAC541-7B7A-43D3-8B79-37D633B846F1}">
-                <asvg:svgBlip xmlns:asvg="http://schemas.microsoft.com/office/drawing/2016/SVG/main" r:embed="rId3"/>
+                <asvg:svgBlip xmlns="" xmlns:asvg="http://schemas.microsoft.com/office/drawing/2016/SVG/main" r:embed="rId3"/>
               </a:ext>
             </a:extLst>
           </a:blip>
@@ -16000,10 +16008,10 @@
           <p:cNvPr id="12" name="Freeform 11">
             <a:extLst>
               <a:ext uri="{FF2B5EF4-FFF2-40B4-BE49-F238E27FC236}">
-                <a16:creationId xmlns:a16="http://schemas.microsoft.com/office/drawing/2014/main" id="{E76518D4-6149-BA03-3BE5-6A13A792C115}"/>
+                <a16:creationId xmlns="" xmlns:a16="http://schemas.microsoft.com/office/drawing/2014/main" id="{E76518D4-6149-BA03-3BE5-6A13A792C115}"/>
               </a:ext>
               <a:ext uri="{C183D7F6-B498-43B3-948B-1728B52AA6E4}">
-                <adec:decorative xmlns:adec="http://schemas.microsoft.com/office/drawing/2017/decorative" val="1"/>
+                <adec:decorative xmlns="" xmlns:adec="http://schemas.microsoft.com/office/drawing/2017/decorative" val="1"/>
               </a:ext>
             </a:extLst>
           </p:cNvPr>
@@ -16142,7 +16150,7 @@
           <p:cNvPr id="30" name="Content Placeholder 2">
             <a:extLst>
               <a:ext uri="{FF2B5EF4-FFF2-40B4-BE49-F238E27FC236}">
-                <a16:creationId xmlns:a16="http://schemas.microsoft.com/office/drawing/2014/main" id="{58F56A7F-403C-059D-4B58-A8D59888A158}"/>
+                <a16:creationId xmlns="" xmlns:a16="http://schemas.microsoft.com/office/drawing/2014/main" id="{58F56A7F-403C-059D-4B58-A8D59888A158}"/>
               </a:ext>
             </a:extLst>
           </p:cNvPr>
@@ -16221,7 +16229,7 @@
           <p:cNvPr id="10" name="Picture Placeholder 9">
             <a:extLst>
               <a:ext uri="{FF2B5EF4-FFF2-40B4-BE49-F238E27FC236}">
-                <a16:creationId xmlns:a16="http://schemas.microsoft.com/office/drawing/2014/main" id="{0723BF40-731C-2A5B-FC2F-B59DEF431C66}"/>
+                <a16:creationId xmlns="" xmlns:a16="http://schemas.microsoft.com/office/drawing/2014/main" id="{0723BF40-731C-2A5B-FC2F-B59DEF431C66}"/>
               </a:ext>
             </a:extLst>
           </p:cNvPr>
@@ -16265,7 +16273,7 @@
           <p:cNvPr id="20" name="Slide Number Placeholder 2">
             <a:extLst>
               <a:ext uri="{FF2B5EF4-FFF2-40B4-BE49-F238E27FC236}">
-                <a16:creationId xmlns:a16="http://schemas.microsoft.com/office/drawing/2014/main" id="{3ACD3A33-D8A4-7058-9798-30967E3EFD39}"/>
+                <a16:creationId xmlns="" xmlns:a16="http://schemas.microsoft.com/office/drawing/2014/main" id="{3ACD3A33-D8A4-7058-9798-30967E3EFD39}"/>
               </a:ext>
             </a:extLst>
           </p:cNvPr>
@@ -16304,7 +16312,7 @@
     </p:spTree>
     <p:extLst>
       <p:ext uri="{BB962C8B-B14F-4D97-AF65-F5344CB8AC3E}">
-        <p14:creationId xmlns:p14="http://schemas.microsoft.com/office/powerpoint/2010/main" val="2207104535"/>
+        <p14:creationId xmlns="" xmlns:p14="http://schemas.microsoft.com/office/powerpoint/2010/main" val="2207104535"/>
       </p:ext>
     </p:extLst>
   </p:cSld>
@@ -16476,7 +16484,7 @@
     </p:spTree>
     <p:extLst>
       <p:ext uri="{BB962C8B-B14F-4D97-AF65-F5344CB8AC3E}">
-        <p14:creationId xmlns:p14="http://schemas.microsoft.com/office/powerpoint/2010/main" val="154833434"/>
+        <p14:creationId xmlns="" xmlns:p14="http://schemas.microsoft.com/office/powerpoint/2010/main" val="154833434"/>
       </p:ext>
     </p:extLst>
   </p:cSld>
@@ -16806,7 +16814,7 @@
           <p:cNvPr id="2" name="Title 1">
             <a:extLst>
               <a:ext uri="{FF2B5EF4-FFF2-40B4-BE49-F238E27FC236}">
-                <a16:creationId xmlns:a16="http://schemas.microsoft.com/office/drawing/2014/main" id="{4207FF65-A536-F639-8591-ED024C223308}"/>
+                <a16:creationId xmlns="" xmlns:a16="http://schemas.microsoft.com/office/drawing/2014/main" id="{4207FF65-A536-F639-8591-ED024C223308}"/>
               </a:ext>
             </a:extLst>
           </p:cNvPr>
@@ -16841,9 +16849,843 @@
     </p:spTree>
     <p:extLst>
       <p:ext uri="{BB962C8B-B14F-4D97-AF65-F5344CB8AC3E}">
-        <p14:creationId xmlns:p14="http://schemas.microsoft.com/office/powerpoint/2010/main" val="2202437675"/>
+        <p14:creationId xmlns="" xmlns:p14="http://schemas.microsoft.com/office/powerpoint/2010/main" val="2202437675"/>
       </p:ext>
     </p:extLst>
+  </p:cSld>
+  <p:clrMapOvr>
+    <a:masterClrMapping/>
+  </p:clrMapOvr>
+</p:sld>
+</file>
+
+<file path=ppt/slides/slide10.xml><?xml version="1.0" encoding="utf-8"?>
+<p:sld xmlns:a="http://schemas.openxmlformats.org/drawingml/2006/main" xmlns:r="http://schemas.openxmlformats.org/officeDocument/2006/relationships" xmlns:p="http://schemas.openxmlformats.org/presentationml/2006/main">
+  <p:cSld>
+    <p:spTree>
+      <p:nvGrpSpPr>
+        <p:cNvPr id="1" name=""/>
+        <p:cNvGrpSpPr/>
+        <p:nvPr/>
+      </p:nvGrpSpPr>
+      <p:grpSpPr>
+        <a:xfrm>
+          <a:off x="0" y="0"/>
+          <a:ext cx="0" cy="0"/>
+          <a:chOff x="0" y="0"/>
+          <a:chExt cx="0" cy="0"/>
+        </a:xfrm>
+      </p:grpSpPr>
+      <p:sp>
+        <p:nvSpPr>
+          <p:cNvPr id="2" name="TextBox 1"/>
+          <p:cNvSpPr txBox="1"/>
+          <p:nvPr/>
+        </p:nvSpPr>
+        <p:spPr>
+          <a:xfrm>
+            <a:off x="242627" y="341194"/>
+            <a:ext cx="11402320" cy="6124754"/>
+          </a:xfrm>
+          <a:prstGeom prst="rect">
+            <a:avLst/>
+          </a:prstGeom>
+          <a:noFill/>
+        </p:spPr>
+        <p:txBody>
+          <a:bodyPr wrap="square" rtlCol="0">
+            <a:spAutoFit/>
+          </a:bodyPr>
+          <a:lstStyle/>
+          <a:p>
+            <a:r>
+              <a:rPr lang="en-US" sz="2800" dirty="0" smtClean="0">
+                <a:latin typeface="Times New Roman" pitchFamily="18" charset="0"/>
+                <a:cs typeface="Times New Roman" pitchFamily="18" charset="0"/>
+              </a:rPr>
+              <a:t>13.In </a:t>
+            </a:r>
+            <a:r>
+              <a:rPr lang="en-US" sz="2800" dirty="0" smtClean="0">
+                <a:latin typeface="Times New Roman" pitchFamily="18" charset="0"/>
+                <a:cs typeface="Times New Roman" pitchFamily="18" charset="0"/>
+              </a:rPr>
+              <a:t>event app ,</a:t>
+            </a:r>
+          </a:p>
+          <a:p>
+            <a:r>
+              <a:rPr lang="en-US" sz="2800" dirty="0" smtClean="0">
+                <a:latin typeface="Times New Roman" pitchFamily="18" charset="0"/>
+                <a:cs typeface="Times New Roman" pitchFamily="18" charset="0"/>
+              </a:rPr>
+              <a:t>create a </a:t>
+            </a:r>
+            <a:r>
+              <a:rPr lang="en-US" sz="2800" b="1" dirty="0" smtClean="0">
+                <a:latin typeface="Times New Roman" pitchFamily="18" charset="0"/>
+                <a:cs typeface="Times New Roman" pitchFamily="18" charset="0"/>
+              </a:rPr>
+              <a:t>urls.py </a:t>
+            </a:r>
+            <a:r>
+              <a:rPr lang="en-US" sz="2800" dirty="0" smtClean="0">
+                <a:latin typeface="Times New Roman" pitchFamily="18" charset="0"/>
+                <a:cs typeface="Times New Roman" pitchFamily="18" charset="0"/>
+              </a:rPr>
+              <a:t>file </a:t>
+            </a:r>
+          </a:p>
+          <a:p>
+            <a:r>
+              <a:rPr lang="en-US" sz="2800" b="1" dirty="0" smtClean="0">
+                <a:latin typeface="Times New Roman" pitchFamily="18" charset="0"/>
+                <a:cs typeface="Times New Roman" pitchFamily="18" charset="0"/>
+              </a:rPr>
+              <a:t>   from </a:t>
+            </a:r>
+            <a:r>
+              <a:rPr lang="en-US" sz="2800" b="1" dirty="0" err="1" smtClean="0">
+                <a:latin typeface="Times New Roman" pitchFamily="18" charset="0"/>
+                <a:cs typeface="Times New Roman" pitchFamily="18" charset="0"/>
+              </a:rPr>
+              <a:t>django.urls</a:t>
+            </a:r>
+            <a:r>
+              <a:rPr lang="en-US" sz="2800" b="1" dirty="0" smtClean="0">
+                <a:latin typeface="Times New Roman" pitchFamily="18" charset="0"/>
+                <a:cs typeface="Times New Roman" pitchFamily="18" charset="0"/>
+              </a:rPr>
+              <a:t> import path </a:t>
+            </a:r>
+          </a:p>
+          <a:p>
+            <a:r>
+              <a:rPr lang="en-US" sz="2800" b="1" dirty="0" smtClean="0">
+                <a:latin typeface="Times New Roman" pitchFamily="18" charset="0"/>
+                <a:cs typeface="Times New Roman" pitchFamily="18" charset="0"/>
+              </a:rPr>
+              <a:t>   from . import views</a:t>
+            </a:r>
+          </a:p>
+          <a:p>
+            <a:endParaRPr lang="en-US" sz="2800" dirty="0" smtClean="0">
+              <a:latin typeface="Times New Roman" pitchFamily="18" charset="0"/>
+              <a:cs typeface="Times New Roman" pitchFamily="18" charset="0"/>
+            </a:endParaRPr>
+          </a:p>
+          <a:p>
+            <a:r>
+              <a:rPr lang="en-US" sz="2800" b="1" dirty="0" err="1" smtClean="0">
+                <a:latin typeface="Times New Roman" pitchFamily="18" charset="0"/>
+                <a:cs typeface="Times New Roman" pitchFamily="18" charset="0"/>
+              </a:rPr>
+              <a:t>urlpatterns</a:t>
+            </a:r>
+            <a:r>
+              <a:rPr lang="en-US" sz="2800" b="1" dirty="0" smtClean="0">
+                <a:latin typeface="Times New Roman" pitchFamily="18" charset="0"/>
+                <a:cs typeface="Times New Roman" pitchFamily="18" charset="0"/>
+              </a:rPr>
+              <a:t>= [ path(‘’,</a:t>
+            </a:r>
+            <a:r>
+              <a:rPr lang="en-US" sz="2800" b="1" dirty="0" err="1" smtClean="0">
+                <a:latin typeface="Times New Roman" pitchFamily="18" charset="0"/>
+                <a:cs typeface="Times New Roman" pitchFamily="18" charset="0"/>
+              </a:rPr>
+              <a:t>views.index,name</a:t>
+            </a:r>
+            <a:r>
+              <a:rPr lang="en-US" sz="2800" b="1" dirty="0" smtClean="0">
+                <a:latin typeface="Times New Roman" pitchFamily="18" charset="0"/>
+                <a:cs typeface="Times New Roman" pitchFamily="18" charset="0"/>
+              </a:rPr>
+              <a:t>=‘index’)]</a:t>
+            </a:r>
+          </a:p>
+          <a:p>
+            <a:endParaRPr lang="en-US" sz="2800" dirty="0" smtClean="0">
+              <a:latin typeface="Times New Roman" pitchFamily="18" charset="0"/>
+              <a:cs typeface="Times New Roman" pitchFamily="18" charset="0"/>
+            </a:endParaRPr>
+          </a:p>
+          <a:p>
+            <a:r>
+              <a:rPr lang="en-US" sz="2800" dirty="0" smtClean="0">
+                <a:latin typeface="Times New Roman" pitchFamily="18" charset="0"/>
+                <a:cs typeface="Times New Roman" pitchFamily="18" charset="0"/>
+              </a:rPr>
+              <a:t>14.In </a:t>
+            </a:r>
+            <a:r>
+              <a:rPr lang="en-US" sz="2800" dirty="0" smtClean="0">
+                <a:latin typeface="Times New Roman" pitchFamily="18" charset="0"/>
+                <a:cs typeface="Times New Roman" pitchFamily="18" charset="0"/>
+              </a:rPr>
+              <a:t>event app,</a:t>
+            </a:r>
+            <a:r>
+              <a:rPr lang="en-US" sz="2800" b="1" dirty="0" smtClean="0">
+                <a:latin typeface="Times New Roman" pitchFamily="18" charset="0"/>
+                <a:cs typeface="Times New Roman" pitchFamily="18" charset="0"/>
+              </a:rPr>
+              <a:t> views.py</a:t>
+            </a:r>
+          </a:p>
+          <a:p>
+            <a:r>
+              <a:rPr lang="en-US" sz="2800" b="1" dirty="0" smtClean="0">
+                <a:latin typeface="Times New Roman" pitchFamily="18" charset="0"/>
+                <a:cs typeface="Times New Roman" pitchFamily="18" charset="0"/>
+              </a:rPr>
+              <a:t>            From </a:t>
+            </a:r>
+            <a:r>
+              <a:rPr lang="en-US" sz="2800" b="1" dirty="0" err="1" smtClean="0">
+                <a:latin typeface="Times New Roman" pitchFamily="18" charset="0"/>
+                <a:cs typeface="Times New Roman" pitchFamily="18" charset="0"/>
+              </a:rPr>
+              <a:t>django.shortcuts</a:t>
+            </a:r>
+            <a:r>
+              <a:rPr lang="en-US" sz="2800" b="1" dirty="0" smtClean="0">
+                <a:latin typeface="Times New Roman" pitchFamily="18" charset="0"/>
+                <a:cs typeface="Times New Roman" pitchFamily="18" charset="0"/>
+              </a:rPr>
+              <a:t> import render</a:t>
+            </a:r>
+          </a:p>
+          <a:p>
+            <a:endParaRPr lang="en-US" sz="2800" dirty="0">
+              <a:latin typeface="Times New Roman" pitchFamily="18" charset="0"/>
+              <a:cs typeface="Times New Roman" pitchFamily="18" charset="0"/>
+            </a:endParaRPr>
+          </a:p>
+          <a:p>
+            <a:r>
+              <a:rPr lang="en-US" sz="2800" dirty="0" smtClean="0">
+                <a:latin typeface="Times New Roman" pitchFamily="18" charset="0"/>
+                <a:cs typeface="Times New Roman" pitchFamily="18" charset="0"/>
+              </a:rPr>
+              <a:t>         Create </a:t>
+            </a:r>
+            <a:r>
+              <a:rPr lang="en-US" sz="2800" dirty="0" smtClean="0">
+                <a:latin typeface="Times New Roman" pitchFamily="18" charset="0"/>
+                <a:cs typeface="Times New Roman" pitchFamily="18" charset="0"/>
+              </a:rPr>
+              <a:t>your view here.</a:t>
+            </a:r>
+          </a:p>
+          <a:p>
+            <a:endParaRPr lang="en-US" sz="2800" dirty="0">
+              <a:latin typeface="Times New Roman" pitchFamily="18" charset="0"/>
+              <a:cs typeface="Times New Roman" pitchFamily="18" charset="0"/>
+            </a:endParaRPr>
+          </a:p>
+          <a:p>
+            <a:r>
+              <a:rPr lang="en-US" sz="2800" b="1" dirty="0" smtClean="0">
+                <a:latin typeface="Times New Roman" pitchFamily="18" charset="0"/>
+                <a:cs typeface="Times New Roman" pitchFamily="18" charset="0"/>
+              </a:rPr>
+              <a:t>            def </a:t>
+            </a:r>
+            <a:r>
+              <a:rPr lang="en-US" sz="2800" b="1" dirty="0" smtClean="0">
+                <a:latin typeface="Times New Roman" pitchFamily="18" charset="0"/>
+                <a:cs typeface="Times New Roman" pitchFamily="18" charset="0"/>
+              </a:rPr>
+              <a:t>index(request</a:t>
+            </a:r>
+            <a:r>
+              <a:rPr lang="en-US" sz="2800" b="1" dirty="0" smtClean="0">
+                <a:latin typeface="Times New Roman" pitchFamily="18" charset="0"/>
+                <a:cs typeface="Times New Roman" pitchFamily="18" charset="0"/>
+              </a:rPr>
+              <a:t>):                   </a:t>
+            </a:r>
+            <a:r>
+              <a:rPr lang="en-US" sz="2400" b="1" dirty="0" smtClean="0">
+                <a:latin typeface="Times New Roman" pitchFamily="18" charset="0"/>
+                <a:cs typeface="Times New Roman" pitchFamily="18" charset="0"/>
+              </a:rPr>
+              <a:t> </a:t>
+            </a:r>
+            <a:r>
+              <a:rPr lang="en-US" sz="2000" b="1" dirty="0" smtClean="0">
+                <a:latin typeface="Times New Roman" pitchFamily="18" charset="0"/>
+                <a:cs typeface="Times New Roman" pitchFamily="18" charset="0"/>
+              </a:rPr>
+              <a:t>uses functions to create views</a:t>
+            </a:r>
+            <a:endParaRPr lang="en-US" sz="2800" b="1" dirty="0" smtClean="0">
+              <a:latin typeface="Times New Roman" pitchFamily="18" charset="0"/>
+              <a:cs typeface="Times New Roman" pitchFamily="18" charset="0"/>
+            </a:endParaRPr>
+          </a:p>
+          <a:p>
+            <a:r>
+              <a:rPr lang="en-US" sz="2800" b="1" dirty="0">
+                <a:latin typeface="Times New Roman" pitchFamily="18" charset="0"/>
+                <a:cs typeface="Times New Roman" pitchFamily="18" charset="0"/>
+              </a:rPr>
+              <a:t> </a:t>
+            </a:r>
+            <a:r>
+              <a:rPr lang="en-US" sz="2800" b="1" dirty="0" smtClean="0">
+                <a:latin typeface="Times New Roman" pitchFamily="18" charset="0"/>
+                <a:cs typeface="Times New Roman" pitchFamily="18" charset="0"/>
+              </a:rPr>
+              <a:t>      </a:t>
+            </a:r>
+            <a:r>
+              <a:rPr lang="en-US" sz="2800" b="1" dirty="0" smtClean="0">
+                <a:latin typeface="Times New Roman" pitchFamily="18" charset="0"/>
+                <a:cs typeface="Times New Roman" pitchFamily="18" charset="0"/>
+              </a:rPr>
+              <a:t>               </a:t>
+            </a:r>
+            <a:r>
+              <a:rPr lang="en-US" sz="2800" b="1" dirty="0" smtClean="0">
+                <a:latin typeface="Times New Roman" pitchFamily="18" charset="0"/>
+                <a:cs typeface="Times New Roman" pitchFamily="18" charset="0"/>
+              </a:rPr>
+              <a:t>return render(</a:t>
+            </a:r>
+            <a:r>
+              <a:rPr lang="en-US" sz="2800" b="1" dirty="0" err="1" smtClean="0">
+                <a:latin typeface="Times New Roman" pitchFamily="18" charset="0"/>
+                <a:cs typeface="Times New Roman" pitchFamily="18" charset="0"/>
+              </a:rPr>
+              <a:t>request,’index.html</a:t>
+            </a:r>
+            <a:r>
+              <a:rPr lang="en-US" sz="2800" b="1" dirty="0" smtClean="0">
+                <a:latin typeface="Times New Roman" pitchFamily="18" charset="0"/>
+                <a:cs typeface="Times New Roman" pitchFamily="18" charset="0"/>
+              </a:rPr>
+              <a:t>’)</a:t>
+            </a:r>
+            <a:endParaRPr lang="en-US" sz="2800" b="1" dirty="0">
+              <a:latin typeface="Times New Roman" pitchFamily="18" charset="0"/>
+              <a:cs typeface="Times New Roman" pitchFamily="18" charset="0"/>
+            </a:endParaRPr>
+          </a:p>
+        </p:txBody>
+      </p:sp>
+      <p:sp>
+        <p:nvSpPr>
+          <p:cNvPr id="5" name="Right Arrow 4"/>
+          <p:cNvSpPr/>
+          <p:nvPr/>
+        </p:nvSpPr>
+        <p:spPr>
+          <a:xfrm>
+            <a:off x="4544705" y="5691115"/>
+            <a:ext cx="1296537" cy="218364"/>
+          </a:xfrm>
+          <a:prstGeom prst="rightArrow">
+            <a:avLst/>
+          </a:prstGeom>
+        </p:spPr>
+        <p:style>
+          <a:lnRef idx="2">
+            <a:schemeClr val="dk1">
+              <a:shade val="50000"/>
+            </a:schemeClr>
+          </a:lnRef>
+          <a:fillRef idx="1">
+            <a:schemeClr val="dk1"/>
+          </a:fillRef>
+          <a:effectRef idx="0">
+            <a:schemeClr val="dk1"/>
+          </a:effectRef>
+          <a:fontRef idx="minor">
+            <a:schemeClr val="lt1"/>
+          </a:fontRef>
+        </p:style>
+        <p:txBody>
+          <a:bodyPr rtlCol="0" anchor="ctr"/>
+          <a:lstStyle/>
+          <a:p>
+            <a:pPr algn="ctr"/>
+            <a:endParaRPr lang="en-US"/>
+          </a:p>
+        </p:txBody>
+      </p:sp>
+    </p:spTree>
+  </p:cSld>
+  <p:clrMapOvr>
+    <a:masterClrMapping/>
+  </p:clrMapOvr>
+</p:sld>
+</file>
+
+<file path=ppt/slides/slide11.xml><?xml version="1.0" encoding="utf-8"?>
+<p:sld xmlns:a="http://schemas.openxmlformats.org/drawingml/2006/main" xmlns:r="http://schemas.openxmlformats.org/officeDocument/2006/relationships" xmlns:p="http://schemas.openxmlformats.org/presentationml/2006/main">
+  <p:cSld>
+    <p:spTree>
+      <p:nvGrpSpPr>
+        <p:cNvPr id="1" name=""/>
+        <p:cNvGrpSpPr/>
+        <p:nvPr/>
+      </p:nvGrpSpPr>
+      <p:grpSpPr>
+        <a:xfrm>
+          <a:off x="0" y="0"/>
+          <a:ext cx="0" cy="0"/>
+          <a:chOff x="0" y="0"/>
+          <a:chExt cx="0" cy="0"/>
+        </a:xfrm>
+      </p:grpSpPr>
+      <p:sp>
+        <p:nvSpPr>
+          <p:cNvPr id="2" name="Slide Number Placeholder 1"/>
+          <p:cNvSpPr>
+            <a:spLocks noGrp="1"/>
+          </p:cNvSpPr>
+          <p:nvPr>
+            <p:ph type="sldNum" sz="quarter" idx="12"/>
+          </p:nvPr>
+        </p:nvSpPr>
+        <p:spPr/>
+        <p:txBody>
+          <a:bodyPr/>
+          <a:lstStyle/>
+          <a:p>
+            <a:fld id="{48F63A3B-78C7-47BE-AE5E-E10140E04643}" type="slidenum">
+              <a:rPr lang="en-US" smtClean="0"/>
+              <a:pPr/>
+              <a:t>11</a:t>
+            </a:fld>
+            <a:endParaRPr lang="en-US" dirty="0"/>
+          </a:p>
+        </p:txBody>
+      </p:sp>
+      <p:sp>
+        <p:nvSpPr>
+          <p:cNvPr id="3" name="TextBox 2"/>
+          <p:cNvSpPr txBox="1"/>
+          <p:nvPr/>
+        </p:nvSpPr>
+        <p:spPr>
+          <a:xfrm>
+            <a:off x="764275" y="517036"/>
+            <a:ext cx="2674961" cy="369332"/>
+          </a:xfrm>
+          <a:prstGeom prst="rect">
+            <a:avLst/>
+          </a:prstGeom>
+          <a:noFill/>
+        </p:spPr>
+        <p:txBody>
+          <a:bodyPr wrap="square" rtlCol="0">
+            <a:spAutoFit/>
+          </a:bodyPr>
+          <a:lstStyle/>
+          <a:p>
+            <a:r>
+              <a:rPr lang="en-US" b="1" dirty="0" smtClean="0"/>
+              <a:t>Base.html</a:t>
+            </a:r>
+            <a:endParaRPr lang="en-US" b="1" dirty="0"/>
+          </a:p>
+        </p:txBody>
+      </p:sp>
+      <p:sp>
+        <p:nvSpPr>
+          <p:cNvPr id="5" name="TextBox 4"/>
+          <p:cNvSpPr txBox="1"/>
+          <p:nvPr/>
+        </p:nvSpPr>
+        <p:spPr>
+          <a:xfrm>
+            <a:off x="1148224" y="1064525"/>
+            <a:ext cx="8473448" cy="1477328"/>
+          </a:xfrm>
+          <a:prstGeom prst="rect">
+            <a:avLst/>
+          </a:prstGeom>
+          <a:noFill/>
+        </p:spPr>
+        <p:txBody>
+          <a:bodyPr wrap="square" rtlCol="0">
+            <a:spAutoFit/>
+          </a:bodyPr>
+          <a:lstStyle/>
+          <a:p>
+            <a:r>
+              <a:rPr lang="en-US" b="1" dirty="0" smtClean="0"/>
+              <a:t>{%  block title %}</a:t>
+            </a:r>
+          </a:p>
+          <a:p>
+            <a:r>
+              <a:rPr lang="en-US" b="1" dirty="0" smtClean="0"/>
+              <a:t>																								For adding different titles	</a:t>
+            </a:r>
+            <a:endParaRPr lang="en-US" b="1" dirty="0" smtClean="0"/>
+          </a:p>
+          <a:p>
+            <a:endParaRPr lang="en-US" b="1" dirty="0" smtClean="0"/>
+          </a:p>
+          <a:p>
+            <a:r>
+              <a:rPr lang="en-US" b="1" dirty="0" smtClean="0"/>
+              <a:t>{% </a:t>
+            </a:r>
+            <a:r>
+              <a:rPr lang="en-US" b="1" dirty="0" err="1" smtClean="0"/>
+              <a:t>endblock</a:t>
+            </a:r>
+            <a:r>
+              <a:rPr lang="en-US" b="1" dirty="0" smtClean="0"/>
+              <a:t> %} </a:t>
+            </a:r>
+            <a:endParaRPr lang="en-US" b="1" dirty="0"/>
+          </a:p>
+        </p:txBody>
+      </p:sp>
+      <p:sp>
+        <p:nvSpPr>
+          <p:cNvPr id="6" name="Right Arrow 5"/>
+          <p:cNvSpPr/>
+          <p:nvPr/>
+        </p:nvSpPr>
+        <p:spPr>
+          <a:xfrm>
+            <a:off x="3057099" y="1610437"/>
+            <a:ext cx="764274" cy="382137"/>
+          </a:xfrm>
+          <a:prstGeom prst="rightArrow">
+            <a:avLst/>
+          </a:prstGeom>
+        </p:spPr>
+        <p:style>
+          <a:lnRef idx="2">
+            <a:schemeClr val="dk1">
+              <a:shade val="50000"/>
+            </a:schemeClr>
+          </a:lnRef>
+          <a:fillRef idx="1">
+            <a:schemeClr val="dk1"/>
+          </a:fillRef>
+          <a:effectRef idx="0">
+            <a:schemeClr val="dk1"/>
+          </a:effectRef>
+          <a:fontRef idx="minor">
+            <a:schemeClr val="lt1"/>
+          </a:fontRef>
+        </p:style>
+        <p:txBody>
+          <a:bodyPr rtlCol="0" anchor="ctr"/>
+          <a:lstStyle/>
+          <a:p>
+            <a:pPr algn="ctr"/>
+            <a:endParaRPr lang="en-US"/>
+          </a:p>
+        </p:txBody>
+      </p:sp>
+      <p:sp>
+        <p:nvSpPr>
+          <p:cNvPr id="7" name="Rectangle 6"/>
+          <p:cNvSpPr/>
+          <p:nvPr/>
+        </p:nvSpPr>
+        <p:spPr>
+          <a:xfrm>
+            <a:off x="391236" y="4053385"/>
+            <a:ext cx="10677098" cy="1477328"/>
+          </a:xfrm>
+          <a:prstGeom prst="rect">
+            <a:avLst/>
+          </a:prstGeom>
+        </p:spPr>
+        <p:txBody>
+          <a:bodyPr wrap="square">
+            <a:spAutoFit/>
+          </a:bodyPr>
+          <a:lstStyle/>
+          <a:p>
+            <a:r>
+              <a:rPr lang="en-US" b="1" dirty="0" smtClean="0"/>
+              <a:t>{%  block </a:t>
+            </a:r>
+            <a:r>
+              <a:rPr lang="en-US" b="1" dirty="0" smtClean="0"/>
+              <a:t>content </a:t>
+            </a:r>
+            <a:r>
+              <a:rPr lang="en-US" b="1" dirty="0" smtClean="0"/>
+              <a:t>%}</a:t>
+            </a:r>
+          </a:p>
+          <a:p>
+            <a:r>
+              <a:rPr lang="en-US" b="1" dirty="0" smtClean="0"/>
+              <a:t>																								</a:t>
+            </a:r>
+            <a:r>
+              <a:rPr lang="en-US" b="1" dirty="0" smtClean="0"/>
+              <a:t>                          For </a:t>
+            </a:r>
+            <a:r>
+              <a:rPr lang="en-US" b="1" dirty="0" smtClean="0"/>
+              <a:t>adding different </a:t>
+            </a:r>
+            <a:r>
+              <a:rPr lang="en-US" b="1" dirty="0" smtClean="0"/>
+              <a:t>contents</a:t>
+            </a:r>
+            <a:r>
+              <a:rPr lang="en-US" b="1" dirty="0" smtClean="0"/>
+              <a:t>	</a:t>
+            </a:r>
+          </a:p>
+          <a:p>
+            <a:endParaRPr lang="en-US" b="1" dirty="0" smtClean="0"/>
+          </a:p>
+          <a:p>
+            <a:r>
+              <a:rPr lang="en-US" b="1" dirty="0" smtClean="0"/>
+              <a:t>{% </a:t>
+            </a:r>
+            <a:r>
+              <a:rPr lang="en-US" b="1" dirty="0" err="1" smtClean="0"/>
+              <a:t>endblock</a:t>
+            </a:r>
+            <a:r>
+              <a:rPr lang="en-US" b="1" dirty="0" smtClean="0"/>
+              <a:t> %} </a:t>
+            </a:r>
+            <a:endParaRPr lang="en-US" b="1" dirty="0"/>
+          </a:p>
+        </p:txBody>
+      </p:sp>
+      <p:sp>
+        <p:nvSpPr>
+          <p:cNvPr id="8" name="Right Arrow 7"/>
+          <p:cNvSpPr/>
+          <p:nvPr/>
+        </p:nvSpPr>
+        <p:spPr>
+          <a:xfrm>
+            <a:off x="3209499" y="4601570"/>
+            <a:ext cx="764274" cy="382137"/>
+          </a:xfrm>
+          <a:prstGeom prst="rightArrow">
+            <a:avLst/>
+          </a:prstGeom>
+        </p:spPr>
+        <p:style>
+          <a:lnRef idx="2">
+            <a:schemeClr val="dk1">
+              <a:shade val="50000"/>
+            </a:schemeClr>
+          </a:lnRef>
+          <a:fillRef idx="1">
+            <a:schemeClr val="dk1"/>
+          </a:fillRef>
+          <a:effectRef idx="0">
+            <a:schemeClr val="dk1"/>
+          </a:effectRef>
+          <a:fontRef idx="minor">
+            <a:schemeClr val="lt1"/>
+          </a:fontRef>
+        </p:style>
+        <p:txBody>
+          <a:bodyPr rtlCol="0" anchor="ctr"/>
+          <a:lstStyle/>
+          <a:p>
+            <a:pPr algn="ctr"/>
+            <a:endParaRPr lang="en-US"/>
+          </a:p>
+        </p:txBody>
+      </p:sp>
+    </p:spTree>
+  </p:cSld>
+  <p:clrMapOvr>
+    <a:masterClrMapping/>
+  </p:clrMapOvr>
+</p:sld>
+</file>
+
+<file path=ppt/slides/slide12.xml><?xml version="1.0" encoding="utf-8"?>
+<p:sld xmlns:a="http://schemas.openxmlformats.org/drawingml/2006/main" xmlns:r="http://schemas.openxmlformats.org/officeDocument/2006/relationships" xmlns:p="http://schemas.openxmlformats.org/presentationml/2006/main">
+  <p:cSld>
+    <p:spTree>
+      <p:nvGrpSpPr>
+        <p:cNvPr id="1" name=""/>
+        <p:cNvGrpSpPr/>
+        <p:nvPr/>
+      </p:nvGrpSpPr>
+      <p:grpSpPr>
+        <a:xfrm>
+          <a:off x="0" y="0"/>
+          <a:ext cx="0" cy="0"/>
+          <a:chOff x="0" y="0"/>
+          <a:chExt cx="0" cy="0"/>
+        </a:xfrm>
+      </p:grpSpPr>
+      <p:sp>
+        <p:nvSpPr>
+          <p:cNvPr id="2" name="Slide Number Placeholder 1"/>
+          <p:cNvSpPr>
+            <a:spLocks noGrp="1"/>
+          </p:cNvSpPr>
+          <p:nvPr>
+            <p:ph type="sldNum" sz="quarter" idx="12"/>
+          </p:nvPr>
+        </p:nvSpPr>
+        <p:spPr/>
+        <p:txBody>
+          <a:bodyPr/>
+          <a:lstStyle/>
+          <a:p>
+            <a:fld id="{48F63A3B-78C7-47BE-AE5E-E10140E04643}" type="slidenum">
+              <a:rPr lang="en-US" smtClean="0"/>
+              <a:pPr/>
+              <a:t>12</a:t>
+            </a:fld>
+            <a:endParaRPr lang="en-US" dirty="0"/>
+          </a:p>
+        </p:txBody>
+      </p:sp>
+      <p:sp>
+        <p:nvSpPr>
+          <p:cNvPr id="3" name="TextBox 2"/>
+          <p:cNvSpPr txBox="1"/>
+          <p:nvPr/>
+        </p:nvSpPr>
+        <p:spPr>
+          <a:xfrm>
+            <a:off x="188847" y="457199"/>
+            <a:ext cx="8695846" cy="2954655"/>
+          </a:xfrm>
+          <a:prstGeom prst="rect">
+            <a:avLst/>
+          </a:prstGeom>
+          <a:noFill/>
+        </p:spPr>
+        <p:txBody>
+          <a:bodyPr wrap="square" rtlCol="0">
+            <a:spAutoFit/>
+          </a:bodyPr>
+          <a:lstStyle/>
+          <a:p>
+            <a:pPr>
+              <a:buFont typeface="Arial" pitchFamily="34" charset="0"/>
+              <a:buChar char="•"/>
+            </a:pPr>
+            <a:r>
+              <a:rPr lang="en-US" sz="2400" dirty="0" smtClean="0">
+                <a:latin typeface="Times New Roman" pitchFamily="18" charset="0"/>
+                <a:cs typeface="Times New Roman" pitchFamily="18" charset="0"/>
+              </a:rPr>
+              <a:t>load base.html to other html pages by</a:t>
+            </a:r>
+          </a:p>
+          <a:p>
+            <a:r>
+              <a:rPr lang="en-US" sz="2400" dirty="0" smtClean="0">
+                <a:latin typeface="Times New Roman" pitchFamily="18" charset="0"/>
+                <a:cs typeface="Times New Roman" pitchFamily="18" charset="0"/>
+              </a:rPr>
+              <a:t>	</a:t>
+            </a:r>
+            <a:r>
+              <a:rPr lang="en-US" sz="2400" dirty="0" smtClean="0">
+                <a:latin typeface="Times New Roman" pitchFamily="18" charset="0"/>
+                <a:cs typeface="Times New Roman" pitchFamily="18" charset="0"/>
+              </a:rPr>
+              <a:t>		top of the page :</a:t>
+            </a:r>
+            <a:r>
+              <a:rPr lang="en-US" sz="2400" b="1" dirty="0" smtClean="0">
+                <a:latin typeface="Times New Roman" pitchFamily="18" charset="0"/>
+                <a:cs typeface="Times New Roman" pitchFamily="18" charset="0"/>
+              </a:rPr>
+              <a:t>{% extends ‘base.html’ %}</a:t>
+            </a:r>
+          </a:p>
+          <a:p>
+            <a:endParaRPr lang="en-US" sz="2400" b="1" dirty="0" smtClean="0">
+              <a:latin typeface="Times New Roman" pitchFamily="18" charset="0"/>
+              <a:cs typeface="Times New Roman" pitchFamily="18" charset="0"/>
+            </a:endParaRPr>
+          </a:p>
+          <a:p>
+            <a:endParaRPr lang="en-US" sz="2400" b="1" dirty="0" smtClean="0">
+              <a:latin typeface="Times New Roman" pitchFamily="18" charset="0"/>
+              <a:cs typeface="Times New Roman" pitchFamily="18" charset="0"/>
+            </a:endParaRPr>
+          </a:p>
+          <a:p>
+            <a:pPr>
+              <a:buFont typeface="Arial" pitchFamily="34" charset="0"/>
+              <a:buChar char="•"/>
+            </a:pPr>
+            <a:r>
+              <a:rPr lang="en-US" sz="2400" dirty="0" smtClean="0">
+                <a:latin typeface="Times New Roman" pitchFamily="18" charset="0"/>
+                <a:cs typeface="Times New Roman" pitchFamily="18" charset="0"/>
+              </a:rPr>
+              <a:t>load </a:t>
+            </a:r>
+            <a:r>
+              <a:rPr lang="en-US" sz="2400" dirty="0" smtClean="0">
+                <a:latin typeface="Times New Roman" pitchFamily="18" charset="0"/>
+                <a:cs typeface="Times New Roman" pitchFamily="18" charset="0"/>
+              </a:rPr>
+              <a:t>static files</a:t>
+            </a:r>
+            <a:endParaRPr lang="en-US" sz="2400" dirty="0" smtClean="0">
+              <a:latin typeface="Times New Roman" pitchFamily="18" charset="0"/>
+              <a:cs typeface="Times New Roman" pitchFamily="18" charset="0"/>
+            </a:endParaRPr>
+          </a:p>
+          <a:p>
+            <a:r>
+              <a:rPr lang="en-US" sz="2400" dirty="0" smtClean="0">
+                <a:latin typeface="Times New Roman" pitchFamily="18" charset="0"/>
+                <a:cs typeface="Times New Roman" pitchFamily="18" charset="0"/>
+              </a:rPr>
+              <a:t>			top of the page : </a:t>
+            </a:r>
+            <a:r>
+              <a:rPr lang="en-US" sz="2400" b="1" dirty="0" smtClean="0">
+                <a:latin typeface="Times New Roman" pitchFamily="18" charset="0"/>
+                <a:cs typeface="Times New Roman" pitchFamily="18" charset="0"/>
+              </a:rPr>
+              <a:t>{% load static %}</a:t>
+            </a:r>
+            <a:endParaRPr lang="en-US" sz="2400" b="1" dirty="0" smtClean="0">
+              <a:latin typeface="Times New Roman" pitchFamily="18" charset="0"/>
+              <a:cs typeface="Times New Roman" pitchFamily="18" charset="0"/>
+            </a:endParaRPr>
+          </a:p>
+          <a:p>
+            <a:pPr>
+              <a:buFont typeface="Arial" pitchFamily="34" charset="0"/>
+              <a:buChar char="•"/>
+            </a:pPr>
+            <a:endParaRPr lang="en-US" sz="2400" b="1" dirty="0" smtClean="0">
+              <a:latin typeface="Times New Roman" pitchFamily="18" charset="0"/>
+              <a:cs typeface="Times New Roman" pitchFamily="18" charset="0"/>
+            </a:endParaRPr>
+          </a:p>
+          <a:p>
+            <a:r>
+              <a:rPr lang="en-US" dirty="0" smtClean="0"/>
+              <a:t> </a:t>
+            </a:r>
+            <a:endParaRPr lang="en-US" dirty="0"/>
+          </a:p>
+        </p:txBody>
+      </p:sp>
+    </p:spTree>
   </p:cSld>
   <p:clrMapOvr>
     <a:masterClrMapping/>
@@ -16873,7 +17715,7 @@
           <p:cNvPr id="2" name="Slide Number Placeholder 1">
             <a:extLst>
               <a:ext uri="{FF2B5EF4-FFF2-40B4-BE49-F238E27FC236}">
-                <a16:creationId xmlns:a16="http://schemas.microsoft.com/office/drawing/2014/main" id="{4D4E3A9C-F189-242B-7082-DC085EECC6E3}"/>
+                <a16:creationId xmlns="" xmlns:a16="http://schemas.microsoft.com/office/drawing/2014/main" id="{4D4E3A9C-F189-242B-7082-DC085EECC6E3}"/>
               </a:ext>
             </a:extLst>
           </p:cNvPr>
@@ -16903,7 +17745,7 @@
           <p:cNvPr id="4" name="Picture 3">
             <a:extLst>
               <a:ext uri="{FF2B5EF4-FFF2-40B4-BE49-F238E27FC236}">
-                <a16:creationId xmlns:a16="http://schemas.microsoft.com/office/drawing/2014/main" id="{742752DD-7D49-484E-1B3E-3022D70425C5}"/>
+                <a16:creationId xmlns="" xmlns:a16="http://schemas.microsoft.com/office/drawing/2014/main" id="{742752DD-7D49-484E-1B3E-3022D70425C5}"/>
               </a:ext>
             </a:extLst>
           </p:cNvPr>
@@ -16931,7 +17773,7 @@
     </p:spTree>
     <p:extLst>
       <p:ext uri="{BB962C8B-B14F-4D97-AF65-F5344CB8AC3E}">
-        <p14:creationId xmlns:p14="http://schemas.microsoft.com/office/powerpoint/2010/main" val="1097121835"/>
+        <p14:creationId xmlns="" xmlns:p14="http://schemas.microsoft.com/office/powerpoint/2010/main" val="1097121835"/>
       </p:ext>
     </p:extLst>
   </p:cSld>
@@ -16963,7 +17805,7 @@
           <p:cNvPr id="2" name="Slide Number Placeholder 1">
             <a:extLst>
               <a:ext uri="{FF2B5EF4-FFF2-40B4-BE49-F238E27FC236}">
-                <a16:creationId xmlns:a16="http://schemas.microsoft.com/office/drawing/2014/main" id="{2126F494-4559-E090-25AE-DC7297237816}"/>
+                <a16:creationId xmlns="" xmlns:a16="http://schemas.microsoft.com/office/drawing/2014/main" id="{2126F494-4559-E090-25AE-DC7297237816}"/>
               </a:ext>
             </a:extLst>
           </p:cNvPr>
@@ -16993,7 +17835,7 @@
           <p:cNvPr id="4" name="Picture 3">
             <a:extLst>
               <a:ext uri="{FF2B5EF4-FFF2-40B4-BE49-F238E27FC236}">
-                <a16:creationId xmlns:a16="http://schemas.microsoft.com/office/drawing/2014/main" id="{60610CF9-8C60-612A-93E2-866A8894A7D4}"/>
+                <a16:creationId xmlns="" xmlns:a16="http://schemas.microsoft.com/office/drawing/2014/main" id="{60610CF9-8C60-612A-93E2-866A8894A7D4}"/>
               </a:ext>
             </a:extLst>
           </p:cNvPr>
@@ -17021,7 +17863,7 @@
     </p:spTree>
     <p:extLst>
       <p:ext uri="{BB962C8B-B14F-4D97-AF65-F5344CB8AC3E}">
-        <p14:creationId xmlns:p14="http://schemas.microsoft.com/office/powerpoint/2010/main" val="4268372587"/>
+        <p14:creationId xmlns="" xmlns:p14="http://schemas.microsoft.com/office/powerpoint/2010/main" val="4268372587"/>
       </p:ext>
     </p:extLst>
   </p:cSld>
@@ -17053,7 +17895,7 @@
           <p:cNvPr id="2" name="Slide Number Placeholder 1">
             <a:extLst>
               <a:ext uri="{FF2B5EF4-FFF2-40B4-BE49-F238E27FC236}">
-                <a16:creationId xmlns:a16="http://schemas.microsoft.com/office/drawing/2014/main" id="{6B5DFB89-840B-787A-A1FE-9F88D8EB65B9}"/>
+                <a16:creationId xmlns="" xmlns:a16="http://schemas.microsoft.com/office/drawing/2014/main" id="{6B5DFB89-840B-787A-A1FE-9F88D8EB65B9}"/>
               </a:ext>
             </a:extLst>
           </p:cNvPr>
@@ -17083,7 +17925,7 @@
           <p:cNvPr id="4" name="Picture 3">
             <a:extLst>
               <a:ext uri="{FF2B5EF4-FFF2-40B4-BE49-F238E27FC236}">
-                <a16:creationId xmlns:a16="http://schemas.microsoft.com/office/drawing/2014/main" id="{2A7B851D-077F-D21C-85F9-9EADF7274C7E}"/>
+                <a16:creationId xmlns="" xmlns:a16="http://schemas.microsoft.com/office/drawing/2014/main" id="{2A7B851D-077F-D21C-85F9-9EADF7274C7E}"/>
               </a:ext>
             </a:extLst>
           </p:cNvPr>
@@ -17111,7 +17953,7 @@
     </p:spTree>
     <p:extLst>
       <p:ext uri="{BB962C8B-B14F-4D97-AF65-F5344CB8AC3E}">
-        <p14:creationId xmlns:p14="http://schemas.microsoft.com/office/powerpoint/2010/main" val="3620733889"/>
+        <p14:creationId xmlns="" xmlns:p14="http://schemas.microsoft.com/office/powerpoint/2010/main" val="3620733889"/>
       </p:ext>
     </p:extLst>
   </p:cSld>
@@ -17143,7 +17985,7 @@
           <p:cNvPr id="2" name="Slide Number Placeholder 1">
             <a:extLst>
               <a:ext uri="{FF2B5EF4-FFF2-40B4-BE49-F238E27FC236}">
-                <a16:creationId xmlns:a16="http://schemas.microsoft.com/office/drawing/2014/main" id="{AC390A3C-E4C3-3802-6DD6-73D591ACDBC1}"/>
+                <a16:creationId xmlns="" xmlns:a16="http://schemas.microsoft.com/office/drawing/2014/main" id="{AC390A3C-E4C3-3802-6DD6-73D591ACDBC1}"/>
               </a:ext>
             </a:extLst>
           </p:cNvPr>
@@ -17173,7 +18015,7 @@
           <p:cNvPr id="6" name="TextBox 5">
             <a:extLst>
               <a:ext uri="{FF2B5EF4-FFF2-40B4-BE49-F238E27FC236}">
-                <a16:creationId xmlns:a16="http://schemas.microsoft.com/office/drawing/2014/main" id="{8DC85CC3-E334-282E-3D5A-1776044B372E}"/>
+                <a16:creationId xmlns="" xmlns:a16="http://schemas.microsoft.com/office/drawing/2014/main" id="{8DC85CC3-E334-282E-3D5A-1776044B372E}"/>
               </a:ext>
             </a:extLst>
           </p:cNvPr>
@@ -17212,7 +18054,7 @@
     </p:spTree>
     <p:extLst>
       <p:ext uri="{BB962C8B-B14F-4D97-AF65-F5344CB8AC3E}">
-        <p14:creationId xmlns:p14="http://schemas.microsoft.com/office/powerpoint/2010/main" val="1630752627"/>
+        <p14:creationId xmlns="" xmlns:p14="http://schemas.microsoft.com/office/powerpoint/2010/main" val="1630752627"/>
       </p:ext>
     </p:extLst>
   </p:cSld>
@@ -17244,7 +18086,7 @@
           <p:cNvPr id="2" name="Slide Number Placeholder 1">
             <a:extLst>
               <a:ext uri="{FF2B5EF4-FFF2-40B4-BE49-F238E27FC236}">
-                <a16:creationId xmlns:a16="http://schemas.microsoft.com/office/drawing/2014/main" id="{1C56A0E8-7C7B-3AB1-87B6-E56C485649E3}"/>
+                <a16:creationId xmlns="" xmlns:a16="http://schemas.microsoft.com/office/drawing/2014/main" id="{1C56A0E8-7C7B-3AB1-87B6-E56C485649E3}"/>
               </a:ext>
             </a:extLst>
           </p:cNvPr>
@@ -17274,7 +18116,7 @@
           <p:cNvPr id="4" name="TextBox 3">
             <a:extLst>
               <a:ext uri="{FF2B5EF4-FFF2-40B4-BE49-F238E27FC236}">
-                <a16:creationId xmlns:a16="http://schemas.microsoft.com/office/drawing/2014/main" id="{A1C9BDB0-5532-FEFC-F83E-85C0F258906B}"/>
+                <a16:creationId xmlns="" xmlns:a16="http://schemas.microsoft.com/office/drawing/2014/main" id="{A1C9BDB0-5532-FEFC-F83E-85C0F258906B}"/>
               </a:ext>
             </a:extLst>
           </p:cNvPr>
@@ -17284,7 +18126,7 @@
         <p:spPr>
           <a:xfrm>
             <a:off x="765973" y="457199"/>
-            <a:ext cx="11062233" cy="3847207"/>
+            <a:ext cx="11062233" cy="5724644"/>
           </a:xfrm>
           <a:prstGeom prst="rect">
             <a:avLst/>
@@ -17370,58 +18212,1278 @@
               <a:t>envname</a:t>
             </a:r>
             <a:r>
-              <a:rPr lang="en-US" sz="2000" b="1" dirty="0"/>
+              <a:rPr lang="en-US" sz="2000" b="1" dirty="0" smtClean="0"/>
               <a:t>”</a:t>
             </a:r>
           </a:p>
           <a:p>
-            <a:endParaRPr lang="en-US" sz="2000" b="1" dirty="0"/>
-          </a:p>
-          <a:p>
-            <a:pPr marL="342900" indent="-342900">
+            <a:endParaRPr lang="en-US" sz="2000" b="1" dirty="0" smtClean="0"/>
+          </a:p>
+          <a:p>
+            <a:pPr marL="457200" indent="-457200">
               <a:buFont typeface="+mj-lt"/>
               <a:buAutoNum type="arabicPeriod" startAt="3"/>
             </a:pPr>
             <a:r>
-              <a:rPr lang="en-US" dirty="0"/>
+              <a:rPr lang="en-US" sz="2000" dirty="0" smtClean="0"/>
               <a:t>Install </a:t>
             </a:r>
             <a:r>
-              <a:rPr lang="en-US" dirty="0" err="1"/>
+              <a:rPr lang="en-US" sz="2000" dirty="0" err="1" smtClean="0"/>
               <a:t>django</a:t>
             </a:r>
             <a:r>
-              <a:rPr lang="en-US" dirty="0"/>
+              <a:rPr lang="en-US" sz="2000" dirty="0" smtClean="0"/>
               <a:t> by using pip</a:t>
             </a:r>
-            <a:endParaRPr lang="en-IN" dirty="0"/>
-          </a:p>
-          <a:p>
-            <a:r>
-              <a:rPr lang="en-IN" sz="2000" b="1" dirty="0"/>
+            <a:endParaRPr lang="en-IN" sz="2000" dirty="0" smtClean="0"/>
+          </a:p>
+          <a:p>
+            <a:r>
+              <a:rPr lang="en-IN" sz="2000" b="1" dirty="0" smtClean="0"/>
               <a:t>                       pip install </a:t>
             </a:r>
             <a:r>
-              <a:rPr lang="en-IN" sz="2000" b="1" dirty="0" err="1"/>
+              <a:rPr lang="en-IN" sz="2000" b="1" dirty="0" err="1" smtClean="0"/>
               <a:t>django</a:t>
             </a:r>
-            <a:endParaRPr lang="en-IN" sz="2000" b="1" dirty="0"/>
+            <a:endParaRPr lang="en-IN" sz="2000" b="1" dirty="0" smtClean="0"/>
+          </a:p>
+          <a:p>
+            <a:endParaRPr lang="en-US" sz="2000" b="1" dirty="0" smtClean="0"/>
           </a:p>
           <a:p>
             <a:pPr marL="457200" indent="-457200">
               <a:buFont typeface="+mj-lt"/>
-              <a:buAutoNum type="arabicPeriod"/>
+              <a:buAutoNum type="arabicPeriod" startAt="4"/>
             </a:pPr>
-            <a:endParaRPr lang="en-IN" sz="2000" b="1" dirty="0"/>
+            <a:r>
+              <a:rPr lang="en-US" sz="2000" dirty="0" smtClean="0"/>
+              <a:t>Create a project in </a:t>
+            </a:r>
+            <a:r>
+              <a:rPr lang="en-US" sz="2000" dirty="0" err="1" smtClean="0"/>
+              <a:t>django</a:t>
+            </a:r>
+            <a:r>
+              <a:rPr lang="en-US" sz="2000" dirty="0" smtClean="0"/>
+              <a:t> </a:t>
+            </a:r>
+          </a:p>
+          <a:p>
+            <a:pPr marL="342900" indent="-342900"/>
+            <a:r>
+              <a:rPr lang="en-US" sz="2000" dirty="0" smtClean="0"/>
+              <a:t>         </a:t>
+            </a:r>
+            <a:r>
+              <a:rPr lang="en-US" sz="2000" b="1" dirty="0" err="1" smtClean="0"/>
+              <a:t>django</a:t>
+            </a:r>
+            <a:r>
+              <a:rPr lang="en-US" sz="2000" b="1" dirty="0" smtClean="0"/>
+              <a:t>-admin </a:t>
+            </a:r>
+            <a:r>
+              <a:rPr lang="en-US" sz="2000" b="1" dirty="0" err="1" smtClean="0"/>
+              <a:t>startproject</a:t>
+            </a:r>
+            <a:r>
+              <a:rPr lang="en-US" sz="2000" b="1" dirty="0" smtClean="0"/>
+              <a:t> </a:t>
+            </a:r>
+            <a:r>
+              <a:rPr lang="en-US" sz="2000" b="1" dirty="0" err="1" smtClean="0"/>
+              <a:t>projectname</a:t>
+            </a:r>
+            <a:endParaRPr lang="en-US" sz="2000" b="1" dirty="0" smtClean="0"/>
+          </a:p>
+          <a:p>
+            <a:pPr marL="342900" indent="-342900"/>
+            <a:endParaRPr lang="en-US" sz="2000" dirty="0" smtClean="0"/>
+          </a:p>
+          <a:p>
+            <a:pPr marL="457200" indent="-457200">
+              <a:buFont typeface="+mj-lt"/>
+              <a:buAutoNum type="arabicPeriod" startAt="5"/>
+            </a:pPr>
+            <a:r>
+              <a:rPr lang="en-US" sz="2000" dirty="0" smtClean="0"/>
+              <a:t> </a:t>
+            </a:r>
+            <a:r>
+              <a:rPr lang="en-US" sz="2000" b="1" dirty="0" err="1" smtClean="0"/>
+              <a:t>cd</a:t>
+            </a:r>
+            <a:r>
+              <a:rPr lang="en-US" sz="2000" b="1" dirty="0" smtClean="0"/>
+              <a:t> </a:t>
+            </a:r>
+            <a:r>
+              <a:rPr lang="en-US" sz="2000" b="1" dirty="0" err="1" smtClean="0"/>
+              <a:t>Projectname</a:t>
+            </a:r>
+            <a:endParaRPr lang="en-US" sz="2000" b="1" dirty="0" smtClean="0"/>
+          </a:p>
+          <a:p>
+            <a:endParaRPr lang="en-US" sz="2000" b="1" dirty="0" smtClean="0"/>
+          </a:p>
+          <a:p>
+            <a:endParaRPr lang="en-US" sz="2000" b="1" dirty="0" smtClean="0"/>
           </a:p>
         </p:txBody>
       </p:sp>
     </p:spTree>
     <p:extLst>
       <p:ext uri="{BB962C8B-B14F-4D97-AF65-F5344CB8AC3E}">
-        <p14:creationId xmlns:p14="http://schemas.microsoft.com/office/powerpoint/2010/main" val="1236466100"/>
+        <p14:creationId xmlns="" xmlns:p14="http://schemas.microsoft.com/office/powerpoint/2010/main" val="1236466100"/>
       </p:ext>
     </p:extLst>
+  </p:cSld>
+  <p:clrMapOvr>
+    <a:masterClrMapping/>
+  </p:clrMapOvr>
+</p:sld>
+</file>
+
+<file path=ppt/slides/slide7.xml><?xml version="1.0" encoding="utf-8"?>
+<p:sld xmlns:a="http://schemas.openxmlformats.org/drawingml/2006/main" xmlns:r="http://schemas.openxmlformats.org/officeDocument/2006/relationships" xmlns:p="http://schemas.openxmlformats.org/presentationml/2006/main">
+  <p:cSld>
+    <p:spTree>
+      <p:nvGrpSpPr>
+        <p:cNvPr id="1" name=""/>
+        <p:cNvGrpSpPr/>
+        <p:nvPr/>
+      </p:nvGrpSpPr>
+      <p:grpSpPr>
+        <a:xfrm>
+          <a:off x="0" y="0"/>
+          <a:ext cx="0" cy="0"/>
+          <a:chOff x="0" y="0"/>
+          <a:chExt cx="0" cy="0"/>
+        </a:xfrm>
+      </p:grpSpPr>
+      <p:sp>
+        <p:nvSpPr>
+          <p:cNvPr id="11" name="Rectangle 10"/>
+          <p:cNvSpPr/>
+          <p:nvPr/>
+        </p:nvSpPr>
+        <p:spPr>
+          <a:xfrm>
+            <a:off x="504966" y="313899"/>
+            <a:ext cx="11259403" cy="5016758"/>
+          </a:xfrm>
+          <a:prstGeom prst="rect">
+            <a:avLst/>
+          </a:prstGeom>
+        </p:spPr>
+        <p:txBody>
+          <a:bodyPr wrap="square">
+            <a:spAutoFit/>
+          </a:bodyPr>
+          <a:lstStyle/>
+          <a:p>
+            <a:pPr marL="342900" indent="-342900"/>
+            <a:r>
+              <a:rPr lang="en-US" sz="2000" dirty="0" smtClean="0">
+                <a:latin typeface="Times New Roman" pitchFamily="18" charset="0"/>
+                <a:cs typeface="Times New Roman" pitchFamily="18" charset="0"/>
+              </a:rPr>
+              <a:t>6.To check if the </a:t>
+            </a:r>
+            <a:r>
+              <a:rPr lang="en-US" sz="2000" dirty="0" err="1" smtClean="0">
+                <a:latin typeface="Times New Roman" pitchFamily="18" charset="0"/>
+                <a:cs typeface="Times New Roman" pitchFamily="18" charset="0"/>
+              </a:rPr>
+              <a:t>Django</a:t>
+            </a:r>
+            <a:r>
+              <a:rPr lang="en-US" sz="2000" dirty="0" smtClean="0">
+                <a:latin typeface="Times New Roman" pitchFamily="18" charset="0"/>
+                <a:cs typeface="Times New Roman" pitchFamily="18" charset="0"/>
+              </a:rPr>
+              <a:t> project is installed and running correctly, use:			</a:t>
+            </a:r>
+            <a:r>
+              <a:rPr lang="en-US" sz="2000" b="1" dirty="0" smtClean="0">
+                <a:latin typeface="Times New Roman" pitchFamily="18" charset="0"/>
+                <a:cs typeface="Times New Roman" pitchFamily="18" charset="0"/>
+              </a:rPr>
+              <a:t>	</a:t>
+            </a:r>
+          </a:p>
+          <a:p>
+            <a:pPr marL="342900" indent="-342900"/>
+            <a:r>
+              <a:rPr lang="en-US" sz="2000" b="1" dirty="0" smtClean="0">
+                <a:latin typeface="Times New Roman" pitchFamily="18" charset="0"/>
+                <a:cs typeface="Times New Roman" pitchFamily="18" charset="0"/>
+              </a:rPr>
+              <a:t>            python manage.py </a:t>
+            </a:r>
+            <a:r>
+              <a:rPr lang="en-US" sz="2000" b="1" dirty="0" err="1" smtClean="0">
+                <a:latin typeface="Times New Roman" pitchFamily="18" charset="0"/>
+                <a:cs typeface="Times New Roman" pitchFamily="18" charset="0"/>
+              </a:rPr>
+              <a:t>runserver</a:t>
+            </a:r>
+            <a:endParaRPr lang="en-US" sz="2000" b="1" dirty="0" smtClean="0">
+              <a:latin typeface="Times New Roman" pitchFamily="18" charset="0"/>
+              <a:cs typeface="Times New Roman" pitchFamily="18" charset="0"/>
+            </a:endParaRPr>
+          </a:p>
+          <a:p>
+            <a:pPr marL="342900" indent="-342900"/>
+            <a:endParaRPr lang="en-US" sz="2000" dirty="0" smtClean="0">
+              <a:latin typeface="Times New Roman" pitchFamily="18" charset="0"/>
+              <a:cs typeface="Times New Roman" pitchFamily="18" charset="0"/>
+            </a:endParaRPr>
+          </a:p>
+          <a:p>
+            <a:pPr marL="342900" indent="-342900"/>
+            <a:r>
+              <a:rPr lang="en-US" sz="2000" dirty="0" err="1" smtClean="0">
+                <a:latin typeface="Times New Roman" pitchFamily="18" charset="0"/>
+                <a:cs typeface="Times New Roman" pitchFamily="18" charset="0"/>
+              </a:rPr>
+              <a:t>myproject</a:t>
+            </a:r>
+            <a:r>
+              <a:rPr lang="en-US" sz="2000" dirty="0" smtClean="0">
+                <a:latin typeface="Times New Roman" pitchFamily="18" charset="0"/>
+                <a:cs typeface="Times New Roman" pitchFamily="18" charset="0"/>
+              </a:rPr>
+              <a:t>/             ← 🌟 Base Directory</a:t>
+            </a:r>
+          </a:p>
+          <a:p>
+            <a:pPr marL="342900" indent="-342900"/>
+            <a:r>
+              <a:rPr lang="en-US" sz="2000" dirty="0" smtClean="0">
+                <a:latin typeface="Times New Roman" pitchFamily="18" charset="0"/>
+                <a:cs typeface="Times New Roman" pitchFamily="18" charset="0"/>
+              </a:rPr>
+              <a:t>├── manage.py</a:t>
+            </a:r>
+          </a:p>
+          <a:p>
+            <a:pPr marL="342900" indent="-342900"/>
+            <a:r>
+              <a:rPr lang="en-US" sz="2000" dirty="0" smtClean="0">
+                <a:latin typeface="Times New Roman" pitchFamily="18" charset="0"/>
+                <a:cs typeface="Times New Roman" pitchFamily="18" charset="0"/>
+              </a:rPr>
+              <a:t>├── </a:t>
+            </a:r>
+            <a:r>
+              <a:rPr lang="en-US" sz="2000" dirty="0" err="1" smtClean="0">
+                <a:latin typeface="Times New Roman" pitchFamily="18" charset="0"/>
+                <a:cs typeface="Times New Roman" pitchFamily="18" charset="0"/>
+              </a:rPr>
+              <a:t>myproject</a:t>
+            </a:r>
+            <a:r>
+              <a:rPr lang="en-US" sz="2000" dirty="0" smtClean="0">
+                <a:latin typeface="Times New Roman" pitchFamily="18" charset="0"/>
+                <a:cs typeface="Times New Roman" pitchFamily="18" charset="0"/>
+              </a:rPr>
+              <a:t>/         ← Inner project folder (confusingly same name)</a:t>
+            </a:r>
+          </a:p>
+          <a:p>
+            <a:pPr marL="342900" indent="-342900"/>
+            <a:r>
+              <a:rPr lang="en-US" sz="2000" dirty="0" smtClean="0">
+                <a:latin typeface="Times New Roman" pitchFamily="18" charset="0"/>
+                <a:cs typeface="Times New Roman" pitchFamily="18" charset="0"/>
+              </a:rPr>
+              <a:t>│   ├── __</a:t>
+            </a:r>
+            <a:r>
+              <a:rPr lang="en-US" sz="2000" dirty="0" err="1" smtClean="0">
+                <a:latin typeface="Times New Roman" pitchFamily="18" charset="0"/>
+                <a:cs typeface="Times New Roman" pitchFamily="18" charset="0"/>
+              </a:rPr>
+              <a:t>init__.py</a:t>
+            </a:r>
+            <a:endParaRPr lang="en-US" sz="2000" dirty="0" smtClean="0">
+              <a:latin typeface="Times New Roman" pitchFamily="18" charset="0"/>
+              <a:cs typeface="Times New Roman" pitchFamily="18" charset="0"/>
+            </a:endParaRPr>
+          </a:p>
+          <a:p>
+            <a:pPr marL="342900" indent="-342900"/>
+            <a:r>
+              <a:rPr lang="en-US" sz="2000" dirty="0" smtClean="0">
+                <a:latin typeface="Times New Roman" pitchFamily="18" charset="0"/>
+                <a:cs typeface="Times New Roman" pitchFamily="18" charset="0"/>
+              </a:rPr>
+              <a:t>│   ├── settings.py</a:t>
+            </a:r>
+          </a:p>
+          <a:p>
+            <a:pPr marL="342900" indent="-342900"/>
+            <a:r>
+              <a:rPr lang="en-US" sz="2000" dirty="0" smtClean="0">
+                <a:latin typeface="Times New Roman" pitchFamily="18" charset="0"/>
+                <a:cs typeface="Times New Roman" pitchFamily="18" charset="0"/>
+              </a:rPr>
+              <a:t>│   ├── urls.py</a:t>
+            </a:r>
+          </a:p>
+          <a:p>
+            <a:pPr marL="342900" indent="-342900"/>
+            <a:r>
+              <a:rPr lang="en-US" sz="2000" dirty="0" smtClean="0">
+                <a:latin typeface="Times New Roman" pitchFamily="18" charset="0"/>
+                <a:cs typeface="Times New Roman" pitchFamily="18" charset="0"/>
+              </a:rPr>
+              <a:t>│   └── wsgi.py</a:t>
+            </a:r>
+          </a:p>
+          <a:p>
+            <a:pPr marL="342900" indent="-342900"/>
+            <a:endParaRPr lang="en-US" sz="2000" dirty="0" smtClean="0">
+              <a:latin typeface="Times New Roman" pitchFamily="18" charset="0"/>
+              <a:cs typeface="Times New Roman" pitchFamily="18" charset="0"/>
+            </a:endParaRPr>
+          </a:p>
+          <a:p>
+            <a:pPr marL="342900" indent="-342900"/>
+            <a:endParaRPr lang="en-US" sz="2000" dirty="0" smtClean="0">
+              <a:latin typeface="Times New Roman" pitchFamily="18" charset="0"/>
+              <a:cs typeface="Times New Roman" pitchFamily="18" charset="0"/>
+            </a:endParaRPr>
+          </a:p>
+          <a:p>
+            <a:pPr marL="342900" indent="-342900"/>
+            <a:r>
+              <a:rPr lang="en-US" sz="2000" dirty="0" smtClean="0">
+                <a:latin typeface="Times New Roman" pitchFamily="18" charset="0"/>
+                <a:cs typeface="Times New Roman" pitchFamily="18" charset="0"/>
+              </a:rPr>
+              <a:t>7.In the Base Directory</a:t>
+            </a:r>
+          </a:p>
+          <a:p>
+            <a:pPr marL="342900" indent="-342900"/>
+            <a:r>
+              <a:rPr lang="en-US" sz="2000" dirty="0" smtClean="0">
+                <a:latin typeface="Times New Roman" pitchFamily="18" charset="0"/>
+                <a:cs typeface="Times New Roman" pitchFamily="18" charset="0"/>
+              </a:rPr>
+              <a:t>    create two folders:</a:t>
+            </a:r>
+          </a:p>
+          <a:p>
+            <a:pPr marL="342900" indent="-342900"/>
+            <a:r>
+              <a:rPr lang="en-US" sz="2000" dirty="0" smtClean="0">
+                <a:latin typeface="Times New Roman" pitchFamily="18" charset="0"/>
+                <a:cs typeface="Times New Roman" pitchFamily="18" charset="0"/>
+              </a:rPr>
+              <a:t>           1. template          store HTML files only </a:t>
+            </a:r>
+          </a:p>
+          <a:p>
+            <a:pPr marL="342900" indent="-342900"/>
+            <a:r>
+              <a:rPr lang="en-US" sz="2000" dirty="0" smtClean="0">
+                <a:latin typeface="Times New Roman" pitchFamily="18" charset="0"/>
+                <a:cs typeface="Times New Roman" pitchFamily="18" charset="0"/>
+              </a:rPr>
+              <a:t>           2.static                 store </a:t>
+            </a:r>
+            <a:r>
+              <a:rPr lang="en-US" sz="2000" dirty="0" err="1" smtClean="0">
+                <a:latin typeface="Times New Roman" pitchFamily="18" charset="0"/>
+                <a:cs typeface="Times New Roman" pitchFamily="18" charset="0"/>
+              </a:rPr>
+              <a:t>CSS,Images,JavaScript</a:t>
+            </a:r>
+            <a:r>
+              <a:rPr lang="en-US" sz="2000" dirty="0" smtClean="0">
+                <a:latin typeface="Times New Roman" pitchFamily="18" charset="0"/>
+                <a:cs typeface="Times New Roman" pitchFamily="18" charset="0"/>
+              </a:rPr>
+              <a:t> files</a:t>
+            </a:r>
+            <a:endParaRPr lang="en-US" sz="2000" dirty="0">
+              <a:latin typeface="Times New Roman" pitchFamily="18" charset="0"/>
+              <a:cs typeface="Times New Roman" pitchFamily="18" charset="0"/>
+            </a:endParaRPr>
+          </a:p>
+        </p:txBody>
+      </p:sp>
+      <p:sp>
+        <p:nvSpPr>
+          <p:cNvPr id="12" name="Right Arrow 11"/>
+          <p:cNvSpPr/>
+          <p:nvPr/>
+        </p:nvSpPr>
+        <p:spPr>
+          <a:xfrm>
+            <a:off x="2586249" y="4763058"/>
+            <a:ext cx="395785" cy="109182"/>
+          </a:xfrm>
+          <a:prstGeom prst="rightArrow">
+            <a:avLst/>
+          </a:prstGeom>
+        </p:spPr>
+        <p:style>
+          <a:lnRef idx="2">
+            <a:schemeClr val="dk1">
+              <a:shade val="50000"/>
+            </a:schemeClr>
+          </a:lnRef>
+          <a:fillRef idx="1">
+            <a:schemeClr val="dk1"/>
+          </a:fillRef>
+          <a:effectRef idx="0">
+            <a:schemeClr val="dk1"/>
+          </a:effectRef>
+          <a:fontRef idx="minor">
+            <a:schemeClr val="lt1"/>
+          </a:fontRef>
+        </p:style>
+        <p:txBody>
+          <a:bodyPr rtlCol="0" anchor="ctr"/>
+          <a:lstStyle/>
+          <a:p>
+            <a:pPr algn="ctr"/>
+            <a:endParaRPr lang="en-US"/>
+          </a:p>
+        </p:txBody>
+      </p:sp>
+      <p:sp>
+        <p:nvSpPr>
+          <p:cNvPr id="13" name="Right Arrow 12"/>
+          <p:cNvSpPr/>
+          <p:nvPr/>
+        </p:nvSpPr>
+        <p:spPr>
+          <a:xfrm>
+            <a:off x="2588521" y="5051938"/>
+            <a:ext cx="395785" cy="109182"/>
+          </a:xfrm>
+          <a:prstGeom prst="rightArrow">
+            <a:avLst/>
+          </a:prstGeom>
+        </p:spPr>
+        <p:style>
+          <a:lnRef idx="2">
+            <a:schemeClr val="dk1">
+              <a:shade val="50000"/>
+            </a:schemeClr>
+          </a:lnRef>
+          <a:fillRef idx="1">
+            <a:schemeClr val="dk1"/>
+          </a:fillRef>
+          <a:effectRef idx="0">
+            <a:schemeClr val="dk1"/>
+          </a:effectRef>
+          <a:fontRef idx="minor">
+            <a:schemeClr val="lt1"/>
+          </a:fontRef>
+        </p:style>
+        <p:txBody>
+          <a:bodyPr rtlCol="0" anchor="ctr"/>
+          <a:lstStyle/>
+          <a:p>
+            <a:pPr algn="ctr"/>
+            <a:endParaRPr lang="en-US"/>
+          </a:p>
+        </p:txBody>
+      </p:sp>
+    </p:spTree>
+  </p:cSld>
+  <p:clrMapOvr>
+    <a:masterClrMapping/>
+  </p:clrMapOvr>
+</p:sld>
+</file>
+
+<file path=ppt/slides/slide8.xml><?xml version="1.0" encoding="utf-8"?>
+<p:sld xmlns:a="http://schemas.openxmlformats.org/drawingml/2006/main" xmlns:r="http://schemas.openxmlformats.org/officeDocument/2006/relationships" xmlns:p="http://schemas.openxmlformats.org/presentationml/2006/main">
+  <p:cSld>
+    <p:spTree>
+      <p:nvGrpSpPr>
+        <p:cNvPr id="1" name=""/>
+        <p:cNvGrpSpPr/>
+        <p:nvPr/>
+      </p:nvGrpSpPr>
+      <p:grpSpPr>
+        <a:xfrm>
+          <a:off x="0" y="0"/>
+          <a:ext cx="0" cy="0"/>
+          <a:chOff x="0" y="0"/>
+          <a:chExt cx="0" cy="0"/>
+        </a:xfrm>
+      </p:grpSpPr>
+      <p:sp>
+        <p:nvSpPr>
+          <p:cNvPr id="2" name="Slide Number Placeholder 1"/>
+          <p:cNvSpPr>
+            <a:spLocks noGrp="1"/>
+          </p:cNvSpPr>
+          <p:nvPr>
+            <p:ph type="sldNum" sz="quarter" idx="12"/>
+          </p:nvPr>
+        </p:nvSpPr>
+        <p:spPr/>
+        <p:txBody>
+          <a:bodyPr/>
+          <a:lstStyle/>
+          <a:p>
+            <a:fld id="{48F63A3B-78C7-47BE-AE5E-E10140E04643}" type="slidenum">
+              <a:rPr lang="en-US" smtClean="0"/>
+              <a:pPr/>
+              <a:t>8</a:t>
+            </a:fld>
+            <a:endParaRPr lang="en-US" dirty="0"/>
+          </a:p>
+        </p:txBody>
+      </p:sp>
+      <p:sp>
+        <p:nvSpPr>
+          <p:cNvPr id="3" name="Rectangle 2"/>
+          <p:cNvSpPr/>
+          <p:nvPr/>
+        </p:nvSpPr>
+        <p:spPr>
+          <a:xfrm>
+            <a:off x="359390" y="457199"/>
+            <a:ext cx="10244919" cy="6247864"/>
+          </a:xfrm>
+          <a:prstGeom prst="rect">
+            <a:avLst/>
+          </a:prstGeom>
+        </p:spPr>
+        <p:txBody>
+          <a:bodyPr wrap="square">
+            <a:spAutoFit/>
+          </a:bodyPr>
+          <a:lstStyle/>
+          <a:p>
+            <a:pPr marL="342900" indent="-342900"/>
+            <a:r>
+              <a:rPr lang="en-US" sz="2000" dirty="0" smtClean="0">
+                <a:latin typeface="Times New Roman" pitchFamily="18" charset="0"/>
+                <a:cs typeface="Times New Roman" pitchFamily="18" charset="0"/>
+              </a:rPr>
+              <a:t>8.Then ,create app in </a:t>
+            </a:r>
+            <a:r>
+              <a:rPr lang="en-US" sz="2000" dirty="0" err="1" smtClean="0">
+                <a:latin typeface="Times New Roman" pitchFamily="18" charset="0"/>
+                <a:cs typeface="Times New Roman" pitchFamily="18" charset="0"/>
+              </a:rPr>
+              <a:t>django</a:t>
+            </a:r>
+            <a:r>
+              <a:rPr lang="en-US" sz="2000" dirty="0" smtClean="0">
+                <a:latin typeface="Times New Roman" pitchFamily="18" charset="0"/>
+                <a:cs typeface="Times New Roman" pitchFamily="18" charset="0"/>
+              </a:rPr>
+              <a:t> project</a:t>
+            </a:r>
+          </a:p>
+          <a:p>
+            <a:pPr marL="342900" indent="-342900"/>
+            <a:r>
+              <a:rPr lang="en-US" sz="2000" dirty="0" smtClean="0">
+                <a:latin typeface="Times New Roman" pitchFamily="18" charset="0"/>
+                <a:cs typeface="Times New Roman" pitchFamily="18" charset="0"/>
+              </a:rPr>
+              <a:t>   			</a:t>
+            </a:r>
+            <a:r>
+              <a:rPr lang="en-US" sz="2000" b="1" dirty="0" smtClean="0">
+                <a:latin typeface="Times New Roman" pitchFamily="18" charset="0"/>
+                <a:cs typeface="Times New Roman" pitchFamily="18" charset="0"/>
+              </a:rPr>
+              <a:t>	 python  manage.py  </a:t>
+            </a:r>
+            <a:r>
+              <a:rPr lang="en-US" sz="2000" b="1" dirty="0" err="1" smtClean="0">
+                <a:latin typeface="Times New Roman" pitchFamily="18" charset="0"/>
+                <a:cs typeface="Times New Roman" pitchFamily="18" charset="0"/>
+              </a:rPr>
+              <a:t>startapp</a:t>
+            </a:r>
+            <a:r>
+              <a:rPr lang="en-US" sz="2000" b="1" dirty="0" smtClean="0">
+                <a:latin typeface="Times New Roman" pitchFamily="18" charset="0"/>
+                <a:cs typeface="Times New Roman" pitchFamily="18" charset="0"/>
+              </a:rPr>
+              <a:t>  </a:t>
+            </a:r>
+            <a:r>
+              <a:rPr lang="en-US" sz="2000" b="1" dirty="0" err="1" smtClean="0">
+                <a:latin typeface="Times New Roman" pitchFamily="18" charset="0"/>
+                <a:cs typeface="Times New Roman" pitchFamily="18" charset="0"/>
+              </a:rPr>
+              <a:t>appname</a:t>
+            </a:r>
+            <a:endParaRPr lang="en-US" sz="2000" b="1" dirty="0" smtClean="0">
+              <a:latin typeface="Times New Roman" pitchFamily="18" charset="0"/>
+              <a:cs typeface="Times New Roman" pitchFamily="18" charset="0"/>
+            </a:endParaRPr>
+          </a:p>
+          <a:p>
+            <a:pPr marL="342900" indent="-342900"/>
+            <a:endParaRPr lang="en-US" sz="2000" b="1" dirty="0" smtClean="0">
+              <a:latin typeface="Times New Roman" pitchFamily="18" charset="0"/>
+              <a:cs typeface="Times New Roman" pitchFamily="18" charset="0"/>
+            </a:endParaRPr>
+          </a:p>
+          <a:p>
+            <a:pPr marL="342900" indent="-342900"/>
+            <a:endParaRPr lang="en-US" sz="2000" b="1" dirty="0" smtClean="0">
+              <a:latin typeface="Times New Roman" pitchFamily="18" charset="0"/>
+              <a:cs typeface="Times New Roman" pitchFamily="18" charset="0"/>
+            </a:endParaRPr>
+          </a:p>
+          <a:p>
+            <a:pPr marL="342900" indent="-342900"/>
+            <a:r>
+              <a:rPr lang="en-US" sz="2000" b="1" dirty="0" smtClean="0">
+                <a:latin typeface="Times New Roman" pitchFamily="18" charset="0"/>
+                <a:cs typeface="Times New Roman" pitchFamily="18" charset="0"/>
+              </a:rPr>
+              <a:t>9. So to settings.py</a:t>
+            </a:r>
+          </a:p>
+          <a:p>
+            <a:pPr marL="342900" indent="-342900"/>
+            <a:endParaRPr lang="en-US" sz="2000" b="1" dirty="0" smtClean="0">
+              <a:latin typeface="Times New Roman" pitchFamily="18" charset="0"/>
+              <a:cs typeface="Times New Roman" pitchFamily="18" charset="0"/>
+            </a:endParaRPr>
+          </a:p>
+          <a:p>
+            <a:pPr marL="342900" indent="-342900"/>
+            <a:r>
+              <a:rPr lang="en-US" sz="2000" b="1" dirty="0" smtClean="0">
+                <a:latin typeface="Times New Roman" pitchFamily="18" charset="0"/>
+                <a:cs typeface="Times New Roman" pitchFamily="18" charset="0"/>
+              </a:rPr>
+              <a:t>Import </a:t>
+            </a:r>
+            <a:r>
+              <a:rPr lang="en-US" sz="2000" b="1" dirty="0" err="1" smtClean="0">
+                <a:latin typeface="Times New Roman" pitchFamily="18" charset="0"/>
+                <a:cs typeface="Times New Roman" pitchFamily="18" charset="0"/>
+              </a:rPr>
+              <a:t>os</a:t>
+            </a:r>
+            <a:r>
+              <a:rPr lang="en-US" sz="2000" b="1" dirty="0" smtClean="0">
+                <a:latin typeface="Times New Roman" pitchFamily="18" charset="0"/>
+                <a:cs typeface="Times New Roman" pitchFamily="18" charset="0"/>
+              </a:rPr>
+              <a:t> </a:t>
+            </a:r>
+          </a:p>
+          <a:p>
+            <a:pPr marL="342900" indent="-342900"/>
+            <a:endParaRPr lang="en-US" sz="2000" b="1" dirty="0" smtClean="0">
+              <a:latin typeface="Times New Roman" pitchFamily="18" charset="0"/>
+              <a:cs typeface="Times New Roman" pitchFamily="18" charset="0"/>
+            </a:endParaRPr>
+          </a:p>
+          <a:p>
+            <a:pPr marL="342900" indent="-342900"/>
+            <a:r>
+              <a:rPr lang="en-US" sz="2000" b="1" dirty="0" smtClean="0">
+                <a:latin typeface="Times New Roman" pitchFamily="18" charset="0"/>
+                <a:cs typeface="Times New Roman" pitchFamily="18" charset="0"/>
+              </a:rPr>
+              <a:t> </a:t>
+            </a:r>
+            <a:r>
+              <a:rPr lang="en-US" sz="2000" b="1" dirty="0" smtClean="0">
+                <a:latin typeface="Times New Roman" pitchFamily="18" charset="0"/>
+                <a:cs typeface="Times New Roman" pitchFamily="18" charset="0"/>
+              </a:rPr>
+              <a:t>          INSTALLED_APPS=[    ‘</a:t>
+            </a:r>
+            <a:r>
+              <a:rPr lang="en-US" sz="2000" b="1" dirty="0" err="1" smtClean="0">
+                <a:latin typeface="Times New Roman" pitchFamily="18" charset="0"/>
+                <a:cs typeface="Times New Roman" pitchFamily="18" charset="0"/>
+              </a:rPr>
+              <a:t>eventapp</a:t>
+            </a:r>
+            <a:r>
+              <a:rPr lang="en-US" sz="2000" b="1" dirty="0" smtClean="0">
+                <a:latin typeface="Times New Roman" pitchFamily="18" charset="0"/>
+                <a:cs typeface="Times New Roman" pitchFamily="18" charset="0"/>
+              </a:rPr>
+              <a:t>’,                      app defining</a:t>
+            </a:r>
+          </a:p>
+          <a:p>
+            <a:pPr marL="342900" indent="-342900"/>
+            <a:r>
+              <a:rPr lang="en-US" sz="2000" b="1" dirty="0" smtClean="0">
+                <a:latin typeface="Times New Roman" pitchFamily="18" charset="0"/>
+                <a:cs typeface="Times New Roman" pitchFamily="18" charset="0"/>
+              </a:rPr>
+              <a:t> </a:t>
+            </a:r>
+            <a:r>
+              <a:rPr lang="en-US" sz="2000" b="1" dirty="0" smtClean="0">
+                <a:latin typeface="Times New Roman" pitchFamily="18" charset="0"/>
+                <a:cs typeface="Times New Roman" pitchFamily="18" charset="0"/>
+              </a:rPr>
+              <a:t>                                                 :</a:t>
+            </a:r>
+          </a:p>
+          <a:p>
+            <a:pPr marL="342900" indent="-342900"/>
+            <a:r>
+              <a:rPr lang="en-US" sz="2000" b="1" dirty="0" smtClean="0">
+                <a:latin typeface="Times New Roman" pitchFamily="18" charset="0"/>
+                <a:cs typeface="Times New Roman" pitchFamily="18" charset="0"/>
+              </a:rPr>
+              <a:t> </a:t>
+            </a:r>
+            <a:r>
+              <a:rPr lang="en-US" sz="2000" b="1" dirty="0" smtClean="0">
+                <a:latin typeface="Times New Roman" pitchFamily="18" charset="0"/>
+                <a:cs typeface="Times New Roman" pitchFamily="18" charset="0"/>
+              </a:rPr>
+              <a:t>                                                  : ]</a:t>
+            </a:r>
+          </a:p>
+          <a:p>
+            <a:pPr marL="342900" indent="-342900"/>
+            <a:r>
+              <a:rPr lang="en-US" sz="2000" b="1" dirty="0" smtClean="0">
+                <a:latin typeface="Times New Roman" pitchFamily="18" charset="0"/>
+                <a:cs typeface="Times New Roman" pitchFamily="18" charset="0"/>
+              </a:rPr>
+              <a:t>10. TEMPLATES =[</a:t>
+            </a:r>
+          </a:p>
+          <a:p>
+            <a:pPr marL="342900" indent="-342900"/>
+            <a:endParaRPr lang="en-US" sz="2000" b="1" dirty="0" smtClean="0">
+              <a:latin typeface="Times New Roman" pitchFamily="18" charset="0"/>
+              <a:cs typeface="Times New Roman" pitchFamily="18" charset="0"/>
+            </a:endParaRPr>
+          </a:p>
+          <a:p>
+            <a:pPr marL="342900" indent="-342900"/>
+            <a:r>
+              <a:rPr lang="en-US" sz="2000" b="1" dirty="0" smtClean="0">
+                <a:latin typeface="Times New Roman" pitchFamily="18" charset="0"/>
+                <a:cs typeface="Times New Roman" pitchFamily="18" charset="0"/>
+              </a:rPr>
+              <a:t>							DIRS :[   </a:t>
+            </a:r>
+            <a:r>
+              <a:rPr lang="en-US" sz="2000" b="1" dirty="0" err="1" smtClean="0">
+                <a:latin typeface="Times New Roman" pitchFamily="18" charset="0"/>
+                <a:cs typeface="Times New Roman" pitchFamily="18" charset="0"/>
+              </a:rPr>
+              <a:t>os.path.join</a:t>
+            </a:r>
+            <a:r>
+              <a:rPr lang="en-US" sz="2000" b="1" dirty="0" smtClean="0">
+                <a:latin typeface="Times New Roman" pitchFamily="18" charset="0"/>
+                <a:cs typeface="Times New Roman" pitchFamily="18" charset="0"/>
+              </a:rPr>
+              <a:t>(BASE_DIR,’ template ‘)</a:t>
+            </a:r>
+          </a:p>
+          <a:p>
+            <a:pPr marL="342900" indent="-342900"/>
+            <a:r>
+              <a:rPr lang="en-US" sz="2000" b="1" dirty="0" smtClean="0">
+                <a:latin typeface="Times New Roman" pitchFamily="18" charset="0"/>
+                <a:cs typeface="Times New Roman" pitchFamily="18" charset="0"/>
+              </a:rPr>
+              <a:t> </a:t>
+            </a:r>
+            <a:r>
+              <a:rPr lang="en-US" sz="2000" b="1" dirty="0" smtClean="0">
+                <a:latin typeface="Times New Roman" pitchFamily="18" charset="0"/>
+                <a:cs typeface="Times New Roman" pitchFamily="18" charset="0"/>
+              </a:rPr>
+              <a:t>                                  ]</a:t>
+            </a:r>
+          </a:p>
+          <a:p>
+            <a:pPr marL="342900" indent="-342900"/>
+            <a:endParaRPr lang="en-US" sz="2000" b="1" dirty="0" smtClean="0">
+              <a:latin typeface="Times New Roman" pitchFamily="18" charset="0"/>
+              <a:cs typeface="Times New Roman" pitchFamily="18" charset="0"/>
+            </a:endParaRPr>
+          </a:p>
+          <a:p>
+            <a:pPr marL="342900" indent="-342900"/>
+            <a:r>
+              <a:rPr lang="en-US" sz="2000" b="1" dirty="0" smtClean="0">
+                <a:latin typeface="Times New Roman" pitchFamily="18" charset="0"/>
+                <a:cs typeface="Times New Roman" pitchFamily="18" charset="0"/>
+              </a:rPr>
+              <a:t>11.Below STATIC_URL =‘static/’</a:t>
+            </a:r>
+          </a:p>
+          <a:p>
+            <a:pPr marL="342900" indent="-342900"/>
+            <a:r>
+              <a:rPr lang="en-US" sz="2000" b="1" dirty="0" smtClean="0">
+                <a:latin typeface="Times New Roman" pitchFamily="18" charset="0"/>
+                <a:cs typeface="Times New Roman" pitchFamily="18" charset="0"/>
+              </a:rPr>
+              <a:t> </a:t>
+            </a:r>
+            <a:r>
+              <a:rPr lang="en-US" sz="2000" b="1" dirty="0" smtClean="0">
+                <a:latin typeface="Times New Roman" pitchFamily="18" charset="0"/>
+                <a:cs typeface="Times New Roman" pitchFamily="18" charset="0"/>
+              </a:rPr>
+              <a:t>           define :</a:t>
+            </a:r>
+          </a:p>
+          <a:p>
+            <a:pPr marL="342900" indent="-342900"/>
+            <a:r>
+              <a:rPr lang="en-US" sz="2000" b="1" dirty="0" smtClean="0">
+                <a:latin typeface="Times New Roman" pitchFamily="18" charset="0"/>
+                <a:cs typeface="Times New Roman" pitchFamily="18" charset="0"/>
+              </a:rPr>
+              <a:t>                      STATICFILES_DIR =[  </a:t>
+            </a:r>
+            <a:r>
+              <a:rPr lang="en-US" sz="2000" b="1" dirty="0" err="1" smtClean="0">
+                <a:latin typeface="Times New Roman" pitchFamily="18" charset="0"/>
+                <a:cs typeface="Times New Roman" pitchFamily="18" charset="0"/>
+              </a:rPr>
+              <a:t>os.path.join</a:t>
+            </a:r>
+            <a:r>
+              <a:rPr lang="en-US" sz="2000" b="1" dirty="0" smtClean="0">
+                <a:latin typeface="Times New Roman" pitchFamily="18" charset="0"/>
+                <a:cs typeface="Times New Roman" pitchFamily="18" charset="0"/>
+              </a:rPr>
+              <a:t>(BASE_DIR,’ </a:t>
+            </a:r>
+            <a:r>
+              <a:rPr lang="en-US" sz="2000" b="1" dirty="0" smtClean="0">
+                <a:latin typeface="Times New Roman" pitchFamily="18" charset="0"/>
+                <a:cs typeface="Times New Roman" pitchFamily="18" charset="0"/>
+              </a:rPr>
+              <a:t>static </a:t>
+            </a:r>
+            <a:r>
+              <a:rPr lang="en-US" sz="2000" b="1" dirty="0" smtClean="0">
+                <a:latin typeface="Times New Roman" pitchFamily="18" charset="0"/>
+                <a:cs typeface="Times New Roman" pitchFamily="18" charset="0"/>
+              </a:rPr>
+              <a:t>‘)</a:t>
+            </a:r>
+            <a:endParaRPr lang="en-US" sz="2000" b="1" dirty="0" smtClean="0">
+              <a:latin typeface="Times New Roman" pitchFamily="18" charset="0"/>
+              <a:cs typeface="Times New Roman" pitchFamily="18" charset="0"/>
+            </a:endParaRPr>
+          </a:p>
+          <a:p>
+            <a:pPr marL="342900" indent="-342900"/>
+            <a:endParaRPr lang="en-US" sz="2000" b="1" dirty="0" smtClean="0">
+              <a:latin typeface="Times New Roman" pitchFamily="18" charset="0"/>
+              <a:cs typeface="Times New Roman" pitchFamily="18" charset="0"/>
+            </a:endParaRPr>
+          </a:p>
+        </p:txBody>
+      </p:sp>
+      <p:sp>
+        <p:nvSpPr>
+          <p:cNvPr id="4" name="Right Arrow 3"/>
+          <p:cNvSpPr/>
+          <p:nvPr/>
+        </p:nvSpPr>
+        <p:spPr>
+          <a:xfrm>
+            <a:off x="5349922" y="1869743"/>
+            <a:ext cx="873457" cy="54591"/>
+          </a:xfrm>
+          <a:prstGeom prst="rightArrow">
+            <a:avLst/>
+          </a:prstGeom>
+        </p:spPr>
+        <p:style>
+          <a:lnRef idx="2">
+            <a:schemeClr val="dk1">
+              <a:shade val="50000"/>
+            </a:schemeClr>
+          </a:lnRef>
+          <a:fillRef idx="1">
+            <a:schemeClr val="dk1"/>
+          </a:fillRef>
+          <a:effectRef idx="0">
+            <a:schemeClr val="dk1"/>
+          </a:effectRef>
+          <a:fontRef idx="minor">
+            <a:schemeClr val="lt1"/>
+          </a:fontRef>
+        </p:style>
+        <p:txBody>
+          <a:bodyPr rtlCol="0" anchor="ctr"/>
+          <a:lstStyle/>
+          <a:p>
+            <a:pPr algn="ctr"/>
+            <a:endParaRPr lang="en-US"/>
+          </a:p>
+        </p:txBody>
+      </p:sp>
+    </p:spTree>
+  </p:cSld>
+  <p:clrMapOvr>
+    <a:masterClrMapping/>
+  </p:clrMapOvr>
+</p:sld>
+</file>
+
+<file path=ppt/slides/slide9.xml><?xml version="1.0" encoding="utf-8"?>
+<p:sld xmlns:a="http://schemas.openxmlformats.org/drawingml/2006/main" xmlns:r="http://schemas.openxmlformats.org/officeDocument/2006/relationships" xmlns:p="http://schemas.openxmlformats.org/presentationml/2006/main">
+  <p:cSld>
+    <p:spTree>
+      <p:nvGrpSpPr>
+        <p:cNvPr id="1" name=""/>
+        <p:cNvGrpSpPr/>
+        <p:nvPr/>
+      </p:nvGrpSpPr>
+      <p:grpSpPr>
+        <a:xfrm>
+          <a:off x="0" y="0"/>
+          <a:ext cx="0" cy="0"/>
+          <a:chOff x="0" y="0"/>
+          <a:chExt cx="0" cy="0"/>
+        </a:xfrm>
+      </p:grpSpPr>
+      <p:sp>
+        <p:nvSpPr>
+          <p:cNvPr id="2" name="Slide Number Placeholder 1"/>
+          <p:cNvSpPr>
+            <a:spLocks noGrp="1"/>
+          </p:cNvSpPr>
+          <p:nvPr>
+            <p:ph type="sldNum" sz="quarter" idx="12"/>
+          </p:nvPr>
+        </p:nvSpPr>
+        <p:spPr/>
+        <p:txBody>
+          <a:bodyPr/>
+          <a:lstStyle/>
+          <a:p>
+            <a:fld id="{48F63A3B-78C7-47BE-AE5E-E10140E04643}" type="slidenum">
+              <a:rPr lang="en-US" smtClean="0"/>
+              <a:pPr/>
+              <a:t>9</a:t>
+            </a:fld>
+            <a:endParaRPr lang="en-US" dirty="0"/>
+          </a:p>
+        </p:txBody>
+      </p:sp>
+      <p:sp>
+        <p:nvSpPr>
+          <p:cNvPr id="3" name="Rectangle 2"/>
+          <p:cNvSpPr/>
+          <p:nvPr/>
+        </p:nvSpPr>
+        <p:spPr>
+          <a:xfrm>
+            <a:off x="441278" y="457199"/>
+            <a:ext cx="6096000" cy="3077766"/>
+          </a:xfrm>
+          <a:prstGeom prst="rect">
+            <a:avLst/>
+          </a:prstGeom>
+        </p:spPr>
+        <p:txBody>
+          <a:bodyPr>
+            <a:spAutoFit/>
+          </a:bodyPr>
+          <a:lstStyle/>
+          <a:p>
+            <a:pPr marL="342900" indent="-342900"/>
+            <a:r>
+              <a:rPr lang="en-US" b="1" dirty="0" smtClean="0">
+                <a:latin typeface="Times New Roman" pitchFamily="18" charset="0"/>
+                <a:cs typeface="Times New Roman" pitchFamily="18" charset="0"/>
+              </a:rPr>
+              <a:t>12. </a:t>
+            </a:r>
+            <a:r>
+              <a:rPr lang="en-US" b="1" dirty="0" smtClean="0">
+                <a:latin typeface="Times New Roman" pitchFamily="18" charset="0"/>
+                <a:cs typeface="Times New Roman" pitchFamily="18" charset="0"/>
+              </a:rPr>
+              <a:t>In the template folder :</a:t>
+            </a:r>
+          </a:p>
+          <a:p>
+            <a:pPr marL="342900" indent="-342900"/>
+            <a:r>
+              <a:rPr lang="en-US" b="1" dirty="0" smtClean="0">
+                <a:latin typeface="Times New Roman" pitchFamily="18" charset="0"/>
+                <a:cs typeface="Times New Roman" pitchFamily="18" charset="0"/>
+              </a:rPr>
+              <a:t>Create html files</a:t>
+            </a:r>
+            <a:r>
+              <a:rPr lang="en-US" b="1" dirty="0" smtClean="0">
+                <a:latin typeface="Times New Roman" pitchFamily="18" charset="0"/>
+                <a:cs typeface="Times New Roman" pitchFamily="18" charset="0"/>
+              </a:rPr>
+              <a:t>:</a:t>
+            </a:r>
+          </a:p>
+          <a:p>
+            <a:pPr marL="342900" indent="-342900"/>
+            <a:endParaRPr lang="en-US" b="1" dirty="0" smtClean="0">
+              <a:latin typeface="Times New Roman" pitchFamily="18" charset="0"/>
+              <a:cs typeface="Times New Roman" pitchFamily="18" charset="0"/>
+            </a:endParaRPr>
+          </a:p>
+          <a:p>
+            <a:pPr marL="342900" indent="-342900"/>
+            <a:r>
+              <a:rPr lang="en-US" dirty="0" smtClean="0">
+                <a:latin typeface="Times New Roman" pitchFamily="18" charset="0"/>
+                <a:cs typeface="Times New Roman" pitchFamily="18" charset="0"/>
+              </a:rPr>
+              <a:t>	</a:t>
+            </a:r>
+            <a:r>
+              <a:rPr lang="en-US" sz="2000" b="1" dirty="0" smtClean="0">
+                <a:latin typeface="Times New Roman" pitchFamily="18" charset="0"/>
+                <a:cs typeface="Times New Roman" pitchFamily="18" charset="0"/>
+              </a:rPr>
+              <a:t>template</a:t>
+            </a:r>
+            <a:r>
+              <a:rPr lang="en-US" sz="2000" b="1" dirty="0" smtClean="0">
+                <a:latin typeface="Times New Roman" pitchFamily="18" charset="0"/>
+                <a:cs typeface="Times New Roman" pitchFamily="18" charset="0"/>
+              </a:rPr>
+              <a:t>/</a:t>
+            </a:r>
+          </a:p>
+          <a:p>
+            <a:pPr marL="342900" indent="-342900"/>
+            <a:r>
+              <a:rPr lang="en-US" sz="2000" b="1" dirty="0" smtClean="0">
+                <a:latin typeface="Times New Roman" pitchFamily="18" charset="0"/>
+                <a:cs typeface="Times New Roman" pitchFamily="18" charset="0"/>
+              </a:rPr>
+              <a:t>               ├── </a:t>
+            </a:r>
+            <a:r>
+              <a:rPr lang="en-US" sz="2000" b="1" dirty="0" smtClean="0">
+                <a:solidFill>
+                  <a:srgbClr val="FF0000"/>
+                </a:solidFill>
+                <a:latin typeface="Times New Roman" pitchFamily="18" charset="0"/>
+                <a:cs typeface="Times New Roman" pitchFamily="18" charset="0"/>
+              </a:rPr>
+              <a:t>base.html</a:t>
+            </a:r>
+            <a:endParaRPr lang="en-US" sz="2000" b="1" dirty="0" smtClean="0">
+              <a:solidFill>
+                <a:srgbClr val="FF0000"/>
+              </a:solidFill>
+              <a:latin typeface="Times New Roman" pitchFamily="18" charset="0"/>
+              <a:cs typeface="Times New Roman" pitchFamily="18" charset="0"/>
+            </a:endParaRPr>
+          </a:p>
+          <a:p>
+            <a:pPr marL="342900" indent="-342900"/>
+            <a:r>
+              <a:rPr lang="en-US" sz="2000" b="1" dirty="0" smtClean="0">
+                <a:latin typeface="Times New Roman" pitchFamily="18" charset="0"/>
+                <a:cs typeface="Times New Roman" pitchFamily="18" charset="0"/>
+              </a:rPr>
+              <a:t>			├── index.html</a:t>
+            </a:r>
+          </a:p>
+          <a:p>
+            <a:pPr marL="342900" indent="-342900"/>
+            <a:r>
+              <a:rPr lang="en-US" sz="2000" b="1" dirty="0" smtClean="0">
+                <a:latin typeface="Times New Roman" pitchFamily="18" charset="0"/>
+                <a:cs typeface="Times New Roman" pitchFamily="18" charset="0"/>
+              </a:rPr>
+              <a:t>			├── about.html</a:t>
+            </a:r>
+          </a:p>
+          <a:p>
+            <a:pPr marL="342900" indent="-342900"/>
+            <a:r>
+              <a:rPr lang="en-US" sz="2000" b="1" dirty="0" smtClean="0">
+                <a:latin typeface="Times New Roman" pitchFamily="18" charset="0"/>
+                <a:cs typeface="Times New Roman" pitchFamily="18" charset="0"/>
+              </a:rPr>
+              <a:t>			├──events.html</a:t>
+            </a:r>
+          </a:p>
+          <a:p>
+            <a:pPr marL="342900" indent="-342900"/>
+            <a:r>
+              <a:rPr lang="en-US" sz="2000" b="1" dirty="0" smtClean="0">
+                <a:latin typeface="Times New Roman" pitchFamily="18" charset="0"/>
+                <a:cs typeface="Times New Roman" pitchFamily="18" charset="0"/>
+              </a:rPr>
+              <a:t>		       ├── booking.html</a:t>
+            </a:r>
+          </a:p>
+          <a:p>
+            <a:pPr marL="342900" indent="-342900"/>
+            <a:r>
+              <a:rPr lang="en-US" sz="2000" b="1" dirty="0" smtClean="0">
+                <a:latin typeface="Times New Roman" pitchFamily="18" charset="0"/>
+                <a:cs typeface="Times New Roman" pitchFamily="18" charset="0"/>
+              </a:rPr>
+              <a:t>	         ├── contact.html</a:t>
+            </a:r>
+          </a:p>
+        </p:txBody>
+      </p:sp>
+      <p:sp>
+        <p:nvSpPr>
+          <p:cNvPr id="4" name="TextBox 3"/>
+          <p:cNvSpPr txBox="1"/>
+          <p:nvPr/>
+        </p:nvSpPr>
+        <p:spPr>
+          <a:xfrm>
+            <a:off x="5868537" y="1011197"/>
+            <a:ext cx="2667718" cy="2308324"/>
+          </a:xfrm>
+          <a:prstGeom prst="rect">
+            <a:avLst/>
+          </a:prstGeom>
+          <a:noFill/>
+        </p:spPr>
+        <p:txBody>
+          <a:bodyPr wrap="none" rtlCol="0">
+            <a:spAutoFit/>
+          </a:bodyPr>
+          <a:lstStyle/>
+          <a:p>
+            <a:pPr marL="342900" indent="-342900"/>
+            <a:r>
+              <a:rPr lang="en-US" sz="2400" b="1" dirty="0" smtClean="0">
+                <a:latin typeface="Times New Roman" pitchFamily="18" charset="0"/>
+                <a:cs typeface="Times New Roman" pitchFamily="18" charset="0"/>
+              </a:rPr>
+              <a:t>static/</a:t>
+            </a:r>
+            <a:endParaRPr lang="en-US" sz="2400" b="1" dirty="0" smtClean="0">
+              <a:latin typeface="Times New Roman" pitchFamily="18" charset="0"/>
+              <a:cs typeface="Times New Roman" pitchFamily="18" charset="0"/>
+            </a:endParaRPr>
+          </a:p>
+          <a:p>
+            <a:pPr marL="342900" indent="-342900"/>
+            <a:r>
+              <a:rPr lang="en-US" sz="2400" b="1" dirty="0" smtClean="0">
+                <a:latin typeface="Times New Roman" pitchFamily="18" charset="0"/>
+                <a:cs typeface="Times New Roman" pitchFamily="18" charset="0"/>
+              </a:rPr>
+              <a:t>			├── </a:t>
+            </a:r>
+            <a:r>
+              <a:rPr lang="en-US" sz="2400" b="1" dirty="0" err="1" smtClean="0">
+                <a:latin typeface="Times New Roman" pitchFamily="18" charset="0"/>
+                <a:cs typeface="Times New Roman" pitchFamily="18" charset="0"/>
+              </a:rPr>
+              <a:t>css</a:t>
+            </a:r>
+            <a:endParaRPr lang="en-US" sz="2400" b="1" dirty="0" smtClean="0">
+              <a:latin typeface="Times New Roman" pitchFamily="18" charset="0"/>
+              <a:cs typeface="Times New Roman" pitchFamily="18" charset="0"/>
+            </a:endParaRPr>
+          </a:p>
+          <a:p>
+            <a:pPr marL="342900" indent="-342900"/>
+            <a:r>
+              <a:rPr lang="en-US" sz="2400" b="1" dirty="0" smtClean="0">
+                <a:latin typeface="Times New Roman" pitchFamily="18" charset="0"/>
+                <a:cs typeface="Times New Roman" pitchFamily="18" charset="0"/>
+              </a:rPr>
+              <a:t>			</a:t>
+            </a:r>
+            <a:r>
+              <a:rPr lang="en-US" sz="2400" b="1" dirty="0" smtClean="0">
+                <a:latin typeface="Times New Roman" pitchFamily="18" charset="0"/>
+                <a:cs typeface="Times New Roman" pitchFamily="18" charset="0"/>
+              </a:rPr>
+              <a:t>├──</a:t>
+            </a:r>
+            <a:r>
+              <a:rPr lang="en-US" sz="2400" b="1" dirty="0" err="1" smtClean="0">
+                <a:latin typeface="Times New Roman" pitchFamily="18" charset="0"/>
+                <a:cs typeface="Times New Roman" pitchFamily="18" charset="0"/>
+              </a:rPr>
+              <a:t>js</a:t>
+            </a:r>
+            <a:endParaRPr lang="en-US" sz="2400" b="1" dirty="0" smtClean="0">
+              <a:latin typeface="Times New Roman" pitchFamily="18" charset="0"/>
+              <a:cs typeface="Times New Roman" pitchFamily="18" charset="0"/>
+            </a:endParaRPr>
+          </a:p>
+          <a:p>
+            <a:pPr marL="342900" indent="-342900"/>
+            <a:r>
+              <a:rPr lang="en-US" sz="2400" b="1" dirty="0" smtClean="0">
+                <a:latin typeface="Times New Roman" pitchFamily="18" charset="0"/>
+                <a:cs typeface="Times New Roman" pitchFamily="18" charset="0"/>
+              </a:rPr>
+              <a:t>			</a:t>
+            </a:r>
+            <a:r>
+              <a:rPr lang="en-US" sz="2400" b="1" dirty="0" smtClean="0">
+                <a:latin typeface="Times New Roman" pitchFamily="18" charset="0"/>
+                <a:cs typeface="Times New Roman" pitchFamily="18" charset="0"/>
+              </a:rPr>
+              <a:t>├──images</a:t>
+            </a:r>
+            <a:endParaRPr lang="en-US" sz="2400" b="1" dirty="0" smtClean="0">
+              <a:latin typeface="Times New Roman" pitchFamily="18" charset="0"/>
+              <a:cs typeface="Times New Roman" pitchFamily="18" charset="0"/>
+            </a:endParaRPr>
+          </a:p>
+          <a:p>
+            <a:pPr marL="342900" indent="-342900"/>
+            <a:r>
+              <a:rPr lang="en-US" sz="2400" b="1" dirty="0" smtClean="0">
+                <a:latin typeface="Times New Roman" pitchFamily="18" charset="0"/>
+                <a:cs typeface="Times New Roman" pitchFamily="18" charset="0"/>
+              </a:rPr>
+              <a:t>		</a:t>
+            </a:r>
+          </a:p>
+          <a:p>
+            <a:pPr marL="342900" indent="-342900"/>
+            <a:r>
+              <a:rPr lang="en-US" sz="2400" b="1" dirty="0" smtClean="0">
+                <a:latin typeface="Times New Roman" pitchFamily="18" charset="0"/>
+                <a:cs typeface="Times New Roman" pitchFamily="18" charset="0"/>
+              </a:rPr>
+              <a:t>	</a:t>
+            </a:r>
+          </a:p>
+        </p:txBody>
+      </p:sp>
+    </p:spTree>
   </p:cSld>
   <p:clrMapOvr>
     <a:masterClrMapping/>
@@ -17624,7 +19686,7 @@
   <a:extraClrSchemeLst/>
   <a:extLst>
     <a:ext uri="{05A4C25C-085E-4340-85A3-A5531E510DB2}">
-      <thm15:themeFamily xmlns:thm15="http://schemas.microsoft.com/office/thememl/2012/main" name="Geometric color block_Win32_SL_v14" id="{59749740-91A0-46B8-82A8-B436C7A8A142}" vid="{B3F8D047-377B-4FC8-B21C-47530C6DE3AB}"/>
+      <thm15:themeFamily xmlns="" xmlns:thm15="http://schemas.microsoft.com/office/thememl/2012/main" name="Geometric color block_Win32_SL_v14" id="{59749740-91A0-46B8-82A8-B436C7A8A142}" vid="{B3F8D047-377B-4FC8-B21C-47530C6DE3AB}"/>
     </a:ext>
   </a:extLst>
 </a:theme>
@@ -17673,7 +19735,7 @@
     </a:clrScheme>
     <a:fontScheme name="Office">
       <a:majorFont>
-        <a:latin typeface="Calibri Light" panose="020F0302020204030204"/>
+        <a:latin typeface="Calibri Light"/>
         <a:ea typeface=""/>
         <a:cs typeface=""/>
         <a:font script="Jpan" typeface="游ゴシック Light"/>
@@ -17725,7 +19787,7 @@
         <a:font script="Tfng" typeface="Ebrima"/>
       </a:majorFont>
       <a:minorFont>
-        <a:latin typeface="Calibri" panose="020F0502020204030204"/>
+        <a:latin typeface="Calibri"/>
         <a:ea typeface=""/>
         <a:cs typeface=""/>
         <a:font script="Jpan" typeface="游ゴシック"/>
@@ -17919,7 +19981,7 @@
   <a:extraClrSchemeLst/>
   <a:extLst>
     <a:ext uri="{05A4C25C-085E-4340-85A3-A5531E510DB2}">
-      <thm15:themeFamily xmlns:thm15="http://schemas.microsoft.com/office/thememl/2012/main" name="Office Theme" id="{62F939B6-93AF-4DB8-9C6B-D6C7DFDC589F}" vid="{4A3C46E8-61CC-4603-A589-7422A47A8E4A}"/>
+      <thm15:themeFamily xmlns="" xmlns:thm15="http://schemas.microsoft.com/office/thememl/2012/main" name="Office Theme" id="{62F939B6-93AF-4DB8-9C6B-D6C7DFDC589F}" vid="{4A3C46E8-61CC-4603-A589-7422A47A8E4A}"/>
     </a:ext>
   </a:extLst>
 </a:theme>
@@ -17968,7 +20030,7 @@
     </a:clrScheme>
     <a:fontScheme name="Office">
       <a:majorFont>
-        <a:latin typeface="Calibri Light" panose="020F0302020204030204"/>
+        <a:latin typeface="Calibri Light"/>
         <a:ea typeface=""/>
         <a:cs typeface=""/>
         <a:font script="Jpan" typeface="游ゴシック Light"/>
@@ -18020,7 +20082,7 @@
         <a:font script="Tfng" typeface="Ebrima"/>
       </a:majorFont>
       <a:minorFont>
-        <a:latin typeface="Calibri" panose="020F0502020204030204"/>
+        <a:latin typeface="Calibri"/>
         <a:ea typeface=""/>
         <a:cs typeface=""/>
         <a:font script="Jpan" typeface="游ゴシック"/>
@@ -18214,7 +20276,7 @@
   <a:extraClrSchemeLst/>
   <a:extLst>
     <a:ext uri="{05A4C25C-085E-4340-85A3-A5531E510DB2}">
-      <thm15:themeFamily xmlns:thm15="http://schemas.microsoft.com/office/thememl/2012/main" name="Office Theme" id="{62F939B6-93AF-4DB8-9C6B-D6C7DFDC589F}" vid="{4A3C46E8-61CC-4603-A589-7422A47A8E4A}"/>
+      <thm15:themeFamily xmlns="" xmlns:thm15="http://schemas.microsoft.com/office/thememl/2012/main" name="Office Theme" id="{62F939B6-93AF-4DB8-9C6B-D6C7DFDC589F}" vid="{4A3C46E8-61CC-4603-A589-7422A47A8E4A}"/>
     </a:ext>
   </a:extLst>
 </a:theme>
